--- a/Immutability Dojo.pptx
+++ b/Immutability Dojo.pptx
@@ -109,6 +109,11 @@
       </a:defRPr>
     </a:lvl9pPr>
   </p:defaultTextStyle>
+  <p:extLst>
+    <p:ext uri="{EFAFB233-063F-42B5-8137-9DF3F51BA10A}">
+      <p15:sldGuideLst xmlns:p15="http://schemas.microsoft.com/office/powerpoint/2012/main"/>
+    </p:ext>
+  </p:extLst>
 </p:presentation>
 </file>
 
@@ -3235,7 +3240,64 @@
           <a:bodyPr/>
           <a:lstStyle/>
           <a:p>
-            <a:endParaRPr lang="en-GB"/>
+            <a:r>
+              <a:rPr lang="en-GB" dirty="0" smtClean="0"/>
+              <a:t>Code </a:t>
+            </a:r>
+            <a:r>
+              <a:rPr lang="en-GB" dirty="0"/>
+              <a:t>easier to </a:t>
+            </a:r>
+            <a:r>
+              <a:rPr lang="en-GB" dirty="0" smtClean="0"/>
+              <a:t>reason about</a:t>
+            </a:r>
+          </a:p>
+          <a:p>
+            <a:r>
+              <a:rPr lang="en-GB" dirty="0" smtClean="0"/>
+              <a:t>Code harder to break by accident</a:t>
+            </a:r>
+          </a:p>
+          <a:p>
+            <a:r>
+              <a:rPr lang="en-GB" dirty="0" smtClean="0"/>
+              <a:t>Objects are always valid (or not created), AKA </a:t>
+            </a:r>
+            <a:r>
+              <a:rPr lang="en-GB" dirty="0"/>
+              <a:t>Failure </a:t>
+            </a:r>
+            <a:r>
+              <a:rPr lang="en-GB" dirty="0" smtClean="0"/>
+              <a:t>Atomicity</a:t>
+            </a:r>
+          </a:p>
+          <a:p>
+            <a:r>
+              <a:rPr lang="en-GB" dirty="0" smtClean="0"/>
+              <a:t>Temporal </a:t>
+            </a:r>
+            <a:r>
+              <a:rPr lang="en-GB" dirty="0"/>
+              <a:t>coupling </a:t>
+            </a:r>
+            <a:r>
+              <a:rPr lang="en-GB" dirty="0" smtClean="0"/>
+              <a:t>minimised</a:t>
+            </a:r>
+            <a:endParaRPr lang="en-GB" dirty="0"/>
+          </a:p>
+          <a:p>
+            <a:r>
+              <a:rPr lang="en-GB" dirty="0" smtClean="0"/>
+              <a:t>Code automatically </a:t>
+            </a:r>
+            <a:r>
+              <a:rPr lang="en-GB" dirty="0" err="1" smtClean="0"/>
+              <a:t>threadsafe</a:t>
+            </a:r>
+            <a:endParaRPr lang="en-GB" dirty="0"/>
           </a:p>
         </p:txBody>
       </p:sp>

--- a/Immutability Dojo.pptx
+++ b/Immutability Dojo.pptx
@@ -8,9 +8,11 @@
     <p:sldId id="256" r:id="rId2"/>
     <p:sldId id="257" r:id="rId3"/>
     <p:sldId id="258" r:id="rId4"/>
-    <p:sldId id="259" r:id="rId5"/>
-    <p:sldId id="260" r:id="rId6"/>
-    <p:sldId id="261" r:id="rId7"/>
+    <p:sldId id="265" r:id="rId5"/>
+    <p:sldId id="264" r:id="rId6"/>
+    <p:sldId id="259" r:id="rId7"/>
+    <p:sldId id="260" r:id="rId8"/>
+    <p:sldId id="262" r:id="rId9"/>
   </p:sldIdLst>
   <p:sldSz cx="12192000" cy="6858000"/>
   <p:notesSz cx="6858000" cy="9144000"/>
@@ -3038,6 +3040,13 @@
   <p:clrMapOvr>
     <a:masterClrMapping/>
   </p:clrMapOvr>
+  <p:timing>
+    <p:tnLst>
+      <p:par>
+        <p:cTn id="1" dur="indefinite" restart="never" nodeType="tmRoot"/>
+      </p:par>
+    </p:tnLst>
+  </p:timing>
 </p:sld>
 </file>
 
@@ -3096,10 +3105,158 @@
           <a:bodyPr/>
           <a:lstStyle/>
           <a:p>
-            <a:endParaRPr lang="en-GB"/>
-          </a:p>
-        </p:txBody>
-      </p:sp>
+            <a:pPr marL="0" indent="0">
+              <a:buNone/>
+            </a:pPr>
+            <a:r>
+              <a:rPr lang="en-GB" dirty="0" smtClean="0"/>
+              <a:t>..an</a:t>
+            </a:r>
+            <a:r>
+              <a:rPr lang="en-GB" dirty="0"/>
+              <a:t> </a:t>
+            </a:r>
+            <a:r>
+              <a:rPr lang="en-GB" b="1" dirty="0"/>
+              <a:t>immutable</a:t>
+            </a:r>
+            <a:r>
+              <a:rPr lang="en-GB" dirty="0"/>
+              <a:t> object (unchangeable object) is an object whose state cannot be modified after it is </a:t>
+            </a:r>
+            <a:r>
+              <a:rPr lang="en-GB" dirty="0" smtClean="0"/>
+              <a:t>created.</a:t>
+            </a:r>
+          </a:p>
+          <a:p>
+            <a:pPr marL="0" indent="0">
+              <a:buNone/>
+            </a:pPr>
+            <a:endParaRPr lang="en-GB" dirty="0"/>
+          </a:p>
+          <a:p>
+            <a:pPr marL="0" indent="0">
+              <a:buNone/>
+            </a:pPr>
+            <a:r>
+              <a:rPr lang="en-GB" dirty="0" err="1"/>
+              <a:t>i</a:t>
+            </a:r>
+            <a:r>
+              <a:rPr lang="en-GB" dirty="0" err="1" smtClean="0"/>
+              <a:t>nt</a:t>
+            </a:r>
+            <a:r>
+              <a:rPr lang="en-GB" dirty="0" smtClean="0"/>
+              <a:t> x = 10;</a:t>
+            </a:r>
+          </a:p>
+          <a:p>
+            <a:pPr marL="0" indent="0">
+              <a:buNone/>
+            </a:pPr>
+            <a:endParaRPr lang="en-GB" dirty="0" smtClean="0"/>
+          </a:p>
+          <a:p>
+            <a:pPr marL="0" indent="0">
+              <a:buNone/>
+            </a:pPr>
+            <a:r>
+              <a:rPr lang="en-GB" dirty="0"/>
+              <a:t>x</a:t>
+            </a:r>
+            <a:r>
+              <a:rPr lang="en-GB" dirty="0" smtClean="0"/>
+              <a:t> = x + 10;</a:t>
+            </a:r>
+          </a:p>
+          <a:p>
+            <a:pPr marL="0" indent="0">
+              <a:buNone/>
+            </a:pPr>
+            <a:endParaRPr lang="en-GB" dirty="0"/>
+          </a:p>
+          <a:p>
+            <a:pPr marL="0" indent="0">
+              <a:buNone/>
+            </a:pPr>
+            <a:r>
+              <a:rPr lang="en-GB" dirty="0" err="1"/>
+              <a:t>i</a:t>
+            </a:r>
+            <a:r>
+              <a:rPr lang="en-GB" dirty="0" err="1" smtClean="0"/>
+              <a:t>nt</a:t>
+            </a:r>
+            <a:r>
+              <a:rPr lang="en-GB" dirty="0" smtClean="0"/>
+              <a:t> y = x + 10;</a:t>
+            </a:r>
+            <a:endParaRPr lang="en-GB" dirty="0"/>
+          </a:p>
+        </p:txBody>
+      </p:sp>
+      <p:pic>
+        <p:nvPicPr>
+          <p:cNvPr id="4" name="Picture 3"/>
+          <p:cNvPicPr>
+            <a:picLocks noChangeAspect="1"/>
+          </p:cNvPicPr>
+          <p:nvPr/>
+        </p:nvPicPr>
+        <p:blipFill>
+          <a:blip r:embed="rId2" cstate="print">
+            <a:extLst>
+              <a:ext uri="{28A0092B-C50C-407E-A947-70E740481C1C}">
+                <a14:useLocalDpi xmlns:a14="http://schemas.microsoft.com/office/drawing/2010/main" val="0"/>
+              </a:ext>
+            </a:extLst>
+          </a:blip>
+          <a:stretch>
+            <a:fillRect/>
+          </a:stretch>
+        </p:blipFill>
+        <p:spPr>
+          <a:xfrm>
+            <a:off x="3095823" y="5093309"/>
+            <a:ext cx="1109623" cy="832218"/>
+          </a:xfrm>
+          <a:prstGeom prst="rect">
+            <a:avLst/>
+          </a:prstGeom>
+        </p:spPr>
+      </p:pic>
+      <p:pic>
+        <p:nvPicPr>
+          <p:cNvPr id="5" name="Picture 4"/>
+          <p:cNvPicPr>
+            <a:picLocks noChangeAspect="1"/>
+          </p:cNvPicPr>
+          <p:nvPr/>
+        </p:nvPicPr>
+        <p:blipFill>
+          <a:blip r:embed="rId3" cstate="print">
+            <a:extLst>
+              <a:ext uri="{28A0092B-C50C-407E-A947-70E740481C1C}">
+                <a14:useLocalDpi xmlns:a14="http://schemas.microsoft.com/office/drawing/2010/main" val="0"/>
+              </a:ext>
+            </a:extLst>
+          </a:blip>
+          <a:stretch>
+            <a:fillRect/>
+          </a:stretch>
+        </p:blipFill>
+        <p:spPr>
+          <a:xfrm>
+            <a:off x="2513197" y="4144538"/>
+            <a:ext cx="813557" cy="697335"/>
+          </a:xfrm>
+          <a:prstGeom prst="rect">
+            <a:avLst/>
+          </a:prstGeom>
+        </p:spPr>
+      </p:pic>
     </p:spTree>
     <p:extLst>
       <p:ext uri="{BB962C8B-B14F-4D97-AF65-F5344CB8AC3E}">
@@ -3110,6 +3267,13 @@
   <p:clrMapOvr>
     <a:masterClrMapping/>
   </p:clrMapOvr>
+  <p:timing>
+    <p:tnLst>
+      <p:par>
+        <p:cTn id="1" dur="indefinite" restart="never" nodeType="tmRoot"/>
+      </p:par>
+    </p:tnLst>
+  </p:timing>
 </p:sld>
 </file>
 
@@ -3147,7 +3311,11 @@
           <a:p>
             <a:r>
               <a:rPr lang="en-GB" dirty="0" smtClean="0"/>
-              <a:t>Immutable Code Example</a:t>
+              <a:t>Immutable Code </a:t>
+            </a:r>
+            <a:r>
+              <a:rPr lang="en-GB" dirty="0" smtClean="0"/>
+              <a:t>Example - strings</a:t>
             </a:r>
             <a:endParaRPr lang="en-GB" dirty="0"/>
           </a:p>
@@ -3168,10 +3336,183 @@
           <a:bodyPr/>
           <a:lstStyle/>
           <a:p>
-            <a:endParaRPr lang="en-GB"/>
-          </a:p>
-        </p:txBody>
-      </p:sp>
+            <a:pPr marL="0" indent="0">
+              <a:buNone/>
+            </a:pPr>
+            <a:r>
+              <a:rPr lang="en-GB" dirty="0" err="1"/>
+              <a:t>v</a:t>
+            </a:r>
+            <a:r>
+              <a:rPr lang="en-GB" dirty="0" err="1" smtClean="0"/>
+              <a:t>ar</a:t>
+            </a:r>
+            <a:r>
+              <a:rPr lang="en-GB" dirty="0" smtClean="0"/>
+              <a:t> </a:t>
+            </a:r>
+            <a:r>
+              <a:rPr lang="en-GB" dirty="0" smtClean="0"/>
+              <a:t>message = “Hi mum!”;</a:t>
+            </a:r>
+          </a:p>
+          <a:p>
+            <a:pPr marL="0" indent="0">
+              <a:buNone/>
+            </a:pPr>
+            <a:endParaRPr lang="en-GB" dirty="0" smtClean="0"/>
+          </a:p>
+          <a:p>
+            <a:pPr marL="0" indent="0">
+              <a:buNone/>
+            </a:pPr>
+            <a:r>
+              <a:rPr lang="en-GB" dirty="0" err="1"/>
+              <a:t>m</a:t>
+            </a:r>
+            <a:r>
+              <a:rPr lang="en-GB" dirty="0" err="1" smtClean="0"/>
+              <a:t>essage.ToUpper</a:t>
+            </a:r>
+            <a:r>
+              <a:rPr lang="en-GB" dirty="0" smtClean="0"/>
+              <a:t>();</a:t>
+            </a:r>
+            <a:endParaRPr lang="en-GB" dirty="0"/>
+          </a:p>
+          <a:p>
+            <a:pPr marL="0" indent="0">
+              <a:buNone/>
+            </a:pPr>
+            <a:endParaRPr lang="en-GB" dirty="0" smtClean="0"/>
+          </a:p>
+          <a:p>
+            <a:pPr marL="0" indent="0">
+              <a:buNone/>
+            </a:pPr>
+            <a:r>
+              <a:rPr lang="en-GB" dirty="0" err="1" smtClean="0"/>
+              <a:t>var</a:t>
+            </a:r>
+            <a:r>
+              <a:rPr lang="en-GB" dirty="0" smtClean="0"/>
+              <a:t> </a:t>
+            </a:r>
+            <a:r>
+              <a:rPr lang="en-GB" dirty="0" err="1" smtClean="0"/>
+              <a:t>messageCaps</a:t>
+            </a:r>
+            <a:r>
+              <a:rPr lang="en-GB" dirty="0" smtClean="0"/>
+              <a:t> = </a:t>
+            </a:r>
+            <a:r>
+              <a:rPr lang="en-GB" dirty="0" err="1" smtClean="0"/>
+              <a:t>message.ToUpper</a:t>
+            </a:r>
+            <a:r>
+              <a:rPr lang="en-GB" dirty="0" smtClean="0"/>
+              <a:t>();</a:t>
+            </a:r>
+          </a:p>
+          <a:p>
+            <a:pPr marL="0" indent="0">
+              <a:buNone/>
+            </a:pPr>
+            <a:endParaRPr lang="en-GB" dirty="0"/>
+          </a:p>
+          <a:p>
+            <a:pPr marL="0" indent="0">
+              <a:buNone/>
+            </a:pPr>
+            <a:r>
+              <a:rPr lang="en-GB" dirty="0" smtClean="0"/>
+              <a:t>// </a:t>
+            </a:r>
+            <a:r>
+              <a:rPr lang="en-GB" dirty="0" err="1"/>
+              <a:t>ToUpper</a:t>
+            </a:r>
+            <a:r>
+              <a:rPr lang="en-GB" dirty="0"/>
+              <a:t>() does not modify the string, it returns a new one</a:t>
+            </a:r>
+            <a:endParaRPr lang="en-GB" dirty="0" smtClean="0"/>
+          </a:p>
+          <a:p>
+            <a:pPr marL="0" indent="0">
+              <a:buNone/>
+            </a:pPr>
+            <a:endParaRPr lang="en-GB" dirty="0"/>
+          </a:p>
+          <a:p>
+            <a:pPr marL="0" indent="0">
+              <a:buNone/>
+            </a:pPr>
+            <a:endParaRPr lang="en-GB" dirty="0"/>
+          </a:p>
+        </p:txBody>
+      </p:sp>
+      <p:pic>
+        <p:nvPicPr>
+          <p:cNvPr id="4" name="Picture 3"/>
+          <p:cNvPicPr>
+            <a:picLocks noChangeAspect="1"/>
+          </p:cNvPicPr>
+          <p:nvPr/>
+        </p:nvPicPr>
+        <p:blipFill>
+          <a:blip r:embed="rId2" cstate="print">
+            <a:extLst>
+              <a:ext uri="{28A0092B-C50C-407E-A947-70E740481C1C}">
+                <a14:useLocalDpi xmlns:a14="http://schemas.microsoft.com/office/drawing/2010/main" val="0"/>
+              </a:ext>
+            </a:extLst>
+          </a:blip>
+          <a:stretch>
+            <a:fillRect/>
+          </a:stretch>
+        </p:blipFill>
+        <p:spPr>
+          <a:xfrm>
+            <a:off x="3982969" y="2730864"/>
+            <a:ext cx="813557" cy="697335"/>
+          </a:xfrm>
+          <a:prstGeom prst="rect">
+            <a:avLst/>
+          </a:prstGeom>
+        </p:spPr>
+      </p:pic>
+      <p:pic>
+        <p:nvPicPr>
+          <p:cNvPr id="5" name="Picture 4"/>
+          <p:cNvPicPr>
+            <a:picLocks noChangeAspect="1"/>
+          </p:cNvPicPr>
+          <p:nvPr/>
+        </p:nvPicPr>
+        <p:blipFill>
+          <a:blip r:embed="rId3" cstate="print">
+            <a:extLst>
+              <a:ext uri="{28A0092B-C50C-407E-A947-70E740481C1C}">
+                <a14:useLocalDpi xmlns:a14="http://schemas.microsoft.com/office/drawing/2010/main" val="0"/>
+              </a:ext>
+            </a:extLst>
+          </a:blip>
+          <a:stretch>
+            <a:fillRect/>
+          </a:stretch>
+        </p:blipFill>
+        <p:spPr>
+          <a:xfrm>
+            <a:off x="6710460" y="3585185"/>
+            <a:ext cx="1109623" cy="832218"/>
+          </a:xfrm>
+          <a:prstGeom prst="rect">
+            <a:avLst/>
+          </a:prstGeom>
+        </p:spPr>
+      </p:pic>
     </p:spTree>
     <p:extLst>
       <p:ext uri="{BB962C8B-B14F-4D97-AF65-F5344CB8AC3E}">
@@ -3182,6 +3523,13 @@
   <p:clrMapOvr>
     <a:masterClrMapping/>
   </p:clrMapOvr>
+  <p:timing>
+    <p:tnLst>
+      <p:par>
+        <p:cTn id="1" dur="indefinite" restart="never" nodeType="tmRoot"/>
+      </p:par>
+    </p:tnLst>
+  </p:timing>
 </p:sld>
 </file>
 
@@ -3219,7 +3567,11 @@
           <a:p>
             <a:r>
               <a:rPr lang="en-GB" dirty="0" smtClean="0"/>
-              <a:t>Why would I ever want this?!</a:t>
+              <a:t>Immutable Code </a:t>
+            </a:r>
+            <a:r>
+              <a:rPr lang="en-GB" dirty="0" smtClean="0"/>
+              <a:t>Example - Linq</a:t>
             </a:r>
             <a:endParaRPr lang="en-GB" dirty="0"/>
           </a:p>
@@ -3237,80 +3589,294 @@
         </p:nvSpPr>
         <p:spPr/>
         <p:txBody>
-          <a:bodyPr/>
-          <a:lstStyle/>
-          <a:p>
+          <a:bodyPr>
+            <a:normAutofit fontScale="92500" lnSpcReduction="20000"/>
+          </a:bodyPr>
+          <a:lstStyle/>
+          <a:p>
+            <a:pPr marL="0" indent="0">
+              <a:buNone/>
+            </a:pPr>
+            <a:r>
+              <a:rPr lang="en-GB" dirty="0" err="1"/>
+              <a:t>var</a:t>
+            </a:r>
+            <a:r>
+              <a:rPr lang="en-GB" dirty="0"/>
+              <a:t> </a:t>
+            </a:r>
             <a:r>
               <a:rPr lang="en-GB" dirty="0" smtClean="0"/>
-              <a:t>Code </a:t>
-            </a:r>
-            <a:r>
-              <a:rPr lang="en-GB" dirty="0"/>
-              <a:t>easier to </a:t>
+              <a:t>doubles = 0;</a:t>
+            </a:r>
+          </a:p>
+          <a:p>
+            <a:pPr marL="0" indent="0">
+              <a:buNone/>
+            </a:pPr>
+            <a:r>
+              <a:rPr lang="en-GB" dirty="0" err="1" smtClean="0"/>
+              <a:t>Foreach</a:t>
             </a:r>
             <a:r>
               <a:rPr lang="en-GB" dirty="0" smtClean="0"/>
-              <a:t>reason about</a:t>
-            </a:r>
-          </a:p>
-          <a:p>
+              <a:t>(</a:t>
+            </a:r>
+            <a:r>
+              <a:rPr lang="en-GB" dirty="0" err="1" smtClean="0"/>
+              <a:t>var</a:t>
+            </a:r>
             <a:r>
               <a:rPr lang="en-GB" dirty="0" smtClean="0"/>
-              <a:t>Code harder to break by accident</a:t>
-            </a:r>
-          </a:p>
-          <a:p>
+              <a:t> number in </a:t>
+            </a:r>
+            <a:r>
+              <a:rPr lang="en-GB" dirty="0" err="1" smtClean="0"/>
+              <a:t>numberList</a:t>
+            </a:r>
             <a:r>
               <a:rPr lang="en-GB" dirty="0" smtClean="0"/>
-              <a:t>Objects are always valid (or not created), AKA </a:t>
-            </a:r>
-            <a:r>
-              <a:rPr lang="en-GB" dirty="0"/>
-              <a:t>Failure </a:t>
+              <a:t>){</a:t>
+            </a:r>
+          </a:p>
+          <a:p>
+            <a:pPr marL="0" indent="0">
+              <a:buNone/>
+            </a:pPr>
+            <a:r>
+              <a:rPr lang="en-GB" dirty="0"/>
+              <a:t> </a:t>
             </a:r>
             <a:r>
               <a:rPr lang="en-GB" dirty="0" smtClean="0"/>
-              <a:t>Atomicity</a:t>
-            </a:r>
-          </a:p>
-          <a:p>
+              <a:t>   doubles += number * 2;</a:t>
+            </a:r>
+          </a:p>
+          <a:p>
+            <a:pPr marL="0" indent="0">
+              <a:buNone/>
+            </a:pPr>
+            <a:r>
+              <a:rPr lang="en-GB" dirty="0"/>
+              <a:t>}</a:t>
+            </a:r>
+          </a:p>
+          <a:p>
+            <a:pPr marL="0" indent="0">
+              <a:buNone/>
+            </a:pPr>
+            <a:endParaRPr lang="en-GB" dirty="0"/>
+          </a:p>
+          <a:p>
+            <a:pPr marL="0" indent="0">
+              <a:buNone/>
+            </a:pPr>
+            <a:r>
+              <a:rPr lang="en-GB" dirty="0" err="1"/>
+              <a:t>var</a:t>
+            </a:r>
+            <a:r>
+              <a:rPr lang="en-GB" dirty="0"/>
+              <a:t> doubles = </a:t>
+            </a:r>
+            <a:r>
+              <a:rPr lang="en-GB" dirty="0" err="1"/>
+              <a:t>numberList.Select</a:t>
+            </a:r>
+            <a:r>
+              <a:rPr lang="en-GB" dirty="0"/>
+              <a:t>(</a:t>
+            </a:r>
+            <a:r>
+              <a:rPr lang="en-GB" dirty="0" err="1"/>
+              <a:t>num</a:t>
+            </a:r>
+            <a:r>
+              <a:rPr lang="en-GB" dirty="0"/>
+              <a:t> =&gt; </a:t>
+            </a:r>
+            <a:r>
+              <a:rPr lang="en-GB" dirty="0" err="1"/>
+              <a:t>num</a:t>
+            </a:r>
+            <a:r>
+              <a:rPr lang="en-GB" dirty="0"/>
+              <a:t> * 2);</a:t>
+            </a:r>
+          </a:p>
+          <a:p>
+            <a:pPr marL="0" indent="0">
+              <a:buNone/>
+            </a:pPr>
+            <a:endParaRPr lang="en-GB" dirty="0"/>
+          </a:p>
+          <a:p>
+            <a:pPr marL="0" indent="0">
+              <a:buNone/>
+            </a:pPr>
+            <a:r>
+              <a:rPr lang="en-GB" dirty="0"/>
+              <a:t>// </a:t>
+            </a:r>
             <a:r>
               <a:rPr lang="en-GB" dirty="0" smtClean="0"/>
-              <a:t>Temporal </a:t>
-            </a:r>
-            <a:r>
-              <a:rPr lang="en-GB" dirty="0"/>
-              <a:t>coupling </a:t>
+              <a:t>Which is why you can chain Linq methods together</a:t>
+            </a:r>
+            <a:endParaRPr lang="en-GB" dirty="0"/>
+          </a:p>
+          <a:p>
+            <a:pPr marL="0" indent="0">
+              <a:buNone/>
+            </a:pPr>
+            <a:endParaRPr lang="en-GB" dirty="0"/>
+          </a:p>
+          <a:p>
+            <a:pPr marL="0" indent="0">
+              <a:buNone/>
+            </a:pPr>
+            <a:r>
+              <a:rPr lang="en-GB" dirty="0" err="1"/>
+              <a:t>v</a:t>
+            </a:r>
+            <a:r>
+              <a:rPr lang="en-GB" dirty="0" err="1" smtClean="0"/>
+              <a:t>ar</a:t>
             </a:r>
             <a:r>
               <a:rPr lang="en-GB" dirty="0" smtClean="0"/>
-              <a:t>minimised</a:t>
+              <a:t> </a:t>
+            </a:r>
+            <a:r>
+              <a:rPr lang="en-GB" dirty="0" err="1" smtClean="0"/>
+              <a:t>sumOfDoubles</a:t>
+            </a:r>
+            <a:r>
+              <a:rPr lang="en-GB" dirty="0" smtClean="0"/>
+              <a:t> = </a:t>
+            </a:r>
+            <a:r>
+              <a:rPr lang="en-GB" dirty="0" err="1" smtClean="0"/>
+              <a:t>numberList.Select</a:t>
+            </a:r>
+            <a:r>
+              <a:rPr lang="en-GB" dirty="0" smtClean="0"/>
+              <a:t>(</a:t>
+            </a:r>
+            <a:r>
+              <a:rPr lang="en-GB" dirty="0" err="1" smtClean="0"/>
+              <a:t>num</a:t>
+            </a:r>
+            <a:r>
+              <a:rPr lang="en-GB" dirty="0" smtClean="0"/>
+              <a:t> </a:t>
+            </a:r>
+            <a:r>
+              <a:rPr lang="en-GB" dirty="0"/>
+              <a:t>=&gt; </a:t>
+            </a:r>
+            <a:r>
+              <a:rPr lang="en-GB" dirty="0" err="1"/>
+              <a:t>num</a:t>
+            </a:r>
+            <a:r>
+              <a:rPr lang="en-GB" dirty="0"/>
+              <a:t> * 2</a:t>
+            </a:r>
+            <a:r>
+              <a:rPr lang="en-GB" dirty="0" smtClean="0"/>
+              <a:t>)</a:t>
+            </a:r>
+            <a:r>
+              <a:rPr lang="en-GB" dirty="0" smtClean="0"/>
+              <a:t>.Sum()</a:t>
             </a:r>
             <a:endParaRPr lang="en-GB" dirty="0"/>
           </a:p>
           <a:p>
-            <a:r>
-              <a:rPr lang="en-GB" dirty="0" smtClean="0"/>
-              <a:t>Code automatically </a:t>
-            </a:r>
-            <a:r>
-              <a:rPr lang="en-GB" dirty="0" err="1" smtClean="0"/>
-              <a:t>threadsafe</a:t>
-            </a:r>
+            <a:pPr marL="0" indent="0">
+              <a:buNone/>
+            </a:pPr>
             <a:endParaRPr lang="en-GB" dirty="0"/>
           </a:p>
         </p:txBody>
       </p:sp>
+      <p:pic>
+        <p:nvPicPr>
+          <p:cNvPr id="4" name="Picture 3"/>
+          <p:cNvPicPr>
+            <a:picLocks noChangeAspect="1"/>
+          </p:cNvPicPr>
+          <p:nvPr/>
+        </p:nvPicPr>
+        <p:blipFill>
+          <a:blip r:embed="rId2" cstate="print">
+            <a:extLst>
+              <a:ext uri="{28A0092B-C50C-407E-A947-70E740481C1C}">
+                <a14:useLocalDpi xmlns:a14="http://schemas.microsoft.com/office/drawing/2010/main" val="0"/>
+              </a:ext>
+            </a:extLst>
+          </a:blip>
+          <a:stretch>
+            <a:fillRect/>
+          </a:stretch>
+        </p:blipFill>
+        <p:spPr>
+          <a:xfrm>
+            <a:off x="6254945" y="2091345"/>
+            <a:ext cx="813557" cy="697335"/>
+          </a:xfrm>
+          <a:prstGeom prst="rect">
+            <a:avLst/>
+          </a:prstGeom>
+        </p:spPr>
+      </p:pic>
+      <p:pic>
+        <p:nvPicPr>
+          <p:cNvPr id="5" name="Picture 4"/>
+          <p:cNvPicPr>
+            <a:picLocks noChangeAspect="1"/>
+          </p:cNvPicPr>
+          <p:nvPr/>
+        </p:nvPicPr>
+        <p:blipFill>
+          <a:blip r:embed="rId3" cstate="print">
+            <a:extLst>
+              <a:ext uri="{28A0092B-C50C-407E-A947-70E740481C1C}">
+                <a14:useLocalDpi xmlns:a14="http://schemas.microsoft.com/office/drawing/2010/main" val="0"/>
+              </a:ext>
+            </a:extLst>
+          </a:blip>
+          <a:stretch>
+            <a:fillRect/>
+          </a:stretch>
+        </p:blipFill>
+        <p:spPr>
+          <a:xfrm>
+            <a:off x="8011938" y="3525769"/>
+            <a:ext cx="1109623" cy="832218"/>
+          </a:xfrm>
+          <a:prstGeom prst="rect">
+            <a:avLst/>
+          </a:prstGeom>
+        </p:spPr>
+      </p:pic>
     </p:spTree>
     <p:extLst>
       <p:ext uri="{BB962C8B-B14F-4D97-AF65-F5344CB8AC3E}">
-        <p14:creationId xmlns:p14="http://schemas.microsoft.com/office/powerpoint/2010/main" val="2430670310"/>
+        <p14:creationId xmlns:p14="http://schemas.microsoft.com/office/powerpoint/2010/main" val="971108407"/>
       </p:ext>
     </p:extLst>
   </p:cSld>
   <p:clrMapOvr>
     <a:masterClrMapping/>
   </p:clrMapOvr>
+  <p:timing>
+    <p:tnLst>
+      <p:par>
+        <p:cTn id="1" dur="indefinite" restart="never" nodeType="tmRoot"/>
+      </p:par>
+    </p:tnLst>
+  </p:timing>
 </p:sld>
 </file>
 
@@ -3348,7 +3914,11 @@
           <a:p>
             <a:r>
               <a:rPr lang="en-GB" dirty="0" smtClean="0"/>
-              <a:t>Immutable C# Classes</a:t>
+              <a:t>Immutable Code </a:t>
+            </a:r>
+            <a:r>
+              <a:rPr lang="en-GB" dirty="0" smtClean="0"/>
+              <a:t>Example - Objects</a:t>
             </a:r>
             <a:endParaRPr lang="en-GB" dirty="0"/>
           </a:p>
@@ -3366,23 +3936,179 @@
         </p:nvSpPr>
         <p:spPr/>
         <p:txBody>
-          <a:bodyPr/>
-          <a:lstStyle/>
-          <a:p>
-            <a:endParaRPr lang="en-GB"/>
-          </a:p>
-        </p:txBody>
-      </p:sp>
+          <a:bodyPr>
+            <a:normAutofit/>
+          </a:bodyPr>
+          <a:lstStyle/>
+          <a:p>
+            <a:pPr marL="0" indent="0">
+              <a:buNone/>
+            </a:pPr>
+            <a:r>
+              <a:rPr lang="en-GB" dirty="0" err="1"/>
+              <a:t>var</a:t>
+            </a:r>
+            <a:r>
+              <a:rPr lang="en-GB" dirty="0"/>
+              <a:t> bot = new Robot(0, 0);</a:t>
+            </a:r>
+          </a:p>
+          <a:p>
+            <a:pPr marL="0" indent="0">
+              <a:buNone/>
+            </a:pPr>
+            <a:endParaRPr lang="en-GB" dirty="0"/>
+          </a:p>
+          <a:p>
+            <a:pPr marL="0" indent="0">
+              <a:buNone/>
+            </a:pPr>
+            <a:r>
+              <a:rPr lang="en-GB" dirty="0" err="1"/>
+              <a:t>bot.MoveBy</a:t>
+            </a:r>
+            <a:r>
+              <a:rPr lang="en-GB" dirty="0"/>
+              <a:t>(2, 4);</a:t>
+            </a:r>
+          </a:p>
+          <a:p>
+            <a:pPr marL="0" indent="0">
+              <a:buNone/>
+            </a:pPr>
+            <a:r>
+              <a:rPr lang="en-GB" dirty="0"/>
+              <a:t>            </a:t>
+            </a:r>
+          </a:p>
+          <a:p>
+            <a:pPr marL="0" indent="0">
+              <a:buNone/>
+            </a:pPr>
+            <a:r>
+              <a:rPr lang="en-GB" dirty="0" err="1"/>
+              <a:t>var</a:t>
+            </a:r>
+            <a:r>
+              <a:rPr lang="en-GB" dirty="0"/>
+              <a:t> </a:t>
+            </a:r>
+            <a:r>
+              <a:rPr lang="en-GB" dirty="0" err="1"/>
+              <a:t>movedBot</a:t>
+            </a:r>
+            <a:r>
+              <a:rPr lang="en-GB" dirty="0"/>
+              <a:t> = </a:t>
+            </a:r>
+            <a:r>
+              <a:rPr lang="en-GB" dirty="0" err="1"/>
+              <a:t>bot.MoveBy</a:t>
+            </a:r>
+            <a:r>
+              <a:rPr lang="en-GB" dirty="0"/>
+              <a:t>(2, 4</a:t>
+            </a:r>
+            <a:r>
+              <a:rPr lang="en-GB" dirty="0" smtClean="0"/>
+              <a:t>);</a:t>
+            </a:r>
+          </a:p>
+          <a:p>
+            <a:pPr marL="0" indent="0">
+              <a:buNone/>
+            </a:pPr>
+            <a:endParaRPr lang="en-GB" dirty="0"/>
+          </a:p>
+          <a:p>
+            <a:pPr marL="0" indent="0">
+              <a:buNone/>
+            </a:pPr>
+            <a:r>
+              <a:rPr lang="en-GB" dirty="0" smtClean="0"/>
+              <a:t>// Immutable methods should rarely return void</a:t>
+            </a:r>
+            <a:endParaRPr lang="en-GB" dirty="0"/>
+          </a:p>
+        </p:txBody>
+      </p:sp>
+      <p:pic>
+        <p:nvPicPr>
+          <p:cNvPr id="4" name="Picture 3"/>
+          <p:cNvPicPr>
+            <a:picLocks noChangeAspect="1"/>
+          </p:cNvPicPr>
+          <p:nvPr/>
+        </p:nvPicPr>
+        <p:blipFill>
+          <a:blip r:embed="rId2" cstate="print">
+            <a:extLst>
+              <a:ext uri="{28A0092B-C50C-407E-A947-70E740481C1C}">
+                <a14:useLocalDpi xmlns:a14="http://schemas.microsoft.com/office/drawing/2010/main" val="0"/>
+              </a:ext>
+            </a:extLst>
+          </a:blip>
+          <a:stretch>
+            <a:fillRect/>
+          </a:stretch>
+        </p:blipFill>
+        <p:spPr>
+          <a:xfrm>
+            <a:off x="3988580" y="2747693"/>
+            <a:ext cx="813557" cy="697335"/>
+          </a:xfrm>
+          <a:prstGeom prst="rect">
+            <a:avLst/>
+          </a:prstGeom>
+        </p:spPr>
+      </p:pic>
+      <p:pic>
+        <p:nvPicPr>
+          <p:cNvPr id="5" name="Picture 4"/>
+          <p:cNvPicPr>
+            <a:picLocks noChangeAspect="1"/>
+          </p:cNvPicPr>
+          <p:nvPr/>
+        </p:nvPicPr>
+        <p:blipFill>
+          <a:blip r:embed="rId3" cstate="print">
+            <a:extLst>
+              <a:ext uri="{28A0092B-C50C-407E-A947-70E740481C1C}">
+                <a14:useLocalDpi xmlns:a14="http://schemas.microsoft.com/office/drawing/2010/main" val="0"/>
+              </a:ext>
+            </a:extLst>
+          </a:blip>
+          <a:stretch>
+            <a:fillRect/>
+          </a:stretch>
+        </p:blipFill>
+        <p:spPr>
+          <a:xfrm>
+            <a:off x="6216797" y="3666014"/>
+            <a:ext cx="1109623" cy="832218"/>
+          </a:xfrm>
+          <a:prstGeom prst="rect">
+            <a:avLst/>
+          </a:prstGeom>
+        </p:spPr>
+      </p:pic>
     </p:spTree>
     <p:extLst>
       <p:ext uri="{BB962C8B-B14F-4D97-AF65-F5344CB8AC3E}">
-        <p14:creationId xmlns:p14="http://schemas.microsoft.com/office/powerpoint/2010/main" val="4016644043"/>
+        <p14:creationId xmlns:p14="http://schemas.microsoft.com/office/powerpoint/2010/main" val="1333584387"/>
       </p:ext>
     </p:extLst>
   </p:cSld>
   <p:clrMapOvr>
     <a:masterClrMapping/>
   </p:clrMapOvr>
+  <p:timing>
+    <p:tnLst>
+      <p:par>
+        <p:cTn id="1" dur="indefinite" restart="never" nodeType="tmRoot"/>
+      </p:par>
+    </p:tnLst>
+  </p:timing>
 </p:sld>
 </file>
 
@@ -3420,7 +4146,7 @@
           <a:p>
             <a:r>
               <a:rPr lang="en-GB" dirty="0" smtClean="0"/>
-              <a:t>Immutable C# Code</a:t>
+              <a:t>Why would I ever want this?!</a:t>
             </a:r>
             <a:endParaRPr lang="en-GB" dirty="0"/>
           </a:p>
@@ -3438,23 +4164,1654 @@
         </p:nvSpPr>
         <p:spPr/>
         <p:txBody>
-          <a:bodyPr/>
-          <a:lstStyle/>
-          <a:p>
-            <a:endParaRPr lang="en-GB"/>
+          <a:bodyPr>
+            <a:normAutofit/>
+          </a:bodyPr>
+          <a:lstStyle/>
+          <a:p>
+            <a:r>
+              <a:rPr lang="en-GB" dirty="0" smtClean="0"/>
+              <a:t>Code </a:t>
+            </a:r>
+            <a:r>
+              <a:rPr lang="en-GB" dirty="0"/>
+              <a:t>easier to </a:t>
+            </a:r>
+            <a:r>
+              <a:rPr lang="en-GB" dirty="0" smtClean="0"/>
+              <a:t>reason </a:t>
+            </a:r>
+            <a:r>
+              <a:rPr lang="en-GB" dirty="0" smtClean="0"/>
+              <a:t>about</a:t>
+            </a:r>
+          </a:p>
+          <a:p>
+            <a:pPr lvl="1"/>
+            <a:r>
+              <a:rPr lang="en-GB" dirty="0" smtClean="0"/>
+              <a:t>No side effects*</a:t>
+            </a:r>
+          </a:p>
+          <a:p>
+            <a:pPr lvl="1"/>
+            <a:r>
+              <a:rPr lang="en-GB" dirty="0" smtClean="0"/>
+              <a:t>No temporal coupling</a:t>
+            </a:r>
+          </a:p>
+          <a:p>
+            <a:pPr lvl="1"/>
+            <a:r>
+              <a:rPr lang="en-GB" dirty="0" smtClean="0"/>
+              <a:t>No NULLs (mainly)*</a:t>
+            </a:r>
+            <a:endParaRPr lang="en-GB" dirty="0" smtClean="0"/>
+          </a:p>
+          <a:p>
+            <a:r>
+              <a:rPr lang="en-GB" dirty="0" smtClean="0"/>
+              <a:t>Code harder to break by accident</a:t>
+            </a:r>
+          </a:p>
+          <a:p>
+            <a:r>
+              <a:rPr lang="en-GB" dirty="0" smtClean="0"/>
+              <a:t>Objects are always valid (or not created), AKA </a:t>
+            </a:r>
+            <a:r>
+              <a:rPr lang="en-GB" dirty="0"/>
+              <a:t>Failure </a:t>
+            </a:r>
+            <a:r>
+              <a:rPr lang="en-GB" dirty="0" smtClean="0"/>
+              <a:t>Atomicity</a:t>
+            </a:r>
+          </a:p>
+          <a:p>
+            <a:r>
+              <a:rPr lang="en-GB" dirty="0" smtClean="0"/>
+              <a:t>Code </a:t>
+            </a:r>
+            <a:r>
+              <a:rPr lang="en-GB" dirty="0" smtClean="0"/>
+              <a:t>automatically </a:t>
+            </a:r>
+            <a:r>
+              <a:rPr lang="en-GB" dirty="0" err="1" smtClean="0"/>
+              <a:t>threadsafe</a:t>
+            </a:r>
+            <a:r>
+              <a:rPr lang="en-GB" dirty="0" smtClean="0"/>
+              <a:t>*</a:t>
+            </a:r>
+          </a:p>
+          <a:p>
+            <a:pPr marL="0" indent="0">
+              <a:buNone/>
+            </a:pPr>
+            <a:endParaRPr lang="en-GB" dirty="0"/>
+          </a:p>
+          <a:p>
+            <a:pPr marL="0" indent="0">
+              <a:buNone/>
+            </a:pPr>
+            <a:r>
+              <a:rPr lang="en-GB" sz="2000" dirty="0" smtClean="0"/>
+              <a:t>* C# doesn’t support immutability as a core concept, so not all benefits are guaranteed.</a:t>
+            </a:r>
+            <a:endParaRPr lang="en-GB" sz="2000" dirty="0"/>
           </a:p>
         </p:txBody>
       </p:sp>
     </p:spTree>
     <p:extLst>
       <p:ext uri="{BB962C8B-B14F-4D97-AF65-F5344CB8AC3E}">
-        <p14:creationId xmlns:p14="http://schemas.microsoft.com/office/powerpoint/2010/main" val="2496169365"/>
+        <p14:creationId xmlns:p14="http://schemas.microsoft.com/office/powerpoint/2010/main" val="2430670310"/>
       </p:ext>
     </p:extLst>
   </p:cSld>
   <p:clrMapOvr>
     <a:masterClrMapping/>
   </p:clrMapOvr>
+  <p:timing>
+    <p:tnLst>
+      <p:par>
+        <p:cTn id="1" dur="indefinite" restart="never" nodeType="tmRoot"/>
+      </p:par>
+    </p:tnLst>
+  </p:timing>
+</p:sld>
+</file>
+
+<file path=ppt/slides/slide7.xml><?xml version="1.0" encoding="utf-8"?>
+<p:sld xmlns:a="http://schemas.openxmlformats.org/drawingml/2006/main" xmlns:r="http://schemas.openxmlformats.org/officeDocument/2006/relationships" xmlns:p="http://schemas.openxmlformats.org/presentationml/2006/main">
+  <p:cSld>
+    <p:spTree>
+      <p:nvGrpSpPr>
+        <p:cNvPr id="1" name=""/>
+        <p:cNvGrpSpPr/>
+        <p:nvPr/>
+      </p:nvGrpSpPr>
+      <p:grpSpPr>
+        <a:xfrm>
+          <a:off x="0" y="0"/>
+          <a:ext cx="0" cy="0"/>
+          <a:chOff x="0" y="0"/>
+          <a:chExt cx="0" cy="0"/>
+        </a:xfrm>
+      </p:grpSpPr>
+      <p:sp>
+        <p:nvSpPr>
+          <p:cNvPr id="2" name="Title 1"/>
+          <p:cNvSpPr>
+            <a:spLocks noGrp="1"/>
+          </p:cNvSpPr>
+          <p:nvPr>
+            <p:ph type="title"/>
+          </p:nvPr>
+        </p:nvSpPr>
+        <p:spPr/>
+        <p:txBody>
+          <a:bodyPr/>
+          <a:lstStyle/>
+          <a:p>
+            <a:r>
+              <a:rPr lang="en-GB" dirty="0" smtClean="0"/>
+              <a:t>Creating an Immutable </a:t>
+            </a:r>
+            <a:r>
+              <a:rPr lang="en-GB" dirty="0" smtClean="0"/>
+              <a:t>C# </a:t>
+            </a:r>
+            <a:r>
+              <a:rPr lang="en-GB" dirty="0" smtClean="0"/>
+              <a:t>Class</a:t>
+            </a:r>
+            <a:endParaRPr lang="en-GB" dirty="0"/>
+          </a:p>
+        </p:txBody>
+      </p:sp>
+      <p:sp>
+        <p:nvSpPr>
+          <p:cNvPr id="3" name="Content Placeholder 2"/>
+          <p:cNvSpPr>
+            <a:spLocks noGrp="1"/>
+          </p:cNvSpPr>
+          <p:nvPr>
+            <p:ph idx="1"/>
+          </p:nvPr>
+        </p:nvSpPr>
+        <p:spPr>
+          <a:xfrm>
+            <a:off x="838200" y="1514650"/>
+            <a:ext cx="10515600" cy="5138592"/>
+          </a:xfrm>
+        </p:spPr>
+        <p:txBody>
+          <a:bodyPr>
+            <a:normAutofit fontScale="47500" lnSpcReduction="20000"/>
+          </a:bodyPr>
+          <a:lstStyle/>
+          <a:p>
+            <a:pPr marL="0" indent="0">
+              <a:buNone/>
+            </a:pPr>
+            <a:r>
+              <a:rPr lang="en-GB" dirty="0"/>
+              <a:t>public class </a:t>
+            </a:r>
+            <a:r>
+              <a:rPr lang="en-GB" dirty="0" err="1"/>
+              <a:t>ImmutaBot</a:t>
+            </a:r>
+            <a:r>
+              <a:rPr lang="en-GB" dirty="0"/>
+              <a:t> {</a:t>
+            </a:r>
+          </a:p>
+          <a:p>
+            <a:pPr marL="0" indent="0">
+              <a:buNone/>
+            </a:pPr>
+            <a:endParaRPr lang="en-GB" dirty="0"/>
+          </a:p>
+          <a:p>
+            <a:pPr marL="0" indent="0">
+              <a:buNone/>
+            </a:pPr>
+            <a:r>
+              <a:rPr lang="en-GB" dirty="0"/>
+              <a:t>    private </a:t>
+            </a:r>
+            <a:r>
+              <a:rPr lang="en-GB" dirty="0" err="1"/>
+              <a:t>const</a:t>
+            </a:r>
+            <a:r>
+              <a:rPr lang="en-GB" dirty="0"/>
+              <a:t> </a:t>
+            </a:r>
+            <a:r>
+              <a:rPr lang="en-GB" dirty="0" err="1"/>
+              <a:t>int</a:t>
+            </a:r>
+            <a:r>
+              <a:rPr lang="en-GB" dirty="0"/>
+              <a:t> </a:t>
+            </a:r>
+            <a:r>
+              <a:rPr lang="en-GB" dirty="0" err="1"/>
+              <a:t>initialEnergy</a:t>
+            </a:r>
+            <a:r>
+              <a:rPr lang="en-GB" dirty="0"/>
+              <a:t> = 100;</a:t>
+            </a:r>
+          </a:p>
+          <a:p>
+            <a:pPr marL="0" indent="0">
+              <a:buNone/>
+            </a:pPr>
+            <a:r>
+              <a:rPr lang="en-GB" dirty="0"/>
+              <a:t>    private </a:t>
+            </a:r>
+            <a:r>
+              <a:rPr lang="en-GB" dirty="0" err="1"/>
+              <a:t>readonly</a:t>
+            </a:r>
+            <a:r>
+              <a:rPr lang="en-GB" dirty="0"/>
+              <a:t> </a:t>
+            </a:r>
+            <a:r>
+              <a:rPr lang="en-GB" dirty="0" err="1"/>
+              <a:t>int</a:t>
+            </a:r>
+            <a:r>
+              <a:rPr lang="en-GB" dirty="0"/>
+              <a:t> _energy;</a:t>
+            </a:r>
+          </a:p>
+          <a:p>
+            <a:pPr marL="0" indent="0">
+              <a:buNone/>
+            </a:pPr>
+            <a:r>
+              <a:rPr lang="en-GB" dirty="0"/>
+              <a:t>    private </a:t>
+            </a:r>
+            <a:r>
+              <a:rPr lang="en-GB" dirty="0" err="1"/>
+              <a:t>readonly</a:t>
+            </a:r>
+            <a:r>
+              <a:rPr lang="en-GB" dirty="0"/>
+              <a:t> </a:t>
+            </a:r>
+            <a:r>
+              <a:rPr lang="en-GB" dirty="0" err="1"/>
+              <a:t>ImmutablePoint</a:t>
+            </a:r>
+            <a:r>
+              <a:rPr lang="en-GB" dirty="0"/>
+              <a:t> _location;</a:t>
+            </a:r>
+          </a:p>
+          <a:p>
+            <a:pPr marL="0" indent="0">
+              <a:buNone/>
+            </a:pPr>
+            <a:endParaRPr lang="en-GB" dirty="0"/>
+          </a:p>
+          <a:p>
+            <a:pPr marL="0" indent="0">
+              <a:buNone/>
+            </a:pPr>
+            <a:r>
+              <a:rPr lang="en-GB" dirty="0"/>
+              <a:t>    public </a:t>
+            </a:r>
+            <a:r>
+              <a:rPr lang="en-GB" dirty="0" err="1"/>
+              <a:t>ImmutaBot</a:t>
+            </a:r>
+            <a:r>
+              <a:rPr lang="en-GB" dirty="0"/>
+              <a:t>(</a:t>
+            </a:r>
+            <a:r>
+              <a:rPr lang="en-GB" dirty="0" err="1"/>
+              <a:t>ImmutablePoint</a:t>
+            </a:r>
+            <a:r>
+              <a:rPr lang="en-GB" dirty="0"/>
+              <a:t> location, </a:t>
+            </a:r>
+            <a:r>
+              <a:rPr lang="en-GB" dirty="0" err="1"/>
+              <a:t>int</a:t>
+            </a:r>
+            <a:r>
+              <a:rPr lang="en-GB" dirty="0"/>
+              <a:t> energy) {</a:t>
+            </a:r>
+          </a:p>
+          <a:p>
+            <a:pPr marL="0" indent="0">
+              <a:buNone/>
+            </a:pPr>
+            <a:r>
+              <a:rPr lang="en-GB" dirty="0"/>
+              <a:t>        _location = location;</a:t>
+            </a:r>
+          </a:p>
+          <a:p>
+            <a:pPr marL="0" indent="0">
+              <a:buNone/>
+            </a:pPr>
+            <a:r>
+              <a:rPr lang="en-GB" dirty="0"/>
+              <a:t>        _energy = energy;</a:t>
+            </a:r>
+          </a:p>
+          <a:p>
+            <a:pPr marL="0" indent="0">
+              <a:buNone/>
+            </a:pPr>
+            <a:r>
+              <a:rPr lang="en-GB" dirty="0"/>
+              <a:t>    }</a:t>
+            </a:r>
+          </a:p>
+          <a:p>
+            <a:pPr marL="0" indent="0">
+              <a:buNone/>
+            </a:pPr>
+            <a:endParaRPr lang="en-GB" dirty="0"/>
+          </a:p>
+          <a:p>
+            <a:pPr marL="0" indent="0">
+              <a:buNone/>
+            </a:pPr>
+            <a:r>
+              <a:rPr lang="en-GB" dirty="0"/>
+              <a:t>    public </a:t>
+            </a:r>
+            <a:r>
+              <a:rPr lang="en-GB" dirty="0" err="1"/>
+              <a:t>ImmutaBot</a:t>
+            </a:r>
+            <a:r>
+              <a:rPr lang="en-GB" dirty="0"/>
+              <a:t> Move(</a:t>
+            </a:r>
+            <a:r>
+              <a:rPr lang="en-GB" dirty="0" err="1"/>
+              <a:t>int</a:t>
+            </a:r>
+            <a:r>
+              <a:rPr lang="en-GB" dirty="0"/>
+              <a:t> </a:t>
+            </a:r>
+            <a:r>
+              <a:rPr lang="en-GB" dirty="0" err="1"/>
+              <a:t>moveX</a:t>
+            </a:r>
+            <a:r>
+              <a:rPr lang="en-GB" dirty="0"/>
+              <a:t>, </a:t>
+            </a:r>
+            <a:r>
+              <a:rPr lang="en-GB" dirty="0" err="1"/>
+              <a:t>int</a:t>
+            </a:r>
+            <a:r>
+              <a:rPr lang="en-GB" dirty="0"/>
+              <a:t> </a:t>
+            </a:r>
+            <a:r>
+              <a:rPr lang="en-GB" dirty="0" err="1"/>
+              <a:t>moveY</a:t>
+            </a:r>
+            <a:r>
+              <a:rPr lang="en-GB" dirty="0"/>
+              <a:t>) {</a:t>
+            </a:r>
+          </a:p>
+          <a:p>
+            <a:pPr marL="0" indent="0">
+              <a:buNone/>
+            </a:pPr>
+            <a:r>
+              <a:rPr lang="en-GB" dirty="0"/>
+              <a:t>        return new </a:t>
+            </a:r>
+            <a:r>
+              <a:rPr lang="en-GB" dirty="0" err="1"/>
+              <a:t>ImmutaBot</a:t>
+            </a:r>
+            <a:r>
+              <a:rPr lang="en-GB" dirty="0"/>
+              <a:t>(new </a:t>
+            </a:r>
+            <a:r>
+              <a:rPr lang="en-GB" dirty="0" err="1"/>
+              <a:t>ImmutablePoint</a:t>
+            </a:r>
+            <a:r>
+              <a:rPr lang="en-GB" dirty="0"/>
+              <a:t>(</a:t>
+            </a:r>
+            <a:r>
+              <a:rPr lang="en-GB" dirty="0" err="1"/>
+              <a:t>moveX</a:t>
+            </a:r>
+            <a:r>
+              <a:rPr lang="en-GB" dirty="0"/>
+              <a:t>, </a:t>
+            </a:r>
+            <a:r>
+              <a:rPr lang="en-GB" dirty="0" err="1"/>
+              <a:t>moveY</a:t>
+            </a:r>
+            <a:r>
+              <a:rPr lang="en-GB" dirty="0"/>
+              <a:t>), _energy);</a:t>
+            </a:r>
+          </a:p>
+          <a:p>
+            <a:pPr marL="0" indent="0">
+              <a:buNone/>
+            </a:pPr>
+            <a:r>
+              <a:rPr lang="en-GB" dirty="0"/>
+              <a:t>    }</a:t>
+            </a:r>
+          </a:p>
+          <a:p>
+            <a:pPr marL="0" indent="0">
+              <a:buNone/>
+            </a:pPr>
+            <a:endParaRPr lang="en-GB" dirty="0"/>
+          </a:p>
+          <a:p>
+            <a:pPr marL="0" indent="0">
+              <a:buNone/>
+            </a:pPr>
+            <a:r>
+              <a:rPr lang="en-GB" dirty="0"/>
+              <a:t>    public Energy {</a:t>
+            </a:r>
+          </a:p>
+          <a:p>
+            <a:pPr marL="0" indent="0">
+              <a:buNone/>
+            </a:pPr>
+            <a:r>
+              <a:rPr lang="en-GB" dirty="0"/>
+              <a:t>        get { return _energy; }</a:t>
+            </a:r>
+          </a:p>
+          <a:p>
+            <a:pPr marL="0" indent="0">
+              <a:buNone/>
+            </a:pPr>
+            <a:r>
+              <a:rPr lang="en-GB" dirty="0"/>
+              <a:t>    }</a:t>
+            </a:r>
+          </a:p>
+          <a:p>
+            <a:pPr marL="0" indent="0">
+              <a:buNone/>
+            </a:pPr>
+            <a:r>
+              <a:rPr lang="en-GB" dirty="0"/>
+              <a:t>}</a:t>
+            </a:r>
+            <a:endParaRPr lang="en-GB" dirty="0"/>
+          </a:p>
+        </p:txBody>
+      </p:sp>
+      <p:grpSp>
+        <p:nvGrpSpPr>
+          <p:cNvPr id="12" name="Group 11"/>
+          <p:cNvGrpSpPr/>
+          <p:nvPr/>
+        </p:nvGrpSpPr>
+        <p:grpSpPr>
+          <a:xfrm>
+            <a:off x="1539145" y="1604651"/>
+            <a:ext cx="7894997" cy="945445"/>
+            <a:chOff x="1539145" y="1604651"/>
+            <a:chExt cx="7894997" cy="945445"/>
+          </a:xfrm>
+        </p:grpSpPr>
+        <p:sp>
+          <p:nvSpPr>
+            <p:cNvPr id="4" name="TextBox 3"/>
+            <p:cNvSpPr txBox="1"/>
+            <p:nvPr/>
+          </p:nvSpPr>
+          <p:spPr>
+            <a:xfrm>
+              <a:off x="5591872" y="1604651"/>
+              <a:ext cx="3842270" cy="369332"/>
+            </a:xfrm>
+            <a:prstGeom prst="rect">
+              <a:avLst/>
+            </a:prstGeom>
+            <a:noFill/>
+            <a:ln w="25400">
+              <a:solidFill>
+                <a:srgbClr val="FF0000"/>
+              </a:solidFill>
+            </a:ln>
+          </p:spPr>
+          <p:txBody>
+            <a:bodyPr wrap="none" rtlCol="0">
+              <a:spAutoFit/>
+            </a:bodyPr>
+            <a:lstStyle/>
+            <a:p>
+              <a:r>
+                <a:rPr lang="en-GB" dirty="0" smtClean="0"/>
+                <a:t>Fields must be either </a:t>
+              </a:r>
+              <a:r>
+                <a:rPr lang="en-GB" dirty="0" err="1" smtClean="0"/>
+                <a:t>const</a:t>
+              </a:r>
+              <a:r>
+                <a:rPr lang="en-GB" dirty="0" smtClean="0"/>
+                <a:t> or </a:t>
+              </a:r>
+              <a:r>
+                <a:rPr lang="en-GB" dirty="0" err="1" smtClean="0"/>
+                <a:t>readonly</a:t>
+              </a:r>
+              <a:endParaRPr lang="en-GB" dirty="0"/>
+            </a:p>
+          </p:txBody>
+        </p:sp>
+        <p:sp>
+          <p:nvSpPr>
+            <p:cNvPr id="5" name="Rectangle 4"/>
+            <p:cNvSpPr/>
+            <p:nvPr/>
+          </p:nvSpPr>
+          <p:spPr>
+            <a:xfrm>
+              <a:off x="1539145" y="2016224"/>
+              <a:ext cx="488438" cy="266936"/>
+            </a:xfrm>
+            <a:prstGeom prst="rect">
+              <a:avLst/>
+            </a:prstGeom>
+            <a:noFill/>
+            <a:ln w="25400">
+              <a:solidFill>
+                <a:srgbClr val="FF0000"/>
+              </a:solidFill>
+            </a:ln>
+          </p:spPr>
+          <p:style>
+            <a:lnRef idx="2">
+              <a:schemeClr val="accent1">
+                <a:shade val="50000"/>
+              </a:schemeClr>
+            </a:lnRef>
+            <a:fillRef idx="1">
+              <a:schemeClr val="accent1"/>
+            </a:fillRef>
+            <a:effectRef idx="0">
+              <a:schemeClr val="accent1"/>
+            </a:effectRef>
+            <a:fontRef idx="minor">
+              <a:schemeClr val="lt1"/>
+            </a:fontRef>
+          </p:style>
+          <p:txBody>
+            <a:bodyPr rtlCol="0" anchor="ctr"/>
+            <a:lstStyle/>
+            <a:p>
+              <a:pPr algn="ctr"/>
+              <a:endParaRPr lang="en-GB"/>
+            </a:p>
+          </p:txBody>
+        </p:sp>
+        <p:sp>
+          <p:nvSpPr>
+            <p:cNvPr id="6" name="Rectangle 5"/>
+            <p:cNvSpPr/>
+            <p:nvPr/>
+          </p:nvSpPr>
+          <p:spPr>
+            <a:xfrm>
+              <a:off x="1539145" y="2283160"/>
+              <a:ext cx="664502" cy="266936"/>
+            </a:xfrm>
+            <a:prstGeom prst="rect">
+              <a:avLst/>
+            </a:prstGeom>
+            <a:noFill/>
+            <a:ln w="25400">
+              <a:solidFill>
+                <a:srgbClr val="FF0000"/>
+              </a:solidFill>
+            </a:ln>
+          </p:spPr>
+          <p:style>
+            <a:lnRef idx="2">
+              <a:schemeClr val="accent1">
+                <a:shade val="50000"/>
+              </a:schemeClr>
+            </a:lnRef>
+            <a:fillRef idx="1">
+              <a:schemeClr val="accent1"/>
+            </a:fillRef>
+            <a:effectRef idx="0">
+              <a:schemeClr val="accent1"/>
+            </a:effectRef>
+            <a:fontRef idx="minor">
+              <a:schemeClr val="lt1"/>
+            </a:fontRef>
+          </p:style>
+          <p:txBody>
+            <a:bodyPr rtlCol="0" anchor="ctr"/>
+            <a:lstStyle/>
+            <a:p>
+              <a:pPr algn="ctr"/>
+              <a:endParaRPr lang="en-GB"/>
+            </a:p>
+          </p:txBody>
+        </p:sp>
+        <p:cxnSp>
+          <p:nvCxnSpPr>
+            <p:cNvPr id="8" name="Straight Connector 7"/>
+            <p:cNvCxnSpPr>
+              <a:endCxn id="4" idx="1"/>
+            </p:cNvCxnSpPr>
+            <p:nvPr/>
+          </p:nvCxnSpPr>
+          <p:spPr>
+            <a:xfrm flipV="1">
+              <a:off x="2027583" y="1789317"/>
+              <a:ext cx="3564289" cy="329138"/>
+            </a:xfrm>
+            <a:prstGeom prst="line">
+              <a:avLst/>
+            </a:prstGeom>
+            <a:ln w="12700">
+              <a:solidFill>
+                <a:srgbClr val="FF0000"/>
+              </a:solidFill>
+            </a:ln>
+          </p:spPr>
+          <p:style>
+            <a:lnRef idx="1">
+              <a:schemeClr val="accent1"/>
+            </a:lnRef>
+            <a:fillRef idx="0">
+              <a:schemeClr val="accent1"/>
+            </a:fillRef>
+            <a:effectRef idx="0">
+              <a:schemeClr val="accent1"/>
+            </a:effectRef>
+            <a:fontRef idx="minor">
+              <a:schemeClr val="tx1"/>
+            </a:fontRef>
+          </p:style>
+        </p:cxnSp>
+        <p:cxnSp>
+          <p:nvCxnSpPr>
+            <p:cNvPr id="9" name="Straight Connector 8"/>
+            <p:cNvCxnSpPr>
+              <a:stCxn id="6" idx="3"/>
+              <a:endCxn id="4" idx="1"/>
+            </p:cNvCxnSpPr>
+            <p:nvPr/>
+          </p:nvCxnSpPr>
+          <p:spPr>
+            <a:xfrm flipV="1">
+              <a:off x="2203647" y="1789317"/>
+              <a:ext cx="3388225" cy="627311"/>
+            </a:xfrm>
+            <a:prstGeom prst="line">
+              <a:avLst/>
+            </a:prstGeom>
+            <a:ln w="12700">
+              <a:solidFill>
+                <a:srgbClr val="FF0000"/>
+              </a:solidFill>
+            </a:ln>
+          </p:spPr>
+          <p:style>
+            <a:lnRef idx="1">
+              <a:schemeClr val="accent1"/>
+            </a:lnRef>
+            <a:fillRef idx="0">
+              <a:schemeClr val="accent1"/>
+            </a:fillRef>
+            <a:effectRef idx="0">
+              <a:schemeClr val="accent1"/>
+            </a:effectRef>
+            <a:fontRef idx="minor">
+              <a:schemeClr val="tx1"/>
+            </a:fontRef>
+          </p:style>
+        </p:cxnSp>
+      </p:grpSp>
+      <p:grpSp>
+        <p:nvGrpSpPr>
+          <p:cNvPr id="26" name="Group 25"/>
+          <p:cNvGrpSpPr/>
+          <p:nvPr/>
+        </p:nvGrpSpPr>
+        <p:grpSpPr>
+          <a:xfrm>
+            <a:off x="2203647" y="2416628"/>
+            <a:ext cx="8236474" cy="482839"/>
+            <a:chOff x="2203647" y="2416628"/>
+            <a:chExt cx="8236474" cy="482839"/>
+          </a:xfrm>
+        </p:grpSpPr>
+        <p:sp>
+          <p:nvSpPr>
+            <p:cNvPr id="14" name="TextBox 13"/>
+            <p:cNvSpPr txBox="1"/>
+            <p:nvPr/>
+          </p:nvSpPr>
+          <p:spPr>
+            <a:xfrm>
+              <a:off x="6317902" y="2416628"/>
+              <a:ext cx="4122219" cy="369332"/>
+            </a:xfrm>
+            <a:prstGeom prst="rect">
+              <a:avLst/>
+            </a:prstGeom>
+            <a:noFill/>
+            <a:ln w="25400">
+              <a:solidFill>
+                <a:schemeClr val="accent1"/>
+              </a:solidFill>
+            </a:ln>
+          </p:spPr>
+          <p:txBody>
+            <a:bodyPr wrap="none" rtlCol="0">
+              <a:spAutoFit/>
+            </a:bodyPr>
+            <a:lstStyle/>
+            <a:p>
+              <a:r>
+                <a:rPr lang="en-GB" dirty="0" smtClean="0"/>
+                <a:t>Referenced types must also be immutable</a:t>
+              </a:r>
+              <a:endParaRPr lang="en-GB" dirty="0"/>
+            </a:p>
+          </p:txBody>
+        </p:sp>
+        <p:sp>
+          <p:nvSpPr>
+            <p:cNvPr id="16" name="TextBox 15"/>
+            <p:cNvSpPr txBox="1"/>
+            <p:nvPr/>
+          </p:nvSpPr>
+          <p:spPr>
+            <a:xfrm>
+              <a:off x="2203647" y="2530135"/>
+              <a:ext cx="1118862" cy="369332"/>
+            </a:xfrm>
+            <a:prstGeom prst="rect">
+              <a:avLst/>
+            </a:prstGeom>
+            <a:noFill/>
+            <a:ln w="25400">
+              <a:solidFill>
+                <a:schemeClr val="accent1"/>
+              </a:solidFill>
+            </a:ln>
+          </p:spPr>
+          <p:txBody>
+            <a:bodyPr wrap="square" rtlCol="0">
+              <a:spAutoFit/>
+            </a:bodyPr>
+            <a:lstStyle/>
+            <a:p>
+              <a:endParaRPr lang="en-GB" dirty="0"/>
+            </a:p>
+          </p:txBody>
+        </p:sp>
+        <p:cxnSp>
+          <p:nvCxnSpPr>
+            <p:cNvPr id="18" name="Straight Connector 17"/>
+            <p:cNvCxnSpPr>
+              <a:endCxn id="14" idx="1"/>
+            </p:cNvCxnSpPr>
+            <p:nvPr/>
+          </p:nvCxnSpPr>
+          <p:spPr>
+            <a:xfrm flipV="1">
+              <a:off x="3350907" y="2601294"/>
+              <a:ext cx="2966995" cy="107829"/>
+            </a:xfrm>
+            <a:prstGeom prst="line">
+              <a:avLst/>
+            </a:prstGeom>
+            <a:ln w="12700"/>
+          </p:spPr>
+          <p:style>
+            <a:lnRef idx="1">
+              <a:schemeClr val="accent1"/>
+            </a:lnRef>
+            <a:fillRef idx="0">
+              <a:schemeClr val="accent1"/>
+            </a:fillRef>
+            <a:effectRef idx="0">
+              <a:schemeClr val="accent1"/>
+            </a:effectRef>
+            <a:fontRef idx="minor">
+              <a:schemeClr val="tx1"/>
+            </a:fontRef>
+          </p:style>
+        </p:cxnSp>
+      </p:grpSp>
+      <p:grpSp>
+        <p:nvGrpSpPr>
+          <p:cNvPr id="27" name="Group 26"/>
+          <p:cNvGrpSpPr/>
+          <p:nvPr/>
+        </p:nvGrpSpPr>
+        <p:grpSpPr>
+          <a:xfrm>
+            <a:off x="1495607" y="3935485"/>
+            <a:ext cx="10113552" cy="820803"/>
+            <a:chOff x="1495607" y="3935485"/>
+            <a:chExt cx="10113552" cy="820803"/>
+          </a:xfrm>
+        </p:grpSpPr>
+        <p:sp>
+          <p:nvSpPr>
+            <p:cNvPr id="19" name="TextBox 18"/>
+            <p:cNvSpPr txBox="1"/>
+            <p:nvPr/>
+          </p:nvSpPr>
+          <p:spPr>
+            <a:xfrm>
+              <a:off x="4892897" y="3935485"/>
+              <a:ext cx="6716262" cy="369332"/>
+            </a:xfrm>
+            <a:prstGeom prst="rect">
+              <a:avLst/>
+            </a:prstGeom>
+            <a:noFill/>
+            <a:ln w="25400">
+              <a:solidFill>
+                <a:schemeClr val="accent6"/>
+              </a:solidFill>
+            </a:ln>
+          </p:spPr>
+          <p:txBody>
+            <a:bodyPr wrap="none" rtlCol="0">
+              <a:spAutoFit/>
+            </a:bodyPr>
+            <a:lstStyle/>
+            <a:p>
+              <a:r>
+                <a:rPr lang="en-GB" dirty="0" smtClean="0"/>
+                <a:t>Methods which change values must return a new instance of the type</a:t>
+              </a:r>
+              <a:endParaRPr lang="en-GB" dirty="0"/>
+            </a:p>
+          </p:txBody>
+        </p:sp>
+        <p:sp>
+          <p:nvSpPr>
+            <p:cNvPr id="20" name="TextBox 19"/>
+            <p:cNvSpPr txBox="1"/>
+            <p:nvPr/>
+          </p:nvSpPr>
+          <p:spPr>
+            <a:xfrm>
+              <a:off x="1495607" y="4386956"/>
+              <a:ext cx="838669" cy="369332"/>
+            </a:xfrm>
+            <a:prstGeom prst="rect">
+              <a:avLst/>
+            </a:prstGeom>
+            <a:noFill/>
+            <a:ln w="25400">
+              <a:solidFill>
+                <a:schemeClr val="accent6"/>
+              </a:solidFill>
+            </a:ln>
+          </p:spPr>
+          <p:txBody>
+            <a:bodyPr wrap="square" rtlCol="0">
+              <a:spAutoFit/>
+            </a:bodyPr>
+            <a:lstStyle/>
+            <a:p>
+              <a:endParaRPr lang="en-GB" dirty="0"/>
+            </a:p>
+          </p:txBody>
+        </p:sp>
+        <p:cxnSp>
+          <p:nvCxnSpPr>
+            <p:cNvPr id="22" name="Straight Connector 21"/>
+            <p:cNvCxnSpPr>
+              <a:stCxn id="20" idx="3"/>
+              <a:endCxn id="19" idx="1"/>
+            </p:cNvCxnSpPr>
+            <p:nvPr/>
+          </p:nvCxnSpPr>
+          <p:spPr>
+            <a:xfrm flipV="1">
+              <a:off x="2334276" y="4120151"/>
+              <a:ext cx="2558621" cy="451471"/>
+            </a:xfrm>
+            <a:prstGeom prst="line">
+              <a:avLst/>
+            </a:prstGeom>
+            <a:ln w="12700">
+              <a:solidFill>
+                <a:schemeClr val="accent6"/>
+              </a:solidFill>
+            </a:ln>
+          </p:spPr>
+          <p:style>
+            <a:lnRef idx="1">
+              <a:schemeClr val="accent1"/>
+            </a:lnRef>
+            <a:fillRef idx="0">
+              <a:schemeClr val="accent1"/>
+            </a:fillRef>
+            <a:effectRef idx="0">
+              <a:schemeClr val="accent1"/>
+            </a:effectRef>
+            <a:fontRef idx="minor">
+              <a:schemeClr val="tx1"/>
+            </a:fontRef>
+          </p:style>
+        </p:cxnSp>
+      </p:grpSp>
+      <p:grpSp>
+        <p:nvGrpSpPr>
+          <p:cNvPr id="28" name="Group 27"/>
+          <p:cNvGrpSpPr/>
+          <p:nvPr/>
+        </p:nvGrpSpPr>
+        <p:grpSpPr>
+          <a:xfrm>
+            <a:off x="2396750" y="5607640"/>
+            <a:ext cx="2554893" cy="369332"/>
+            <a:chOff x="2396750" y="5607640"/>
+            <a:chExt cx="2554893" cy="369332"/>
+          </a:xfrm>
+        </p:grpSpPr>
+        <p:sp>
+          <p:nvSpPr>
+            <p:cNvPr id="23" name="TextBox 22"/>
+            <p:cNvSpPr txBox="1"/>
+            <p:nvPr/>
+          </p:nvSpPr>
+          <p:spPr>
+            <a:xfrm>
+              <a:off x="3809727" y="5607640"/>
+              <a:ext cx="1141916" cy="369332"/>
+            </a:xfrm>
+            <a:prstGeom prst="rect">
+              <a:avLst/>
+            </a:prstGeom>
+            <a:noFill/>
+            <a:ln w="25400">
+              <a:solidFill>
+                <a:schemeClr val="accent2"/>
+              </a:solidFill>
+            </a:ln>
+          </p:spPr>
+          <p:txBody>
+            <a:bodyPr wrap="none" rtlCol="0">
+              <a:spAutoFit/>
+            </a:bodyPr>
+            <a:lstStyle/>
+            <a:p>
+              <a:r>
+                <a:rPr lang="en-GB" dirty="0" smtClean="0"/>
+                <a:t>No setters</a:t>
+              </a:r>
+              <a:endParaRPr lang="en-GB" dirty="0"/>
+            </a:p>
+          </p:txBody>
+        </p:sp>
+        <p:cxnSp>
+          <p:nvCxnSpPr>
+            <p:cNvPr id="25" name="Straight Connector 24"/>
+            <p:cNvCxnSpPr/>
+            <p:nvPr/>
+          </p:nvCxnSpPr>
+          <p:spPr>
+            <a:xfrm flipH="1" flipV="1">
+              <a:off x="2396750" y="5668144"/>
+              <a:ext cx="1412977" cy="124162"/>
+            </a:xfrm>
+            <a:prstGeom prst="line">
+              <a:avLst/>
+            </a:prstGeom>
+            <a:ln w="12700">
+              <a:solidFill>
+                <a:schemeClr val="accent2"/>
+              </a:solidFill>
+            </a:ln>
+          </p:spPr>
+          <p:style>
+            <a:lnRef idx="1">
+              <a:schemeClr val="accent1"/>
+            </a:lnRef>
+            <a:fillRef idx="0">
+              <a:schemeClr val="accent1"/>
+            </a:fillRef>
+            <a:effectRef idx="0">
+              <a:schemeClr val="accent1"/>
+            </a:effectRef>
+            <a:fontRef idx="minor">
+              <a:schemeClr val="tx1"/>
+            </a:fontRef>
+          </p:style>
+        </p:cxnSp>
+      </p:grpSp>
+      <p:grpSp>
+        <p:nvGrpSpPr>
+          <p:cNvPr id="32" name="Group 31"/>
+          <p:cNvGrpSpPr/>
+          <p:nvPr/>
+        </p:nvGrpSpPr>
+        <p:grpSpPr>
+          <a:xfrm>
+            <a:off x="2589635" y="5030757"/>
+            <a:ext cx="8151081" cy="738507"/>
+            <a:chOff x="2589635" y="5030757"/>
+            <a:chExt cx="8151081" cy="738507"/>
+          </a:xfrm>
+        </p:grpSpPr>
+        <p:sp>
+          <p:nvSpPr>
+            <p:cNvPr id="29" name="TextBox 28"/>
+            <p:cNvSpPr txBox="1"/>
+            <p:nvPr/>
+          </p:nvSpPr>
+          <p:spPr>
+            <a:xfrm>
+              <a:off x="5761340" y="5122933"/>
+              <a:ext cx="4979376" cy="646331"/>
+            </a:xfrm>
+            <a:prstGeom prst="rect">
+              <a:avLst/>
+            </a:prstGeom>
+            <a:noFill/>
+            <a:ln w="25400">
+              <a:solidFill>
+                <a:srgbClr val="7030A0"/>
+              </a:solidFill>
+            </a:ln>
+          </p:spPr>
+          <p:txBody>
+            <a:bodyPr wrap="none" rtlCol="0">
+              <a:spAutoFit/>
+            </a:bodyPr>
+            <a:lstStyle/>
+            <a:p>
+              <a:r>
+                <a:rPr lang="en-GB" dirty="0" smtClean="0"/>
+                <a:t>Code inside the class must not change the value of </a:t>
+              </a:r>
+            </a:p>
+            <a:p>
+              <a:r>
+                <a:rPr lang="en-GB" dirty="0" smtClean="0"/>
+                <a:t>any Variables, outside the constructor</a:t>
+              </a:r>
+              <a:endParaRPr lang="en-GB" dirty="0"/>
+            </a:p>
+          </p:txBody>
+        </p:sp>
+        <p:cxnSp>
+          <p:nvCxnSpPr>
+            <p:cNvPr id="31" name="Straight Connector 30"/>
+            <p:cNvCxnSpPr>
+              <a:stCxn id="29" idx="1"/>
+            </p:cNvCxnSpPr>
+            <p:nvPr/>
+          </p:nvCxnSpPr>
+          <p:spPr>
+            <a:xfrm flipH="1" flipV="1">
+              <a:off x="2589635" y="5030757"/>
+              <a:ext cx="3171705" cy="415342"/>
+            </a:xfrm>
+            <a:prstGeom prst="line">
+              <a:avLst/>
+            </a:prstGeom>
+            <a:ln w="12700">
+              <a:solidFill>
+                <a:srgbClr val="7030A0"/>
+              </a:solidFill>
+            </a:ln>
+          </p:spPr>
+          <p:style>
+            <a:lnRef idx="1">
+              <a:schemeClr val="accent1"/>
+            </a:lnRef>
+            <a:fillRef idx="0">
+              <a:schemeClr val="accent1"/>
+            </a:fillRef>
+            <a:effectRef idx="0">
+              <a:schemeClr val="accent1"/>
+            </a:effectRef>
+            <a:fontRef idx="minor">
+              <a:schemeClr val="tx1"/>
+            </a:fontRef>
+          </p:style>
+        </p:cxnSp>
+      </p:grpSp>
+    </p:spTree>
+    <p:extLst>
+      <p:ext uri="{BB962C8B-B14F-4D97-AF65-F5344CB8AC3E}">
+        <p14:creationId xmlns:p14="http://schemas.microsoft.com/office/powerpoint/2010/main" val="4016644043"/>
+      </p:ext>
+    </p:extLst>
+  </p:cSld>
+  <p:clrMapOvr>
+    <a:masterClrMapping/>
+  </p:clrMapOvr>
+  <mc:AlternateContent xmlns:mc="http://schemas.openxmlformats.org/markup-compatibility/2006">
+    <mc:Choice xmlns:p14="http://schemas.microsoft.com/office/powerpoint/2010/main" Requires="p14">
+      <p:transition p14:dur="0"/>
+    </mc:Choice>
+    <mc:Fallback>
+      <p:transition/>
+    </mc:Fallback>
+  </mc:AlternateContent>
+  <p:timing>
+    <p:tnLst>
+      <p:par>
+        <p:cTn id="1" dur="indefinite" restart="never" nodeType="tmRoot">
+          <p:childTnLst>
+            <p:seq concurrent="1" nextAc="seek">
+              <p:cTn id="2" dur="indefinite" nodeType="mainSeq">
+                <p:childTnLst>
+                  <p:par>
+                    <p:cTn id="3" fill="hold">
+                      <p:stCondLst>
+                        <p:cond delay="indefinite"/>
+                      </p:stCondLst>
+                      <p:childTnLst>
+                        <p:par>
+                          <p:cTn id="4" fill="hold">
+                            <p:stCondLst>
+                              <p:cond delay="0"/>
+                            </p:stCondLst>
+                            <p:childTnLst>
+                              <p:par>
+                                <p:cTn id="5" presetID="10" presetClass="entr" presetSubtype="0" fill="hold" nodeType="clickEffect">
+                                  <p:stCondLst>
+                                    <p:cond delay="0"/>
+                                  </p:stCondLst>
+                                  <p:childTnLst>
+                                    <p:set>
+                                      <p:cBhvr>
+                                        <p:cTn id="6" dur="1" fill="hold">
+                                          <p:stCondLst>
+                                            <p:cond delay="0"/>
+                                          </p:stCondLst>
+                                        </p:cTn>
+                                        <p:tgtEl>
+                                          <p:spTgt spid="12"/>
+                                        </p:tgtEl>
+                                        <p:attrNameLst>
+                                          <p:attrName>style.visibility</p:attrName>
+                                        </p:attrNameLst>
+                                      </p:cBhvr>
+                                      <p:to>
+                                        <p:strVal val="visible"/>
+                                      </p:to>
+                                    </p:set>
+                                    <p:animEffect transition="in" filter="fade">
+                                      <p:cBhvr>
+                                        <p:cTn id="7" dur="250"/>
+                                        <p:tgtEl>
+                                          <p:spTgt spid="12"/>
+                                        </p:tgtEl>
+                                      </p:cBhvr>
+                                    </p:animEffect>
+                                  </p:childTnLst>
+                                </p:cTn>
+                              </p:par>
+                            </p:childTnLst>
+                          </p:cTn>
+                        </p:par>
+                      </p:childTnLst>
+                    </p:cTn>
+                  </p:par>
+                  <p:par>
+                    <p:cTn id="8" fill="hold">
+                      <p:stCondLst>
+                        <p:cond delay="indefinite"/>
+                      </p:stCondLst>
+                      <p:childTnLst>
+                        <p:par>
+                          <p:cTn id="9" fill="hold">
+                            <p:stCondLst>
+                              <p:cond delay="0"/>
+                            </p:stCondLst>
+                            <p:childTnLst>
+                              <p:par>
+                                <p:cTn id="10" presetID="10" presetClass="entr" presetSubtype="0" fill="hold" nodeType="clickEffect">
+                                  <p:stCondLst>
+                                    <p:cond delay="0"/>
+                                  </p:stCondLst>
+                                  <p:childTnLst>
+                                    <p:set>
+                                      <p:cBhvr>
+                                        <p:cTn id="11" dur="1" fill="hold">
+                                          <p:stCondLst>
+                                            <p:cond delay="0"/>
+                                          </p:stCondLst>
+                                        </p:cTn>
+                                        <p:tgtEl>
+                                          <p:spTgt spid="26"/>
+                                        </p:tgtEl>
+                                        <p:attrNameLst>
+                                          <p:attrName>style.visibility</p:attrName>
+                                        </p:attrNameLst>
+                                      </p:cBhvr>
+                                      <p:to>
+                                        <p:strVal val="visible"/>
+                                      </p:to>
+                                    </p:set>
+                                    <p:animEffect transition="in" filter="fade">
+                                      <p:cBhvr>
+                                        <p:cTn id="12" dur="250"/>
+                                        <p:tgtEl>
+                                          <p:spTgt spid="26"/>
+                                        </p:tgtEl>
+                                      </p:cBhvr>
+                                    </p:animEffect>
+                                  </p:childTnLst>
+                                </p:cTn>
+                              </p:par>
+                            </p:childTnLst>
+                          </p:cTn>
+                        </p:par>
+                      </p:childTnLst>
+                    </p:cTn>
+                  </p:par>
+                  <p:par>
+                    <p:cTn id="13" fill="hold">
+                      <p:stCondLst>
+                        <p:cond delay="indefinite"/>
+                      </p:stCondLst>
+                      <p:childTnLst>
+                        <p:par>
+                          <p:cTn id="14" fill="hold">
+                            <p:stCondLst>
+                              <p:cond delay="0"/>
+                            </p:stCondLst>
+                            <p:childTnLst>
+                              <p:par>
+                                <p:cTn id="15" presetID="10" presetClass="entr" presetSubtype="0" fill="hold" nodeType="clickEffect">
+                                  <p:stCondLst>
+                                    <p:cond delay="0"/>
+                                  </p:stCondLst>
+                                  <p:childTnLst>
+                                    <p:set>
+                                      <p:cBhvr>
+                                        <p:cTn id="16" dur="1" fill="hold">
+                                          <p:stCondLst>
+                                            <p:cond delay="0"/>
+                                          </p:stCondLst>
+                                        </p:cTn>
+                                        <p:tgtEl>
+                                          <p:spTgt spid="27"/>
+                                        </p:tgtEl>
+                                        <p:attrNameLst>
+                                          <p:attrName>style.visibility</p:attrName>
+                                        </p:attrNameLst>
+                                      </p:cBhvr>
+                                      <p:to>
+                                        <p:strVal val="visible"/>
+                                      </p:to>
+                                    </p:set>
+                                    <p:animEffect transition="in" filter="fade">
+                                      <p:cBhvr>
+                                        <p:cTn id="17" dur="250"/>
+                                        <p:tgtEl>
+                                          <p:spTgt spid="27"/>
+                                        </p:tgtEl>
+                                      </p:cBhvr>
+                                    </p:animEffect>
+                                  </p:childTnLst>
+                                </p:cTn>
+                              </p:par>
+                            </p:childTnLst>
+                          </p:cTn>
+                        </p:par>
+                      </p:childTnLst>
+                    </p:cTn>
+                  </p:par>
+                  <p:par>
+                    <p:cTn id="18" fill="hold">
+                      <p:stCondLst>
+                        <p:cond delay="indefinite"/>
+                      </p:stCondLst>
+                      <p:childTnLst>
+                        <p:par>
+                          <p:cTn id="19" fill="hold">
+                            <p:stCondLst>
+                              <p:cond delay="0"/>
+                            </p:stCondLst>
+                            <p:childTnLst>
+                              <p:par>
+                                <p:cTn id="20" presetID="10" presetClass="entr" presetSubtype="0" fill="hold" nodeType="clickEffect">
+                                  <p:stCondLst>
+                                    <p:cond delay="0"/>
+                                  </p:stCondLst>
+                                  <p:childTnLst>
+                                    <p:set>
+                                      <p:cBhvr>
+                                        <p:cTn id="21" dur="1" fill="hold">
+                                          <p:stCondLst>
+                                            <p:cond delay="0"/>
+                                          </p:stCondLst>
+                                        </p:cTn>
+                                        <p:tgtEl>
+                                          <p:spTgt spid="32"/>
+                                        </p:tgtEl>
+                                        <p:attrNameLst>
+                                          <p:attrName>style.visibility</p:attrName>
+                                        </p:attrNameLst>
+                                      </p:cBhvr>
+                                      <p:to>
+                                        <p:strVal val="visible"/>
+                                      </p:to>
+                                    </p:set>
+                                    <p:animEffect transition="in" filter="fade">
+                                      <p:cBhvr>
+                                        <p:cTn id="22" dur="250"/>
+                                        <p:tgtEl>
+                                          <p:spTgt spid="32"/>
+                                        </p:tgtEl>
+                                      </p:cBhvr>
+                                    </p:animEffect>
+                                  </p:childTnLst>
+                                </p:cTn>
+                              </p:par>
+                            </p:childTnLst>
+                          </p:cTn>
+                        </p:par>
+                      </p:childTnLst>
+                    </p:cTn>
+                  </p:par>
+                  <p:par>
+                    <p:cTn id="23" fill="hold">
+                      <p:stCondLst>
+                        <p:cond delay="indefinite"/>
+                      </p:stCondLst>
+                      <p:childTnLst>
+                        <p:par>
+                          <p:cTn id="24" fill="hold">
+                            <p:stCondLst>
+                              <p:cond delay="0"/>
+                            </p:stCondLst>
+                            <p:childTnLst>
+                              <p:par>
+                                <p:cTn id="25" presetID="10" presetClass="entr" presetSubtype="0" fill="hold" nodeType="clickEffect">
+                                  <p:stCondLst>
+                                    <p:cond delay="0"/>
+                                  </p:stCondLst>
+                                  <p:childTnLst>
+                                    <p:set>
+                                      <p:cBhvr>
+                                        <p:cTn id="26" dur="1" fill="hold">
+                                          <p:stCondLst>
+                                            <p:cond delay="0"/>
+                                          </p:stCondLst>
+                                        </p:cTn>
+                                        <p:tgtEl>
+                                          <p:spTgt spid="28"/>
+                                        </p:tgtEl>
+                                        <p:attrNameLst>
+                                          <p:attrName>style.visibility</p:attrName>
+                                        </p:attrNameLst>
+                                      </p:cBhvr>
+                                      <p:to>
+                                        <p:strVal val="visible"/>
+                                      </p:to>
+                                    </p:set>
+                                    <p:animEffect transition="in" filter="fade">
+                                      <p:cBhvr>
+                                        <p:cTn id="27" dur="250"/>
+                                        <p:tgtEl>
+                                          <p:spTgt spid="28"/>
+                                        </p:tgtEl>
+                                      </p:cBhvr>
+                                    </p:animEffect>
+                                  </p:childTnLst>
+                                </p:cTn>
+                              </p:par>
+                            </p:childTnLst>
+                          </p:cTn>
+                        </p:par>
+                      </p:childTnLst>
+                    </p:cTn>
+                  </p:par>
+                </p:childTnLst>
+              </p:cTn>
+              <p:prevCondLst>
+                <p:cond evt="onPrev" delay="0">
+                  <p:tgtEl>
+                    <p:sldTgt/>
+                  </p:tgtEl>
+                </p:cond>
+              </p:prevCondLst>
+              <p:nextCondLst>
+                <p:cond evt="onNext" delay="0">
+                  <p:tgtEl>
+                    <p:sldTgt/>
+                  </p:tgtEl>
+                </p:cond>
+              </p:nextCondLst>
+            </p:seq>
+          </p:childTnLst>
+        </p:cTn>
+      </p:par>
+    </p:tnLst>
+  </p:timing>
+</p:sld>
+</file>
+
+<file path=ppt/slides/slide8.xml><?xml version="1.0" encoding="utf-8"?>
+<p:sld xmlns:a="http://schemas.openxmlformats.org/drawingml/2006/main" xmlns:r="http://schemas.openxmlformats.org/officeDocument/2006/relationships" xmlns:p="http://schemas.openxmlformats.org/presentationml/2006/main">
+  <p:cSld>
+    <p:spTree>
+      <p:nvGrpSpPr>
+        <p:cNvPr id="1" name=""/>
+        <p:cNvGrpSpPr/>
+        <p:nvPr/>
+      </p:nvGrpSpPr>
+      <p:grpSpPr>
+        <a:xfrm>
+          <a:off x="0" y="0"/>
+          <a:ext cx="0" cy="0"/>
+          <a:chOff x="0" y="0"/>
+          <a:chExt cx="0" cy="0"/>
+        </a:xfrm>
+      </p:grpSpPr>
+      <p:sp>
+        <p:nvSpPr>
+          <p:cNvPr id="2" name="Title 1"/>
+          <p:cNvSpPr>
+            <a:spLocks noGrp="1"/>
+          </p:cNvSpPr>
+          <p:nvPr>
+            <p:ph type="title"/>
+          </p:nvPr>
+        </p:nvSpPr>
+        <p:spPr/>
+        <p:txBody>
+          <a:bodyPr/>
+          <a:lstStyle/>
+          <a:p>
+            <a:r>
+              <a:rPr lang="en-GB" dirty="0" smtClean="0"/>
+              <a:t>Immutability Supporters</a:t>
+            </a:r>
+            <a:endParaRPr lang="en-GB" dirty="0"/>
+          </a:p>
+        </p:txBody>
+      </p:sp>
+      <p:sp>
+        <p:nvSpPr>
+          <p:cNvPr id="3" name="Content Placeholder 2"/>
+          <p:cNvSpPr>
+            <a:spLocks noGrp="1"/>
+          </p:cNvSpPr>
+          <p:nvPr>
+            <p:ph idx="1"/>
+          </p:nvPr>
+        </p:nvSpPr>
+        <p:spPr/>
+        <p:txBody>
+          <a:bodyPr>
+            <a:normAutofit fontScale="92500" lnSpcReduction="20000"/>
+          </a:bodyPr>
+          <a:lstStyle/>
+          <a:p>
+            <a:pPr marL="0" indent="0">
+              <a:buNone/>
+            </a:pPr>
+            <a:r>
+              <a:rPr lang="en-GB" dirty="0"/>
+              <a:t>"I believe that immutable objects are the way of the future in C</a:t>
+            </a:r>
+            <a:r>
+              <a:rPr lang="en-GB" dirty="0" smtClean="0"/>
+              <a:t>#.“</a:t>
+            </a:r>
+          </a:p>
+          <a:p>
+            <a:pPr>
+              <a:buFontTx/>
+              <a:buChar char="-"/>
+            </a:pPr>
+            <a:r>
+              <a:rPr lang="en-GB" dirty="0" smtClean="0"/>
+              <a:t>Eric Lippert, C# Language Design Team, 2007</a:t>
+            </a:r>
+          </a:p>
+          <a:p>
+            <a:pPr>
+              <a:buFontTx/>
+              <a:buChar char="-"/>
+            </a:pPr>
+            <a:endParaRPr lang="en-GB" dirty="0"/>
+          </a:p>
+          <a:p>
+            <a:pPr marL="0" indent="0">
+              <a:buNone/>
+            </a:pPr>
+            <a:r>
+              <a:rPr lang="en-GB" dirty="0"/>
+              <a:t>"When a type is immutable, it’s usually easier to reason about your code, easier to share data safely, and easier to make money ooze from every USB port</a:t>
+            </a:r>
+            <a:r>
+              <a:rPr lang="en-GB" dirty="0" smtClean="0"/>
+              <a:t>.“</a:t>
+            </a:r>
+          </a:p>
+          <a:p>
+            <a:pPr>
+              <a:buFontTx/>
+              <a:buChar char="-"/>
+            </a:pPr>
+            <a:r>
+              <a:rPr lang="en-GB" dirty="0" smtClean="0"/>
+              <a:t>Jon Skeet, Coding Superstar, 2016</a:t>
+            </a:r>
+          </a:p>
+          <a:p>
+            <a:pPr>
+              <a:buFontTx/>
+              <a:buChar char="-"/>
+            </a:pPr>
+            <a:endParaRPr lang="en-GB" dirty="0"/>
+          </a:p>
+          <a:p>
+            <a:pPr marL="0" indent="0">
+              <a:buNone/>
+            </a:pPr>
+            <a:r>
+              <a:rPr lang="en-GB" dirty="0"/>
+              <a:t>“..mutable objects have no right to exist.  Their usage must be </a:t>
+            </a:r>
+            <a:r>
+              <a:rPr lang="en-GB" i="1" dirty="0"/>
+              <a:t>strictly prohibited</a:t>
+            </a:r>
+            <a:r>
+              <a:rPr lang="en-GB" dirty="0"/>
+              <a:t>.  They simply shouldn’t be present in OOP“</a:t>
+            </a:r>
+          </a:p>
+          <a:p>
+            <a:pPr>
+              <a:buFontTx/>
+              <a:buChar char="-"/>
+            </a:pPr>
+            <a:r>
+              <a:rPr lang="en-GB" dirty="0" err="1"/>
+              <a:t>Yegor</a:t>
+            </a:r>
+            <a:r>
+              <a:rPr lang="en-GB" dirty="0"/>
+              <a:t> </a:t>
+            </a:r>
+            <a:r>
+              <a:rPr lang="en-GB" dirty="0" err="1"/>
+              <a:t>Bugayenko</a:t>
+            </a:r>
+            <a:r>
+              <a:rPr lang="en-GB" dirty="0"/>
+              <a:t>, ‘Elegant Objects’, 2016</a:t>
+            </a:r>
+          </a:p>
+          <a:p>
+            <a:pPr>
+              <a:buFontTx/>
+              <a:buChar char="-"/>
+            </a:pPr>
+            <a:endParaRPr lang="en-GB" dirty="0"/>
+          </a:p>
+        </p:txBody>
+      </p:sp>
+    </p:spTree>
+    <p:extLst>
+      <p:ext uri="{BB962C8B-B14F-4D97-AF65-F5344CB8AC3E}">
+        <p14:creationId xmlns:p14="http://schemas.microsoft.com/office/powerpoint/2010/main" val="2520649781"/>
+      </p:ext>
+    </p:extLst>
+  </p:cSld>
+  <p:clrMapOvr>
+    <a:masterClrMapping/>
+  </p:clrMapOvr>
+  <p:timing>
+    <p:tnLst>
+      <p:par>
+        <p:cTn id="1" dur="indefinite" restart="never" nodeType="tmRoot"/>
+      </p:par>
+    </p:tnLst>
+  </p:timing>
 </p:sld>
 </file>
 

--- a/Immutability Dojo.pptx
+++ b/Immutability Dojo.pptx
@@ -11,8 +11,13 @@
     <p:sldId id="265" r:id="rId5"/>
     <p:sldId id="264" r:id="rId6"/>
     <p:sldId id="259" r:id="rId7"/>
-    <p:sldId id="260" r:id="rId8"/>
-    <p:sldId id="262" r:id="rId9"/>
+    <p:sldId id="266" r:id="rId8"/>
+    <p:sldId id="267" r:id="rId9"/>
+    <p:sldId id="270" r:id="rId10"/>
+    <p:sldId id="268" r:id="rId11"/>
+    <p:sldId id="269" r:id="rId12"/>
+    <p:sldId id="260" r:id="rId13"/>
+    <p:sldId id="262" r:id="rId14"/>
   </p:sldIdLst>
   <p:sldSz cx="12192000" cy="6858000"/>
   <p:notesSz cx="6858000" cy="9144000"/>
@@ -250,7 +255,7 @@
           <a:p>
             <a:fld id="{92319C12-1490-4598-B7CE-8406B5D736F8}" type="datetimeFigureOut">
               <a:rPr lang="en-GB" smtClean="0"/>
-              <a:t>28/11/2016</a:t>
+              <a:t>29/11/2016</a:t>
             </a:fld>
             <a:endParaRPr lang="en-GB"/>
           </a:p>
@@ -420,7 +425,7 @@
           <a:p>
             <a:fld id="{92319C12-1490-4598-B7CE-8406B5D736F8}" type="datetimeFigureOut">
               <a:rPr lang="en-GB" smtClean="0"/>
-              <a:t>28/11/2016</a:t>
+              <a:t>29/11/2016</a:t>
             </a:fld>
             <a:endParaRPr lang="en-GB"/>
           </a:p>
@@ -600,7 +605,7 @@
           <a:p>
             <a:fld id="{92319C12-1490-4598-B7CE-8406B5D736F8}" type="datetimeFigureOut">
               <a:rPr lang="en-GB" smtClean="0"/>
-              <a:t>28/11/2016</a:t>
+              <a:t>29/11/2016</a:t>
             </a:fld>
             <a:endParaRPr lang="en-GB"/>
           </a:p>
@@ -770,7 +775,7 @@
           <a:p>
             <a:fld id="{92319C12-1490-4598-B7CE-8406B5D736F8}" type="datetimeFigureOut">
               <a:rPr lang="en-GB" smtClean="0"/>
-              <a:t>28/11/2016</a:t>
+              <a:t>29/11/2016</a:t>
             </a:fld>
             <a:endParaRPr lang="en-GB"/>
           </a:p>
@@ -1016,7 +1021,7 @@
           <a:p>
             <a:fld id="{92319C12-1490-4598-B7CE-8406B5D736F8}" type="datetimeFigureOut">
               <a:rPr lang="en-GB" smtClean="0"/>
-              <a:t>28/11/2016</a:t>
+              <a:t>29/11/2016</a:t>
             </a:fld>
             <a:endParaRPr lang="en-GB"/>
           </a:p>
@@ -1248,7 +1253,7 @@
           <a:p>
             <a:fld id="{92319C12-1490-4598-B7CE-8406B5D736F8}" type="datetimeFigureOut">
               <a:rPr lang="en-GB" smtClean="0"/>
-              <a:t>28/11/2016</a:t>
+              <a:t>29/11/2016</a:t>
             </a:fld>
             <a:endParaRPr lang="en-GB"/>
           </a:p>
@@ -1615,7 +1620,7 @@
           <a:p>
             <a:fld id="{92319C12-1490-4598-B7CE-8406B5D736F8}" type="datetimeFigureOut">
               <a:rPr lang="en-GB" smtClean="0"/>
-              <a:t>28/11/2016</a:t>
+              <a:t>29/11/2016</a:t>
             </a:fld>
             <a:endParaRPr lang="en-GB"/>
           </a:p>
@@ -1733,7 +1738,7 @@
           <a:p>
             <a:fld id="{92319C12-1490-4598-B7CE-8406B5D736F8}" type="datetimeFigureOut">
               <a:rPr lang="en-GB" smtClean="0"/>
-              <a:t>28/11/2016</a:t>
+              <a:t>29/11/2016</a:t>
             </a:fld>
             <a:endParaRPr lang="en-GB"/>
           </a:p>
@@ -1828,7 +1833,7 @@
           <a:p>
             <a:fld id="{92319C12-1490-4598-B7CE-8406B5D736F8}" type="datetimeFigureOut">
               <a:rPr lang="en-GB" smtClean="0"/>
-              <a:t>28/11/2016</a:t>
+              <a:t>29/11/2016</a:t>
             </a:fld>
             <a:endParaRPr lang="en-GB"/>
           </a:p>
@@ -2105,7 +2110,7 @@
           <a:p>
             <a:fld id="{92319C12-1490-4598-B7CE-8406B5D736F8}" type="datetimeFigureOut">
               <a:rPr lang="en-GB" smtClean="0"/>
-              <a:t>28/11/2016</a:t>
+              <a:t>29/11/2016</a:t>
             </a:fld>
             <a:endParaRPr lang="en-GB"/>
           </a:p>
@@ -2358,7 +2363,7 @@
           <a:p>
             <a:fld id="{92319C12-1490-4598-B7CE-8406B5D736F8}" type="datetimeFigureOut">
               <a:rPr lang="en-GB" smtClean="0"/>
-              <a:t>28/11/2016</a:t>
+              <a:t>29/11/2016</a:t>
             </a:fld>
             <a:endParaRPr lang="en-GB"/>
           </a:p>
@@ -2571,7 +2576,7 @@
           <a:p>
             <a:fld id="{92319C12-1490-4598-B7CE-8406B5D736F8}" type="datetimeFigureOut">
               <a:rPr lang="en-GB" smtClean="0"/>
-              <a:t>28/11/2016</a:t>
+              <a:t>29/11/2016</a:t>
             </a:fld>
             <a:endParaRPr lang="en-GB"/>
           </a:p>
@@ -3015,18 +3020,23 @@
           <a:lstStyle/>
           <a:p>
             <a:r>
-              <a:rPr lang="en-GB" dirty="0" smtClean="0"/>
-              <a:t>An exercise </a:t>
-            </a:r>
-            <a:r>
-              <a:rPr lang="en-GB" smtClean="0"/>
-              <a:t>in writing immutable </a:t>
-            </a:r>
-            <a:r>
-              <a:rPr lang="en-GB" dirty="0" smtClean="0"/>
-              <a:t>code</a:t>
-            </a:r>
-            <a:endParaRPr lang="en-GB" dirty="0"/>
+              <a:rPr lang="en-GB" dirty="0" smtClean="0">
+                <a:latin typeface="Consolas" panose="020B0609020204030204" pitchFamily="49" charset="0"/>
+                <a:cs typeface="Consolas" panose="020B0609020204030204" pitchFamily="49" charset="0"/>
+              </a:rPr>
+              <a:t>An exercise in </a:t>
+            </a:r>
+            <a:r>
+              <a:rPr lang="en-GB" dirty="0" smtClean="0">
+                <a:latin typeface="Consolas" panose="020B0609020204030204" pitchFamily="49" charset="0"/>
+                <a:cs typeface="Consolas" panose="020B0609020204030204" pitchFamily="49" charset="0"/>
+              </a:rPr>
+              <a:t>writing immutable code</a:t>
+            </a:r>
+            <a:endParaRPr lang="en-GB" dirty="0">
+              <a:latin typeface="Consolas" panose="020B0609020204030204" pitchFamily="49" charset="0"/>
+              <a:cs typeface="Consolas" panose="020B0609020204030204" pitchFamily="49" charset="0"/>
+            </a:endParaRPr>
           </a:p>
         </p:txBody>
       </p:sp>
@@ -3050,7 +3060,7 @@
 </p:sld>
 </file>
 
-<file path=ppt/slides/slide2.xml><?xml version="1.0" encoding="utf-8"?>
+<file path=ppt/slides/slide10.xml><?xml version="1.0" encoding="utf-8"?>
 <p:sld xmlns:a="http://schemas.openxmlformats.org/drawingml/2006/main" xmlns:r="http://schemas.openxmlformats.org/officeDocument/2006/relationships" xmlns:p="http://schemas.openxmlformats.org/presentationml/2006/main">
   <p:cSld>
     <p:spTree>
@@ -3084,7 +3094,7 @@
           <a:p>
             <a:r>
               <a:rPr lang="en-GB" dirty="0" smtClean="0"/>
-              <a:t>What is Immutability?</a:t>
+              <a:t>NULLs</a:t>
             </a:r>
             <a:endParaRPr lang="en-GB" dirty="0"/>
           </a:p>
@@ -3109,158 +3119,38 @@
               <a:buNone/>
             </a:pPr>
             <a:r>
+              <a:rPr lang="en-GB" dirty="0"/>
+              <a:t>“I call it my billion-dollar mistake… </a:t>
+            </a:r>
+            <a:r>
               <a:rPr lang="en-GB" dirty="0" smtClean="0"/>
-              <a:t>..an</a:t>
+              <a:t>..I </a:t>
             </a:r>
             <a:r>
               <a:rPr lang="en-GB" dirty="0"/>
-              <a:t> </a:t>
-            </a:r>
-            <a:r>
-              <a:rPr lang="en-GB" b="1" dirty="0"/>
-              <a:t>immutable</a:t>
-            </a:r>
-            <a:r>
-              <a:rPr lang="en-GB" dirty="0"/>
-              <a:t> object (unchangeable object) is an object whose state cannot be modified after it is </a:t>
+              <a:t>couldn’t resist the temptation to put in a null reference, simply because it was so easy to implement. This has led to innumerable errors, vulnerabilities, and system crashes, which have probably caused a billion dollars of pain and damage in the last forty years</a:t>
             </a:r>
             <a:r>
               <a:rPr lang="en-GB" dirty="0" smtClean="0"/>
-              <a:t>created.</a:t>
-            </a:r>
-          </a:p>
-          <a:p>
-            <a:pPr marL="0" indent="0">
-              <a:buNone/>
-            </a:pPr>
+              <a:t>.”</a:t>
+            </a:r>
+          </a:p>
+          <a:p>
+            <a:pPr marL="0" indent="0">
+              <a:buNone/>
+            </a:pPr>
+            <a:r>
+              <a:rPr lang="en-GB" dirty="0" smtClean="0"/>
+              <a:t>- C.A.R. Hoare, creator of ALGOL W (and NULL in modern languages)</a:t>
+            </a:r>
             <a:endParaRPr lang="en-GB" dirty="0"/>
           </a:p>
-          <a:p>
-            <a:pPr marL="0" indent="0">
-              <a:buNone/>
-            </a:pPr>
-            <a:r>
-              <a:rPr lang="en-GB" dirty="0" err="1"/>
-              <a:t>i</a:t>
-            </a:r>
-            <a:r>
-              <a:rPr lang="en-GB" dirty="0" err="1" smtClean="0"/>
-              <a:t>nt</a:t>
-            </a:r>
-            <a:r>
-              <a:rPr lang="en-GB" dirty="0" smtClean="0"/>
-              <a:t> x = 10;</a:t>
-            </a:r>
-          </a:p>
-          <a:p>
-            <a:pPr marL="0" indent="0">
-              <a:buNone/>
-            </a:pPr>
-            <a:endParaRPr lang="en-GB" dirty="0" smtClean="0"/>
-          </a:p>
-          <a:p>
-            <a:pPr marL="0" indent="0">
-              <a:buNone/>
-            </a:pPr>
-            <a:r>
-              <a:rPr lang="en-GB" dirty="0"/>
-              <a:t>x</a:t>
-            </a:r>
-            <a:r>
-              <a:rPr lang="en-GB" dirty="0" smtClean="0"/>
-              <a:t> = x + 10;</a:t>
-            </a:r>
-          </a:p>
-          <a:p>
-            <a:pPr marL="0" indent="0">
-              <a:buNone/>
-            </a:pPr>
-            <a:endParaRPr lang="en-GB" dirty="0"/>
-          </a:p>
-          <a:p>
-            <a:pPr marL="0" indent="0">
-              <a:buNone/>
-            </a:pPr>
-            <a:r>
-              <a:rPr lang="en-GB" dirty="0" err="1"/>
-              <a:t>i</a:t>
-            </a:r>
-            <a:r>
-              <a:rPr lang="en-GB" dirty="0" err="1" smtClean="0"/>
-              <a:t>nt</a:t>
-            </a:r>
-            <a:r>
-              <a:rPr lang="en-GB" dirty="0" smtClean="0"/>
-              <a:t> y = x + 10;</a:t>
-            </a:r>
-            <a:endParaRPr lang="en-GB" dirty="0"/>
-          </a:p>
-        </p:txBody>
-      </p:sp>
-      <p:pic>
-        <p:nvPicPr>
-          <p:cNvPr id="4" name="Picture 3"/>
-          <p:cNvPicPr>
-            <a:picLocks noChangeAspect="1"/>
-          </p:cNvPicPr>
-          <p:nvPr/>
-        </p:nvPicPr>
-        <p:blipFill>
-          <a:blip r:embed="rId2" cstate="print">
-            <a:extLst>
-              <a:ext uri="{28A0092B-C50C-407E-A947-70E740481C1C}">
-                <a14:useLocalDpi xmlns:a14="http://schemas.microsoft.com/office/drawing/2010/main" val="0"/>
-              </a:ext>
-            </a:extLst>
-          </a:blip>
-          <a:stretch>
-            <a:fillRect/>
-          </a:stretch>
-        </p:blipFill>
-        <p:spPr>
-          <a:xfrm>
-            <a:off x="3095823" y="5093309"/>
-            <a:ext cx="1109623" cy="832218"/>
-          </a:xfrm>
-          <a:prstGeom prst="rect">
-            <a:avLst/>
-          </a:prstGeom>
-        </p:spPr>
-      </p:pic>
-      <p:pic>
-        <p:nvPicPr>
-          <p:cNvPr id="5" name="Picture 4"/>
-          <p:cNvPicPr>
-            <a:picLocks noChangeAspect="1"/>
-          </p:cNvPicPr>
-          <p:nvPr/>
-        </p:nvPicPr>
-        <p:blipFill>
-          <a:blip r:embed="rId3" cstate="print">
-            <a:extLst>
-              <a:ext uri="{28A0092B-C50C-407E-A947-70E740481C1C}">
-                <a14:useLocalDpi xmlns:a14="http://schemas.microsoft.com/office/drawing/2010/main" val="0"/>
-              </a:ext>
-            </a:extLst>
-          </a:blip>
-          <a:stretch>
-            <a:fillRect/>
-          </a:stretch>
-        </p:blipFill>
-        <p:spPr>
-          <a:xfrm>
-            <a:off x="2513197" y="4144538"/>
-            <a:ext cx="813557" cy="697335"/>
-          </a:xfrm>
-          <a:prstGeom prst="rect">
-            <a:avLst/>
-          </a:prstGeom>
-        </p:spPr>
-      </p:pic>
+        </p:txBody>
+      </p:sp>
     </p:spTree>
     <p:extLst>
       <p:ext uri="{BB962C8B-B14F-4D97-AF65-F5344CB8AC3E}">
-        <p14:creationId xmlns:p14="http://schemas.microsoft.com/office/powerpoint/2010/main" val="590140953"/>
+        <p14:creationId xmlns:p14="http://schemas.microsoft.com/office/powerpoint/2010/main" val="1249407514"/>
       </p:ext>
     </p:extLst>
   </p:cSld>
@@ -3277,7 +3167,7 @@
 </p:sld>
 </file>
 
-<file path=ppt/slides/slide3.xml><?xml version="1.0" encoding="utf-8"?>
+<file path=ppt/slides/slide11.xml><?xml version="1.0" encoding="utf-8"?>
 <p:sld xmlns:a="http://schemas.openxmlformats.org/drawingml/2006/main" xmlns:r="http://schemas.openxmlformats.org/officeDocument/2006/relationships" xmlns:p="http://schemas.openxmlformats.org/presentationml/2006/main">
   <p:cSld>
     <p:spTree>
@@ -3311,11 +3201,7 @@
           <a:p>
             <a:r>
               <a:rPr lang="en-GB" dirty="0" smtClean="0"/>
-              <a:t>Immutable Code </a:t>
-            </a:r>
-            <a:r>
-              <a:rPr lang="en-GB" dirty="0" smtClean="0"/>
-              <a:t>Example - strings</a:t>
+              <a:t>Reordering Errors</a:t>
             </a:r>
             <a:endParaRPr lang="en-GB" dirty="0"/>
           </a:p>
@@ -3331,192 +3217,466 @@
             <p:ph idx="1"/>
           </p:nvPr>
         </p:nvSpPr>
-        <p:spPr/>
-        <p:txBody>
-          <a:bodyPr/>
-          <a:lstStyle/>
-          <a:p>
-            <a:pPr marL="0" indent="0">
-              <a:buNone/>
-            </a:pPr>
-            <a:r>
-              <a:rPr lang="en-GB" dirty="0" err="1"/>
-              <a:t>v</a:t>
-            </a:r>
-            <a:r>
-              <a:rPr lang="en-GB" dirty="0" err="1" smtClean="0"/>
-              <a:t>ar</a:t>
-            </a:r>
-            <a:r>
-              <a:rPr lang="en-GB" dirty="0" smtClean="0"/>
-              <a:t> </a:t>
-            </a:r>
-            <a:r>
-              <a:rPr lang="en-GB" dirty="0" smtClean="0"/>
-              <a:t>message = “Hi mum!”;</a:t>
-            </a:r>
-          </a:p>
-          <a:p>
-            <a:pPr marL="0" indent="0">
-              <a:buNone/>
-            </a:pPr>
-            <a:endParaRPr lang="en-GB" dirty="0" smtClean="0"/>
-          </a:p>
-          <a:p>
-            <a:pPr marL="0" indent="0">
-              <a:buNone/>
-            </a:pPr>
-            <a:r>
-              <a:rPr lang="en-GB" dirty="0" err="1"/>
-              <a:t>m</a:t>
-            </a:r>
-            <a:r>
-              <a:rPr lang="en-GB" dirty="0" err="1" smtClean="0"/>
-              <a:t>essage.ToUpper</a:t>
-            </a:r>
-            <a:r>
-              <a:rPr lang="en-GB" dirty="0" smtClean="0"/>
-              <a:t>();</a:t>
-            </a:r>
-            <a:endParaRPr lang="en-GB" dirty="0"/>
-          </a:p>
-          <a:p>
-            <a:pPr marL="0" indent="0">
-              <a:buNone/>
-            </a:pPr>
-            <a:endParaRPr lang="en-GB" dirty="0" smtClean="0"/>
-          </a:p>
-          <a:p>
-            <a:pPr marL="0" indent="0">
-              <a:buNone/>
-            </a:pPr>
-            <a:r>
-              <a:rPr lang="en-GB" dirty="0" err="1" smtClean="0"/>
-              <a:t>var</a:t>
-            </a:r>
-            <a:r>
-              <a:rPr lang="en-GB" dirty="0" smtClean="0"/>
-              <a:t> </a:t>
-            </a:r>
-            <a:r>
-              <a:rPr lang="en-GB" dirty="0" err="1" smtClean="0"/>
-              <a:t>messageCaps</a:t>
-            </a:r>
-            <a:r>
-              <a:rPr lang="en-GB" dirty="0" smtClean="0"/>
-              <a:t> = </a:t>
-            </a:r>
-            <a:r>
-              <a:rPr lang="en-GB" dirty="0" err="1" smtClean="0"/>
-              <a:t>message.ToUpper</a:t>
-            </a:r>
-            <a:r>
-              <a:rPr lang="en-GB" dirty="0" smtClean="0"/>
-              <a:t>();</a:t>
-            </a:r>
-          </a:p>
-          <a:p>
-            <a:pPr marL="0" indent="0">
-              <a:buNone/>
-            </a:pPr>
-            <a:endParaRPr lang="en-GB" dirty="0"/>
-          </a:p>
-          <a:p>
-            <a:pPr marL="0" indent="0">
-              <a:buNone/>
-            </a:pPr>
-            <a:r>
-              <a:rPr lang="en-GB" dirty="0" smtClean="0"/>
-              <a:t>// </a:t>
-            </a:r>
-            <a:r>
-              <a:rPr lang="en-GB" dirty="0" err="1"/>
-              <a:t>ToUpper</a:t>
-            </a:r>
-            <a:r>
-              <a:rPr lang="en-GB" dirty="0"/>
-              <a:t>() does not modify the string, it returns a new one</a:t>
-            </a:r>
-            <a:endParaRPr lang="en-GB" dirty="0" smtClean="0"/>
-          </a:p>
-          <a:p>
-            <a:pPr marL="0" indent="0">
-              <a:buNone/>
-            </a:pPr>
-            <a:endParaRPr lang="en-GB" dirty="0"/>
-          </a:p>
-          <a:p>
-            <a:pPr marL="0" indent="0">
-              <a:buNone/>
-            </a:pPr>
-            <a:endParaRPr lang="en-GB" dirty="0"/>
-          </a:p>
-        </p:txBody>
-      </p:sp>
-      <p:pic>
-        <p:nvPicPr>
-          <p:cNvPr id="4" name="Picture 3"/>
-          <p:cNvPicPr>
-            <a:picLocks noChangeAspect="1"/>
-          </p:cNvPicPr>
-          <p:nvPr/>
-        </p:nvPicPr>
-        <p:blipFill>
-          <a:blip r:embed="rId2" cstate="print">
-            <a:extLst>
-              <a:ext uri="{28A0092B-C50C-407E-A947-70E740481C1C}">
-                <a14:useLocalDpi xmlns:a14="http://schemas.microsoft.com/office/drawing/2010/main" val="0"/>
-              </a:ext>
-            </a:extLst>
-          </a:blip>
-          <a:stretch>
-            <a:fillRect/>
-          </a:stretch>
-        </p:blipFill>
         <p:spPr>
           <a:xfrm>
-            <a:off x="3982969" y="2730864"/>
-            <a:ext cx="813557" cy="697335"/>
+            <a:off x="838200" y="1410788"/>
+            <a:ext cx="10515600" cy="5016137"/>
           </a:xfrm>
-          <a:prstGeom prst="rect">
-            <a:avLst/>
-          </a:prstGeom>
         </p:spPr>
-      </p:pic>
-      <p:pic>
-        <p:nvPicPr>
-          <p:cNvPr id="5" name="Picture 4"/>
-          <p:cNvPicPr>
-            <a:picLocks noChangeAspect="1"/>
-          </p:cNvPicPr>
-          <p:nvPr/>
-        </p:nvPicPr>
-        <p:blipFill>
-          <a:blip r:embed="rId3" cstate="print">
-            <a:extLst>
-              <a:ext uri="{28A0092B-C50C-407E-A947-70E740481C1C}">
-                <a14:useLocalDpi xmlns:a14="http://schemas.microsoft.com/office/drawing/2010/main" val="0"/>
-              </a:ext>
-            </a:extLst>
-          </a:blip>
-          <a:stretch>
-            <a:fillRect/>
-          </a:stretch>
-        </p:blipFill>
-        <p:spPr>
-          <a:xfrm>
-            <a:off x="6710460" y="3585185"/>
-            <a:ext cx="1109623" cy="832218"/>
-          </a:xfrm>
-          <a:prstGeom prst="rect">
-            <a:avLst/>
-          </a:prstGeom>
-        </p:spPr>
-      </p:pic>
+        <p:txBody>
+          <a:bodyPr>
+            <a:normAutofit fontScale="70000" lnSpcReduction="20000"/>
+          </a:bodyPr>
+          <a:lstStyle/>
+          <a:p>
+            <a:pPr marL="0" indent="0">
+              <a:buNone/>
+            </a:pPr>
+            <a:r>
+              <a:rPr lang="en-GB" dirty="0" smtClean="0">
+                <a:cs typeface="Consolas" panose="020B0609020204030204" pitchFamily="49" charset="0"/>
+              </a:rPr>
+              <a:t>Original code:</a:t>
+            </a:r>
+          </a:p>
+          <a:p>
+            <a:pPr marL="0" indent="0">
+              <a:buNone/>
+            </a:pPr>
+            <a:r>
+              <a:rPr lang="en-GB" dirty="0" smtClean="0">
+                <a:latin typeface="Consolas" panose="020B0609020204030204" pitchFamily="49" charset="0"/>
+                <a:cs typeface="Consolas" panose="020B0609020204030204" pitchFamily="49" charset="0"/>
+              </a:rPr>
+              <a:t>  </a:t>
+            </a:r>
+            <a:r>
+              <a:rPr lang="en-GB" dirty="0" err="1" smtClean="0">
+                <a:latin typeface="Consolas" panose="020B0609020204030204" pitchFamily="49" charset="0"/>
+                <a:cs typeface="Consolas" panose="020B0609020204030204" pitchFamily="49" charset="0"/>
+              </a:rPr>
+              <a:t>myOrder.AddItems</a:t>
+            </a:r>
+            <a:r>
+              <a:rPr lang="en-GB" dirty="0" smtClean="0">
+                <a:latin typeface="Consolas" panose="020B0609020204030204" pitchFamily="49" charset="0"/>
+                <a:cs typeface="Consolas" panose="020B0609020204030204" pitchFamily="49" charset="0"/>
+              </a:rPr>
+              <a:t>(checkout</a:t>
+            </a:r>
+            <a:r>
+              <a:rPr lang="en-GB" dirty="0">
+                <a:latin typeface="Consolas" panose="020B0609020204030204" pitchFamily="49" charset="0"/>
+                <a:cs typeface="Consolas" panose="020B0609020204030204" pitchFamily="49" charset="0"/>
+              </a:rPr>
+              <a:t>);</a:t>
+            </a:r>
+          </a:p>
+          <a:p>
+            <a:pPr marL="0" indent="0">
+              <a:buNone/>
+            </a:pPr>
+            <a:r>
+              <a:rPr lang="en-GB" dirty="0">
+                <a:latin typeface="Consolas" panose="020B0609020204030204" pitchFamily="49" charset="0"/>
+                <a:cs typeface="Consolas" panose="020B0609020204030204" pitchFamily="49" charset="0"/>
+              </a:rPr>
+              <a:t>  </a:t>
+            </a:r>
+            <a:r>
+              <a:rPr lang="en-GB" dirty="0" err="1">
+                <a:latin typeface="Consolas" panose="020B0609020204030204" pitchFamily="49" charset="0"/>
+                <a:cs typeface="Consolas" panose="020B0609020204030204" pitchFamily="49" charset="0"/>
+              </a:rPr>
+              <a:t>myOrder.CalculateTotals</a:t>
+            </a:r>
+            <a:r>
+              <a:rPr lang="en-GB" dirty="0">
+                <a:latin typeface="Consolas" panose="020B0609020204030204" pitchFamily="49" charset="0"/>
+                <a:cs typeface="Consolas" panose="020B0609020204030204" pitchFamily="49" charset="0"/>
+              </a:rPr>
+              <a:t>();</a:t>
+            </a:r>
+          </a:p>
+          <a:p>
+            <a:pPr marL="0" indent="0">
+              <a:buNone/>
+            </a:pPr>
+            <a:r>
+              <a:rPr lang="en-GB" dirty="0">
+                <a:latin typeface="Consolas" panose="020B0609020204030204" pitchFamily="49" charset="0"/>
+                <a:cs typeface="Consolas" panose="020B0609020204030204" pitchFamily="49" charset="0"/>
+              </a:rPr>
+              <a:t>  </a:t>
+            </a:r>
+            <a:r>
+              <a:rPr lang="en-GB" dirty="0" err="1" smtClean="0">
+                <a:latin typeface="Consolas" panose="020B0609020204030204" pitchFamily="49" charset="0"/>
+                <a:cs typeface="Consolas" panose="020B0609020204030204" pitchFamily="49" charset="0"/>
+              </a:rPr>
+              <a:t>Printer.Print</a:t>
+            </a:r>
+            <a:r>
+              <a:rPr lang="en-GB" dirty="0" smtClean="0">
+                <a:latin typeface="Consolas" panose="020B0609020204030204" pitchFamily="49" charset="0"/>
+                <a:cs typeface="Consolas" panose="020B0609020204030204" pitchFamily="49" charset="0"/>
+              </a:rPr>
+              <a:t>(</a:t>
+            </a:r>
+            <a:r>
+              <a:rPr lang="en-GB" dirty="0" err="1" smtClean="0">
+                <a:latin typeface="Consolas" panose="020B0609020204030204" pitchFamily="49" charset="0"/>
+                <a:cs typeface="Consolas" panose="020B0609020204030204" pitchFamily="49" charset="0"/>
+              </a:rPr>
+              <a:t>myOrder</a:t>
+            </a:r>
+            <a:r>
+              <a:rPr lang="en-GB" dirty="0" smtClean="0">
+                <a:latin typeface="Consolas" panose="020B0609020204030204" pitchFamily="49" charset="0"/>
+                <a:cs typeface="Consolas" panose="020B0609020204030204" pitchFamily="49" charset="0"/>
+              </a:rPr>
+              <a:t>);</a:t>
+            </a:r>
+          </a:p>
+          <a:p>
+            <a:pPr marL="0" indent="0">
+              <a:buNone/>
+            </a:pPr>
+            <a:endParaRPr lang="en-GB" dirty="0" smtClean="0">
+              <a:latin typeface="Consolas" panose="020B0609020204030204" pitchFamily="49" charset="0"/>
+              <a:cs typeface="Consolas" panose="020B0609020204030204" pitchFamily="49" charset="0"/>
+            </a:endParaRPr>
+          </a:p>
+          <a:p>
+            <a:pPr marL="0" indent="0">
+              <a:buNone/>
+            </a:pPr>
+            <a:r>
+              <a:rPr lang="en-GB" dirty="0" smtClean="0">
+                <a:cs typeface="Consolas" panose="020B0609020204030204" pitchFamily="49" charset="0"/>
+              </a:rPr>
+              <a:t>After some refactoring:</a:t>
+            </a:r>
+            <a:endParaRPr lang="en-GB" dirty="0">
+              <a:cs typeface="Consolas" panose="020B0609020204030204" pitchFamily="49" charset="0"/>
+            </a:endParaRPr>
+          </a:p>
+          <a:p>
+            <a:pPr marL="0" indent="0">
+              <a:buNone/>
+            </a:pPr>
+            <a:r>
+              <a:rPr lang="en-GB" dirty="0">
+                <a:latin typeface="Consolas" panose="020B0609020204030204" pitchFamily="49" charset="0"/>
+                <a:cs typeface="Consolas" panose="020B0609020204030204" pitchFamily="49" charset="0"/>
+              </a:rPr>
+              <a:t> </a:t>
+            </a:r>
+            <a:r>
+              <a:rPr lang="en-GB" dirty="0" smtClean="0">
+                <a:latin typeface="Consolas" panose="020B0609020204030204" pitchFamily="49" charset="0"/>
+                <a:cs typeface="Consolas" panose="020B0609020204030204" pitchFamily="49" charset="0"/>
+              </a:rPr>
+              <a:t> </a:t>
+            </a:r>
+            <a:r>
+              <a:rPr lang="en-GB" b="1" dirty="0" err="1">
+                <a:latin typeface="Consolas" panose="020B0609020204030204" pitchFamily="49" charset="0"/>
+                <a:cs typeface="Consolas" panose="020B0609020204030204" pitchFamily="49" charset="0"/>
+              </a:rPr>
+              <a:t>myOrder.CalculateTotals</a:t>
+            </a:r>
+            <a:r>
+              <a:rPr lang="en-GB" b="1" dirty="0" smtClean="0">
+                <a:latin typeface="Consolas" panose="020B0609020204030204" pitchFamily="49" charset="0"/>
+                <a:cs typeface="Consolas" panose="020B0609020204030204" pitchFamily="49" charset="0"/>
+              </a:rPr>
+              <a:t>(); </a:t>
+            </a:r>
+            <a:r>
+              <a:rPr lang="en-GB" dirty="0" smtClean="0">
+                <a:latin typeface="Consolas" panose="020B0609020204030204" pitchFamily="49" charset="0"/>
+                <a:cs typeface="Consolas" panose="020B0609020204030204" pitchFamily="49" charset="0"/>
+              </a:rPr>
+              <a:t>// Oops</a:t>
+            </a:r>
+          </a:p>
+          <a:p>
+            <a:pPr marL="0" indent="0">
+              <a:buNone/>
+            </a:pPr>
+            <a:r>
+              <a:rPr lang="en-GB" dirty="0" smtClean="0">
+                <a:latin typeface="Consolas" panose="020B0609020204030204" pitchFamily="49" charset="0"/>
+                <a:cs typeface="Consolas" panose="020B0609020204030204" pitchFamily="49" charset="0"/>
+              </a:rPr>
+              <a:t>  </a:t>
+            </a:r>
+            <a:r>
+              <a:rPr lang="en-GB" dirty="0" err="1" smtClean="0">
+                <a:latin typeface="Consolas" panose="020B0609020204030204" pitchFamily="49" charset="0"/>
+                <a:cs typeface="Consolas" panose="020B0609020204030204" pitchFamily="49" charset="0"/>
+              </a:rPr>
+              <a:t>myOrder.AddItems</a:t>
+            </a:r>
+            <a:r>
+              <a:rPr lang="en-GB" dirty="0" smtClean="0">
+                <a:latin typeface="Consolas" panose="020B0609020204030204" pitchFamily="49" charset="0"/>
+                <a:cs typeface="Consolas" panose="020B0609020204030204" pitchFamily="49" charset="0"/>
+              </a:rPr>
+              <a:t>(checkout</a:t>
+            </a:r>
+            <a:r>
+              <a:rPr lang="en-GB" dirty="0">
+                <a:latin typeface="Consolas" panose="020B0609020204030204" pitchFamily="49" charset="0"/>
+                <a:cs typeface="Consolas" panose="020B0609020204030204" pitchFamily="49" charset="0"/>
+              </a:rPr>
+              <a:t>);</a:t>
+            </a:r>
+          </a:p>
+          <a:p>
+            <a:pPr marL="0" indent="0">
+              <a:buNone/>
+            </a:pPr>
+            <a:r>
+              <a:rPr lang="en-GB" dirty="0" smtClean="0">
+                <a:latin typeface="Consolas" panose="020B0609020204030204" pitchFamily="49" charset="0"/>
+                <a:cs typeface="Consolas" panose="020B0609020204030204" pitchFamily="49" charset="0"/>
+              </a:rPr>
+              <a:t>  </a:t>
+            </a:r>
+            <a:r>
+              <a:rPr lang="en-GB" dirty="0" err="1" smtClean="0">
+                <a:latin typeface="Consolas" panose="020B0609020204030204" pitchFamily="49" charset="0"/>
+                <a:cs typeface="Consolas" panose="020B0609020204030204" pitchFamily="49" charset="0"/>
+              </a:rPr>
+              <a:t>Printer.Print</a:t>
+            </a:r>
+            <a:r>
+              <a:rPr lang="en-GB" dirty="0" smtClean="0">
+                <a:latin typeface="Consolas" panose="020B0609020204030204" pitchFamily="49" charset="0"/>
+                <a:cs typeface="Consolas" panose="020B0609020204030204" pitchFamily="49" charset="0"/>
+              </a:rPr>
+              <a:t>(</a:t>
+            </a:r>
+            <a:r>
+              <a:rPr lang="en-GB" dirty="0" err="1" smtClean="0">
+                <a:latin typeface="Consolas" panose="020B0609020204030204" pitchFamily="49" charset="0"/>
+                <a:cs typeface="Consolas" panose="020B0609020204030204" pitchFamily="49" charset="0"/>
+              </a:rPr>
+              <a:t>myOrder</a:t>
+            </a:r>
+            <a:r>
+              <a:rPr lang="en-GB" dirty="0" smtClean="0">
+                <a:latin typeface="Consolas" panose="020B0609020204030204" pitchFamily="49" charset="0"/>
+                <a:cs typeface="Consolas" panose="020B0609020204030204" pitchFamily="49" charset="0"/>
+              </a:rPr>
+              <a:t>);</a:t>
+            </a:r>
+          </a:p>
+          <a:p>
+            <a:pPr marL="0" indent="0">
+              <a:buNone/>
+            </a:pPr>
+            <a:endParaRPr lang="en-GB" dirty="0">
+              <a:latin typeface="Consolas" panose="020B0609020204030204" pitchFamily="49" charset="0"/>
+              <a:cs typeface="Consolas" panose="020B0609020204030204" pitchFamily="49" charset="0"/>
+            </a:endParaRPr>
+          </a:p>
+          <a:p>
+            <a:pPr marL="0" indent="0">
+              <a:buNone/>
+            </a:pPr>
+            <a:r>
+              <a:rPr lang="en-GB" dirty="0" smtClean="0">
+                <a:cs typeface="Consolas" panose="020B0609020204030204" pitchFamily="49" charset="0"/>
+              </a:rPr>
+              <a:t>In the immutable version, reordering results in compilation error:</a:t>
+            </a:r>
+          </a:p>
+          <a:p>
+            <a:pPr marL="0" indent="0">
+              <a:buNone/>
+            </a:pPr>
+            <a:r>
+              <a:rPr lang="en-GB" dirty="0">
+                <a:latin typeface="Consolas" panose="020B0609020204030204" pitchFamily="49" charset="0"/>
+                <a:cs typeface="Consolas" panose="020B0609020204030204" pitchFamily="49" charset="0"/>
+              </a:rPr>
+              <a:t> </a:t>
+            </a:r>
+            <a:r>
+              <a:rPr lang="en-GB" dirty="0" smtClean="0">
+                <a:latin typeface="Consolas" panose="020B0609020204030204" pitchFamily="49" charset="0"/>
+                <a:cs typeface="Consolas" panose="020B0609020204030204" pitchFamily="49" charset="0"/>
+              </a:rPr>
+              <a:t> </a:t>
+            </a:r>
+            <a:r>
+              <a:rPr lang="en-GB" dirty="0" err="1" smtClean="0">
+                <a:latin typeface="Consolas" panose="020B0609020204030204" pitchFamily="49" charset="0"/>
+                <a:cs typeface="Consolas" panose="020B0609020204030204" pitchFamily="49" charset="0"/>
+              </a:rPr>
+              <a:t>var</a:t>
+            </a:r>
+            <a:r>
+              <a:rPr lang="en-GB" dirty="0" smtClean="0">
+                <a:latin typeface="Consolas" panose="020B0609020204030204" pitchFamily="49" charset="0"/>
+                <a:cs typeface="Consolas" panose="020B0609020204030204" pitchFamily="49" charset="0"/>
+              </a:rPr>
+              <a:t> </a:t>
+            </a:r>
+            <a:r>
+              <a:rPr lang="en-GB" b="1" dirty="0" err="1" smtClean="0">
+                <a:latin typeface="Consolas" panose="020B0609020204030204" pitchFamily="49" charset="0"/>
+                <a:cs typeface="Consolas" panose="020B0609020204030204" pitchFamily="49" charset="0"/>
+              </a:rPr>
+              <a:t>orderWithItems</a:t>
+            </a:r>
+            <a:r>
+              <a:rPr lang="en-GB" dirty="0" smtClean="0">
+                <a:latin typeface="Consolas" panose="020B0609020204030204" pitchFamily="49" charset="0"/>
+                <a:cs typeface="Consolas" panose="020B0609020204030204" pitchFamily="49" charset="0"/>
+              </a:rPr>
+              <a:t> = </a:t>
+            </a:r>
+            <a:r>
+              <a:rPr lang="en-GB" dirty="0" err="1" smtClean="0">
+                <a:latin typeface="Consolas" panose="020B0609020204030204" pitchFamily="49" charset="0"/>
+                <a:cs typeface="Consolas" panose="020B0609020204030204" pitchFamily="49" charset="0"/>
+              </a:rPr>
+              <a:t>myOrder.AddItems</a:t>
+            </a:r>
+            <a:r>
+              <a:rPr lang="en-GB" dirty="0" smtClean="0">
+                <a:latin typeface="Consolas" panose="020B0609020204030204" pitchFamily="49" charset="0"/>
+                <a:cs typeface="Consolas" panose="020B0609020204030204" pitchFamily="49" charset="0"/>
+              </a:rPr>
+              <a:t>(checkout</a:t>
+            </a:r>
+            <a:r>
+              <a:rPr lang="en-GB" dirty="0">
+                <a:latin typeface="Consolas" panose="020B0609020204030204" pitchFamily="49" charset="0"/>
+                <a:cs typeface="Consolas" panose="020B0609020204030204" pitchFamily="49" charset="0"/>
+              </a:rPr>
+              <a:t>);</a:t>
+            </a:r>
+          </a:p>
+          <a:p>
+            <a:pPr marL="0" indent="0">
+              <a:buNone/>
+            </a:pPr>
+            <a:r>
+              <a:rPr lang="en-GB" dirty="0">
+                <a:latin typeface="Consolas" panose="020B0609020204030204" pitchFamily="49" charset="0"/>
+                <a:cs typeface="Consolas" panose="020B0609020204030204" pitchFamily="49" charset="0"/>
+              </a:rPr>
+              <a:t> </a:t>
+            </a:r>
+            <a:r>
+              <a:rPr lang="en-GB" dirty="0" smtClean="0">
+                <a:latin typeface="Consolas" panose="020B0609020204030204" pitchFamily="49" charset="0"/>
+                <a:cs typeface="Consolas" panose="020B0609020204030204" pitchFamily="49" charset="0"/>
+              </a:rPr>
+              <a:t> </a:t>
+            </a:r>
+            <a:r>
+              <a:rPr lang="en-GB" dirty="0" err="1" smtClean="0">
+                <a:latin typeface="Consolas" panose="020B0609020204030204" pitchFamily="49" charset="0"/>
+                <a:cs typeface="Consolas" panose="020B0609020204030204" pitchFamily="49" charset="0"/>
+              </a:rPr>
+              <a:t>var</a:t>
+            </a:r>
+            <a:r>
+              <a:rPr lang="en-GB" dirty="0" smtClean="0">
+                <a:latin typeface="Consolas" panose="020B0609020204030204" pitchFamily="49" charset="0"/>
+                <a:cs typeface="Consolas" panose="020B0609020204030204" pitchFamily="49" charset="0"/>
+              </a:rPr>
+              <a:t> </a:t>
+            </a:r>
+            <a:r>
+              <a:rPr lang="en-GB" b="1" dirty="0" err="1" smtClean="0">
+                <a:latin typeface="Consolas" panose="020B0609020204030204" pitchFamily="49" charset="0"/>
+                <a:cs typeface="Consolas" panose="020B0609020204030204" pitchFamily="49" charset="0"/>
+              </a:rPr>
+              <a:t>totalsOrder</a:t>
+            </a:r>
+            <a:r>
+              <a:rPr lang="en-GB" dirty="0" smtClean="0">
+                <a:latin typeface="Consolas" panose="020B0609020204030204" pitchFamily="49" charset="0"/>
+                <a:cs typeface="Consolas" panose="020B0609020204030204" pitchFamily="49" charset="0"/>
+              </a:rPr>
+              <a:t> = </a:t>
+            </a:r>
+            <a:r>
+              <a:rPr lang="en-GB" b="1" dirty="0" err="1" smtClean="0">
+                <a:latin typeface="Consolas" panose="020B0609020204030204" pitchFamily="49" charset="0"/>
+                <a:cs typeface="Consolas" panose="020B0609020204030204" pitchFamily="49" charset="0"/>
+              </a:rPr>
+              <a:t>orderWithItems</a:t>
+            </a:r>
+            <a:r>
+              <a:rPr lang="en-GB" dirty="0" err="1" smtClean="0">
+                <a:latin typeface="Consolas" panose="020B0609020204030204" pitchFamily="49" charset="0"/>
+                <a:cs typeface="Consolas" panose="020B0609020204030204" pitchFamily="49" charset="0"/>
+              </a:rPr>
+              <a:t>.CalculateTotals</a:t>
+            </a:r>
+            <a:r>
+              <a:rPr lang="en-GB" dirty="0">
+                <a:latin typeface="Consolas" panose="020B0609020204030204" pitchFamily="49" charset="0"/>
+                <a:cs typeface="Consolas" panose="020B0609020204030204" pitchFamily="49" charset="0"/>
+              </a:rPr>
+              <a:t>();</a:t>
+            </a:r>
+          </a:p>
+          <a:p>
+            <a:pPr marL="0" indent="0">
+              <a:buNone/>
+            </a:pPr>
+            <a:r>
+              <a:rPr lang="en-GB" dirty="0">
+                <a:latin typeface="Consolas" panose="020B0609020204030204" pitchFamily="49" charset="0"/>
+                <a:cs typeface="Consolas" panose="020B0609020204030204" pitchFamily="49" charset="0"/>
+              </a:rPr>
+              <a:t>  </a:t>
+            </a:r>
+            <a:r>
+              <a:rPr lang="en-GB" dirty="0" err="1" smtClean="0">
+                <a:latin typeface="Consolas" panose="020B0609020204030204" pitchFamily="49" charset="0"/>
+                <a:cs typeface="Consolas" panose="020B0609020204030204" pitchFamily="49" charset="0"/>
+              </a:rPr>
+              <a:t>Printer.Print</a:t>
+            </a:r>
+            <a:r>
+              <a:rPr lang="en-GB" dirty="0" smtClean="0">
+                <a:latin typeface="Consolas" panose="020B0609020204030204" pitchFamily="49" charset="0"/>
+                <a:cs typeface="Consolas" panose="020B0609020204030204" pitchFamily="49" charset="0"/>
+              </a:rPr>
+              <a:t>(</a:t>
+            </a:r>
+            <a:r>
+              <a:rPr lang="en-GB" b="1" dirty="0" err="1">
+                <a:latin typeface="Consolas" panose="020B0609020204030204" pitchFamily="49" charset="0"/>
+                <a:cs typeface="Consolas" panose="020B0609020204030204" pitchFamily="49" charset="0"/>
+              </a:rPr>
+              <a:t>totalsOrder</a:t>
+            </a:r>
+            <a:r>
+              <a:rPr lang="en-GB" dirty="0" smtClean="0">
+                <a:latin typeface="Consolas" panose="020B0609020204030204" pitchFamily="49" charset="0"/>
+                <a:cs typeface="Consolas" panose="020B0609020204030204" pitchFamily="49" charset="0"/>
+              </a:rPr>
+              <a:t>);</a:t>
+            </a:r>
+            <a:endParaRPr lang="en-GB" dirty="0"/>
+          </a:p>
+        </p:txBody>
+      </p:sp>
     </p:spTree>
     <p:extLst>
       <p:ext uri="{BB962C8B-B14F-4D97-AF65-F5344CB8AC3E}">
-        <p14:creationId xmlns:p14="http://schemas.microsoft.com/office/powerpoint/2010/main" val="915685417"/>
+        <p14:creationId xmlns:p14="http://schemas.microsoft.com/office/powerpoint/2010/main" val="1358257715"/>
       </p:ext>
     </p:extLst>
   </p:cSld>
@@ -3533,7 +3693,7 @@
 </p:sld>
 </file>
 
-<file path=ppt/slides/slide4.xml><?xml version="1.0" encoding="utf-8"?>
+<file path=ppt/slides/slide12.xml><?xml version="1.0" encoding="utf-8"?>
 <p:sld xmlns:a="http://schemas.openxmlformats.org/drawingml/2006/main" xmlns:r="http://schemas.openxmlformats.org/officeDocument/2006/relationships" xmlns:p="http://schemas.openxmlformats.org/presentationml/2006/main">
   <p:cSld>
     <p:spTree>
@@ -3567,766 +3727,7 @@
           <a:p>
             <a:r>
               <a:rPr lang="en-GB" dirty="0" smtClean="0"/>
-              <a:t>Immutable Code </a:t>
-            </a:r>
-            <a:r>
-              <a:rPr lang="en-GB" dirty="0" smtClean="0"/>
-              <a:t>Example - Linq</a:t>
-            </a:r>
-            <a:endParaRPr lang="en-GB" dirty="0"/>
-          </a:p>
-        </p:txBody>
-      </p:sp>
-      <p:sp>
-        <p:nvSpPr>
-          <p:cNvPr id="3" name="Content Placeholder 2"/>
-          <p:cNvSpPr>
-            <a:spLocks noGrp="1"/>
-          </p:cNvSpPr>
-          <p:nvPr>
-            <p:ph idx="1"/>
-          </p:nvPr>
-        </p:nvSpPr>
-        <p:spPr/>
-        <p:txBody>
-          <a:bodyPr>
-            <a:normAutofit fontScale="92500" lnSpcReduction="20000"/>
-          </a:bodyPr>
-          <a:lstStyle/>
-          <a:p>
-            <a:pPr marL="0" indent="0">
-              <a:buNone/>
-            </a:pPr>
-            <a:r>
-              <a:rPr lang="en-GB" dirty="0" err="1"/>
-              <a:t>var</a:t>
-            </a:r>
-            <a:r>
-              <a:rPr lang="en-GB" dirty="0"/>
-              <a:t> </a:t>
-            </a:r>
-            <a:r>
-              <a:rPr lang="en-GB" dirty="0" smtClean="0"/>
-              <a:t>doubles = 0;</a:t>
-            </a:r>
-          </a:p>
-          <a:p>
-            <a:pPr marL="0" indent="0">
-              <a:buNone/>
-            </a:pPr>
-            <a:r>
-              <a:rPr lang="en-GB" dirty="0" err="1" smtClean="0"/>
-              <a:t>Foreach</a:t>
-            </a:r>
-            <a:r>
-              <a:rPr lang="en-GB" dirty="0" smtClean="0"/>
-              <a:t>(</a:t>
-            </a:r>
-            <a:r>
-              <a:rPr lang="en-GB" dirty="0" err="1" smtClean="0"/>
-              <a:t>var</a:t>
-            </a:r>
-            <a:r>
-              <a:rPr lang="en-GB" dirty="0" smtClean="0"/>
-              <a:t> number in </a:t>
-            </a:r>
-            <a:r>
-              <a:rPr lang="en-GB" dirty="0" err="1" smtClean="0"/>
-              <a:t>numberList</a:t>
-            </a:r>
-            <a:r>
-              <a:rPr lang="en-GB" dirty="0" smtClean="0"/>
-              <a:t>){</a:t>
-            </a:r>
-          </a:p>
-          <a:p>
-            <a:pPr marL="0" indent="0">
-              <a:buNone/>
-            </a:pPr>
-            <a:r>
-              <a:rPr lang="en-GB" dirty="0"/>
-              <a:t> </a:t>
-            </a:r>
-            <a:r>
-              <a:rPr lang="en-GB" dirty="0" smtClean="0"/>
-              <a:t>   doubles += number * 2;</a:t>
-            </a:r>
-          </a:p>
-          <a:p>
-            <a:pPr marL="0" indent="0">
-              <a:buNone/>
-            </a:pPr>
-            <a:r>
-              <a:rPr lang="en-GB" dirty="0"/>
-              <a:t>}</a:t>
-            </a:r>
-          </a:p>
-          <a:p>
-            <a:pPr marL="0" indent="0">
-              <a:buNone/>
-            </a:pPr>
-            <a:endParaRPr lang="en-GB" dirty="0"/>
-          </a:p>
-          <a:p>
-            <a:pPr marL="0" indent="0">
-              <a:buNone/>
-            </a:pPr>
-            <a:r>
-              <a:rPr lang="en-GB" dirty="0" err="1"/>
-              <a:t>var</a:t>
-            </a:r>
-            <a:r>
-              <a:rPr lang="en-GB" dirty="0"/>
-              <a:t> doubles = </a:t>
-            </a:r>
-            <a:r>
-              <a:rPr lang="en-GB" dirty="0" err="1"/>
-              <a:t>numberList.Select</a:t>
-            </a:r>
-            <a:r>
-              <a:rPr lang="en-GB" dirty="0"/>
-              <a:t>(</a:t>
-            </a:r>
-            <a:r>
-              <a:rPr lang="en-GB" dirty="0" err="1"/>
-              <a:t>num</a:t>
-            </a:r>
-            <a:r>
-              <a:rPr lang="en-GB" dirty="0"/>
-              <a:t> =&gt; </a:t>
-            </a:r>
-            <a:r>
-              <a:rPr lang="en-GB" dirty="0" err="1"/>
-              <a:t>num</a:t>
-            </a:r>
-            <a:r>
-              <a:rPr lang="en-GB" dirty="0"/>
-              <a:t> * 2);</a:t>
-            </a:r>
-          </a:p>
-          <a:p>
-            <a:pPr marL="0" indent="0">
-              <a:buNone/>
-            </a:pPr>
-            <a:endParaRPr lang="en-GB" dirty="0"/>
-          </a:p>
-          <a:p>
-            <a:pPr marL="0" indent="0">
-              <a:buNone/>
-            </a:pPr>
-            <a:r>
-              <a:rPr lang="en-GB" dirty="0"/>
-              <a:t>// </a:t>
-            </a:r>
-            <a:r>
-              <a:rPr lang="en-GB" dirty="0" smtClean="0"/>
-              <a:t>Which is why you can chain Linq methods together</a:t>
-            </a:r>
-            <a:endParaRPr lang="en-GB" dirty="0"/>
-          </a:p>
-          <a:p>
-            <a:pPr marL="0" indent="0">
-              <a:buNone/>
-            </a:pPr>
-            <a:endParaRPr lang="en-GB" dirty="0"/>
-          </a:p>
-          <a:p>
-            <a:pPr marL="0" indent="0">
-              <a:buNone/>
-            </a:pPr>
-            <a:r>
-              <a:rPr lang="en-GB" dirty="0" err="1"/>
-              <a:t>v</a:t>
-            </a:r>
-            <a:r>
-              <a:rPr lang="en-GB" dirty="0" err="1" smtClean="0"/>
-              <a:t>ar</a:t>
-            </a:r>
-            <a:r>
-              <a:rPr lang="en-GB" dirty="0" smtClean="0"/>
-              <a:t> </a:t>
-            </a:r>
-            <a:r>
-              <a:rPr lang="en-GB" dirty="0" err="1" smtClean="0"/>
-              <a:t>sumOfDoubles</a:t>
-            </a:r>
-            <a:r>
-              <a:rPr lang="en-GB" dirty="0" smtClean="0"/>
-              <a:t> = </a:t>
-            </a:r>
-            <a:r>
-              <a:rPr lang="en-GB" dirty="0" err="1" smtClean="0"/>
-              <a:t>numberList.Select</a:t>
-            </a:r>
-            <a:r>
-              <a:rPr lang="en-GB" dirty="0" smtClean="0"/>
-              <a:t>(</a:t>
-            </a:r>
-            <a:r>
-              <a:rPr lang="en-GB" dirty="0" err="1" smtClean="0"/>
-              <a:t>num</a:t>
-            </a:r>
-            <a:r>
-              <a:rPr lang="en-GB" dirty="0" smtClean="0"/>
-              <a:t> </a:t>
-            </a:r>
-            <a:r>
-              <a:rPr lang="en-GB" dirty="0"/>
-              <a:t>=&gt; </a:t>
-            </a:r>
-            <a:r>
-              <a:rPr lang="en-GB" dirty="0" err="1"/>
-              <a:t>num</a:t>
-            </a:r>
-            <a:r>
-              <a:rPr lang="en-GB" dirty="0"/>
-              <a:t> * 2</a:t>
-            </a:r>
-            <a:r>
-              <a:rPr lang="en-GB" dirty="0" smtClean="0"/>
-              <a:t>)</a:t>
-            </a:r>
-            <a:r>
-              <a:rPr lang="en-GB" dirty="0" smtClean="0"/>
-              <a:t>.Sum()</a:t>
-            </a:r>
-            <a:endParaRPr lang="en-GB" dirty="0"/>
-          </a:p>
-          <a:p>
-            <a:pPr marL="0" indent="0">
-              <a:buNone/>
-            </a:pPr>
-            <a:endParaRPr lang="en-GB" dirty="0"/>
-          </a:p>
-        </p:txBody>
-      </p:sp>
-      <p:pic>
-        <p:nvPicPr>
-          <p:cNvPr id="4" name="Picture 3"/>
-          <p:cNvPicPr>
-            <a:picLocks noChangeAspect="1"/>
-          </p:cNvPicPr>
-          <p:nvPr/>
-        </p:nvPicPr>
-        <p:blipFill>
-          <a:blip r:embed="rId2" cstate="print">
-            <a:extLst>
-              <a:ext uri="{28A0092B-C50C-407E-A947-70E740481C1C}">
-                <a14:useLocalDpi xmlns:a14="http://schemas.microsoft.com/office/drawing/2010/main" val="0"/>
-              </a:ext>
-            </a:extLst>
-          </a:blip>
-          <a:stretch>
-            <a:fillRect/>
-          </a:stretch>
-        </p:blipFill>
-        <p:spPr>
-          <a:xfrm>
-            <a:off x="6254945" y="2091345"/>
-            <a:ext cx="813557" cy="697335"/>
-          </a:xfrm>
-          <a:prstGeom prst="rect">
-            <a:avLst/>
-          </a:prstGeom>
-        </p:spPr>
-      </p:pic>
-      <p:pic>
-        <p:nvPicPr>
-          <p:cNvPr id="5" name="Picture 4"/>
-          <p:cNvPicPr>
-            <a:picLocks noChangeAspect="1"/>
-          </p:cNvPicPr>
-          <p:nvPr/>
-        </p:nvPicPr>
-        <p:blipFill>
-          <a:blip r:embed="rId3" cstate="print">
-            <a:extLst>
-              <a:ext uri="{28A0092B-C50C-407E-A947-70E740481C1C}">
-                <a14:useLocalDpi xmlns:a14="http://schemas.microsoft.com/office/drawing/2010/main" val="0"/>
-              </a:ext>
-            </a:extLst>
-          </a:blip>
-          <a:stretch>
-            <a:fillRect/>
-          </a:stretch>
-        </p:blipFill>
-        <p:spPr>
-          <a:xfrm>
-            <a:off x="8011938" y="3525769"/>
-            <a:ext cx="1109623" cy="832218"/>
-          </a:xfrm>
-          <a:prstGeom prst="rect">
-            <a:avLst/>
-          </a:prstGeom>
-        </p:spPr>
-      </p:pic>
-    </p:spTree>
-    <p:extLst>
-      <p:ext uri="{BB962C8B-B14F-4D97-AF65-F5344CB8AC3E}">
-        <p14:creationId xmlns:p14="http://schemas.microsoft.com/office/powerpoint/2010/main" val="971108407"/>
-      </p:ext>
-    </p:extLst>
-  </p:cSld>
-  <p:clrMapOvr>
-    <a:masterClrMapping/>
-  </p:clrMapOvr>
-  <p:timing>
-    <p:tnLst>
-      <p:par>
-        <p:cTn id="1" dur="indefinite" restart="never" nodeType="tmRoot"/>
-      </p:par>
-    </p:tnLst>
-  </p:timing>
-</p:sld>
-</file>
-
-<file path=ppt/slides/slide5.xml><?xml version="1.0" encoding="utf-8"?>
-<p:sld xmlns:a="http://schemas.openxmlformats.org/drawingml/2006/main" xmlns:r="http://schemas.openxmlformats.org/officeDocument/2006/relationships" xmlns:p="http://schemas.openxmlformats.org/presentationml/2006/main">
-  <p:cSld>
-    <p:spTree>
-      <p:nvGrpSpPr>
-        <p:cNvPr id="1" name=""/>
-        <p:cNvGrpSpPr/>
-        <p:nvPr/>
-      </p:nvGrpSpPr>
-      <p:grpSpPr>
-        <a:xfrm>
-          <a:off x="0" y="0"/>
-          <a:ext cx="0" cy="0"/>
-          <a:chOff x="0" y="0"/>
-          <a:chExt cx="0" cy="0"/>
-        </a:xfrm>
-      </p:grpSpPr>
-      <p:sp>
-        <p:nvSpPr>
-          <p:cNvPr id="2" name="Title 1"/>
-          <p:cNvSpPr>
-            <a:spLocks noGrp="1"/>
-          </p:cNvSpPr>
-          <p:nvPr>
-            <p:ph type="title"/>
-          </p:nvPr>
-        </p:nvSpPr>
-        <p:spPr/>
-        <p:txBody>
-          <a:bodyPr/>
-          <a:lstStyle/>
-          <a:p>
-            <a:r>
-              <a:rPr lang="en-GB" dirty="0" smtClean="0"/>
-              <a:t>Immutable Code </a:t>
-            </a:r>
-            <a:r>
-              <a:rPr lang="en-GB" dirty="0" smtClean="0"/>
-              <a:t>Example - Objects</a:t>
-            </a:r>
-            <a:endParaRPr lang="en-GB" dirty="0"/>
-          </a:p>
-        </p:txBody>
-      </p:sp>
-      <p:sp>
-        <p:nvSpPr>
-          <p:cNvPr id="3" name="Content Placeholder 2"/>
-          <p:cNvSpPr>
-            <a:spLocks noGrp="1"/>
-          </p:cNvSpPr>
-          <p:nvPr>
-            <p:ph idx="1"/>
-          </p:nvPr>
-        </p:nvSpPr>
-        <p:spPr/>
-        <p:txBody>
-          <a:bodyPr>
-            <a:normAutofit/>
-          </a:bodyPr>
-          <a:lstStyle/>
-          <a:p>
-            <a:pPr marL="0" indent="0">
-              <a:buNone/>
-            </a:pPr>
-            <a:r>
-              <a:rPr lang="en-GB" dirty="0" err="1"/>
-              <a:t>var</a:t>
-            </a:r>
-            <a:r>
-              <a:rPr lang="en-GB" dirty="0"/>
-              <a:t> bot = new Robot(0, 0);</a:t>
-            </a:r>
-          </a:p>
-          <a:p>
-            <a:pPr marL="0" indent="0">
-              <a:buNone/>
-            </a:pPr>
-            <a:endParaRPr lang="en-GB" dirty="0"/>
-          </a:p>
-          <a:p>
-            <a:pPr marL="0" indent="0">
-              <a:buNone/>
-            </a:pPr>
-            <a:r>
-              <a:rPr lang="en-GB" dirty="0" err="1"/>
-              <a:t>bot.MoveBy</a:t>
-            </a:r>
-            <a:r>
-              <a:rPr lang="en-GB" dirty="0"/>
-              <a:t>(2, 4);</a:t>
-            </a:r>
-          </a:p>
-          <a:p>
-            <a:pPr marL="0" indent="0">
-              <a:buNone/>
-            </a:pPr>
-            <a:r>
-              <a:rPr lang="en-GB" dirty="0"/>
-              <a:t>            </a:t>
-            </a:r>
-          </a:p>
-          <a:p>
-            <a:pPr marL="0" indent="0">
-              <a:buNone/>
-            </a:pPr>
-            <a:r>
-              <a:rPr lang="en-GB" dirty="0" err="1"/>
-              <a:t>var</a:t>
-            </a:r>
-            <a:r>
-              <a:rPr lang="en-GB" dirty="0"/>
-              <a:t> </a:t>
-            </a:r>
-            <a:r>
-              <a:rPr lang="en-GB" dirty="0" err="1"/>
-              <a:t>movedBot</a:t>
-            </a:r>
-            <a:r>
-              <a:rPr lang="en-GB" dirty="0"/>
-              <a:t> = </a:t>
-            </a:r>
-            <a:r>
-              <a:rPr lang="en-GB" dirty="0" err="1"/>
-              <a:t>bot.MoveBy</a:t>
-            </a:r>
-            <a:r>
-              <a:rPr lang="en-GB" dirty="0"/>
-              <a:t>(2, 4</a:t>
-            </a:r>
-            <a:r>
-              <a:rPr lang="en-GB" dirty="0" smtClean="0"/>
-              <a:t>);</a:t>
-            </a:r>
-          </a:p>
-          <a:p>
-            <a:pPr marL="0" indent="0">
-              <a:buNone/>
-            </a:pPr>
-            <a:endParaRPr lang="en-GB" dirty="0"/>
-          </a:p>
-          <a:p>
-            <a:pPr marL="0" indent="0">
-              <a:buNone/>
-            </a:pPr>
-            <a:r>
-              <a:rPr lang="en-GB" dirty="0" smtClean="0"/>
-              <a:t>// Immutable methods should rarely return void</a:t>
-            </a:r>
-            <a:endParaRPr lang="en-GB" dirty="0"/>
-          </a:p>
-        </p:txBody>
-      </p:sp>
-      <p:pic>
-        <p:nvPicPr>
-          <p:cNvPr id="4" name="Picture 3"/>
-          <p:cNvPicPr>
-            <a:picLocks noChangeAspect="1"/>
-          </p:cNvPicPr>
-          <p:nvPr/>
-        </p:nvPicPr>
-        <p:blipFill>
-          <a:blip r:embed="rId2" cstate="print">
-            <a:extLst>
-              <a:ext uri="{28A0092B-C50C-407E-A947-70E740481C1C}">
-                <a14:useLocalDpi xmlns:a14="http://schemas.microsoft.com/office/drawing/2010/main" val="0"/>
-              </a:ext>
-            </a:extLst>
-          </a:blip>
-          <a:stretch>
-            <a:fillRect/>
-          </a:stretch>
-        </p:blipFill>
-        <p:spPr>
-          <a:xfrm>
-            <a:off x="3988580" y="2747693"/>
-            <a:ext cx="813557" cy="697335"/>
-          </a:xfrm>
-          <a:prstGeom prst="rect">
-            <a:avLst/>
-          </a:prstGeom>
-        </p:spPr>
-      </p:pic>
-      <p:pic>
-        <p:nvPicPr>
-          <p:cNvPr id="5" name="Picture 4"/>
-          <p:cNvPicPr>
-            <a:picLocks noChangeAspect="1"/>
-          </p:cNvPicPr>
-          <p:nvPr/>
-        </p:nvPicPr>
-        <p:blipFill>
-          <a:blip r:embed="rId3" cstate="print">
-            <a:extLst>
-              <a:ext uri="{28A0092B-C50C-407E-A947-70E740481C1C}">
-                <a14:useLocalDpi xmlns:a14="http://schemas.microsoft.com/office/drawing/2010/main" val="0"/>
-              </a:ext>
-            </a:extLst>
-          </a:blip>
-          <a:stretch>
-            <a:fillRect/>
-          </a:stretch>
-        </p:blipFill>
-        <p:spPr>
-          <a:xfrm>
-            <a:off x="6216797" y="3666014"/>
-            <a:ext cx="1109623" cy="832218"/>
-          </a:xfrm>
-          <a:prstGeom prst="rect">
-            <a:avLst/>
-          </a:prstGeom>
-        </p:spPr>
-      </p:pic>
-    </p:spTree>
-    <p:extLst>
-      <p:ext uri="{BB962C8B-B14F-4D97-AF65-F5344CB8AC3E}">
-        <p14:creationId xmlns:p14="http://schemas.microsoft.com/office/powerpoint/2010/main" val="1333584387"/>
-      </p:ext>
-    </p:extLst>
-  </p:cSld>
-  <p:clrMapOvr>
-    <a:masterClrMapping/>
-  </p:clrMapOvr>
-  <p:timing>
-    <p:tnLst>
-      <p:par>
-        <p:cTn id="1" dur="indefinite" restart="never" nodeType="tmRoot"/>
-      </p:par>
-    </p:tnLst>
-  </p:timing>
-</p:sld>
-</file>
-
-<file path=ppt/slides/slide6.xml><?xml version="1.0" encoding="utf-8"?>
-<p:sld xmlns:a="http://schemas.openxmlformats.org/drawingml/2006/main" xmlns:r="http://schemas.openxmlformats.org/officeDocument/2006/relationships" xmlns:p="http://schemas.openxmlformats.org/presentationml/2006/main">
-  <p:cSld>
-    <p:spTree>
-      <p:nvGrpSpPr>
-        <p:cNvPr id="1" name=""/>
-        <p:cNvGrpSpPr/>
-        <p:nvPr/>
-      </p:nvGrpSpPr>
-      <p:grpSpPr>
-        <a:xfrm>
-          <a:off x="0" y="0"/>
-          <a:ext cx="0" cy="0"/>
-          <a:chOff x="0" y="0"/>
-          <a:chExt cx="0" cy="0"/>
-        </a:xfrm>
-      </p:grpSpPr>
-      <p:sp>
-        <p:nvSpPr>
-          <p:cNvPr id="2" name="Title 1"/>
-          <p:cNvSpPr>
-            <a:spLocks noGrp="1"/>
-          </p:cNvSpPr>
-          <p:nvPr>
-            <p:ph type="title"/>
-          </p:nvPr>
-        </p:nvSpPr>
-        <p:spPr/>
-        <p:txBody>
-          <a:bodyPr/>
-          <a:lstStyle/>
-          <a:p>
-            <a:r>
-              <a:rPr lang="en-GB" dirty="0" smtClean="0"/>
-              <a:t>Why would I ever want this?!</a:t>
-            </a:r>
-            <a:endParaRPr lang="en-GB" dirty="0"/>
-          </a:p>
-        </p:txBody>
-      </p:sp>
-      <p:sp>
-        <p:nvSpPr>
-          <p:cNvPr id="3" name="Content Placeholder 2"/>
-          <p:cNvSpPr>
-            <a:spLocks noGrp="1"/>
-          </p:cNvSpPr>
-          <p:nvPr>
-            <p:ph idx="1"/>
-          </p:nvPr>
-        </p:nvSpPr>
-        <p:spPr/>
-        <p:txBody>
-          <a:bodyPr>
-            <a:normAutofit/>
-          </a:bodyPr>
-          <a:lstStyle/>
-          <a:p>
-            <a:r>
-              <a:rPr lang="en-GB" dirty="0" smtClean="0"/>
-              <a:t>Code </a:t>
-            </a:r>
-            <a:r>
-              <a:rPr lang="en-GB" dirty="0"/>
-              <a:t>easier to </a:t>
-            </a:r>
-            <a:r>
-              <a:rPr lang="en-GB" dirty="0" smtClean="0"/>
-              <a:t>reason </a:t>
-            </a:r>
-            <a:r>
-              <a:rPr lang="en-GB" dirty="0" smtClean="0"/>
-              <a:t>about</a:t>
-            </a:r>
-          </a:p>
-          <a:p>
-            <a:pPr lvl="1"/>
-            <a:r>
-              <a:rPr lang="en-GB" dirty="0" smtClean="0"/>
-              <a:t>No side effects*</a:t>
-            </a:r>
-          </a:p>
-          <a:p>
-            <a:pPr lvl="1"/>
-            <a:r>
-              <a:rPr lang="en-GB" dirty="0" smtClean="0"/>
-              <a:t>No temporal coupling</a:t>
-            </a:r>
-          </a:p>
-          <a:p>
-            <a:pPr lvl="1"/>
-            <a:r>
-              <a:rPr lang="en-GB" dirty="0" smtClean="0"/>
-              <a:t>No NULLs (mainly)*</a:t>
-            </a:r>
-            <a:endParaRPr lang="en-GB" dirty="0" smtClean="0"/>
-          </a:p>
-          <a:p>
-            <a:r>
-              <a:rPr lang="en-GB" dirty="0" smtClean="0"/>
-              <a:t>Code harder to break by accident</a:t>
-            </a:r>
-          </a:p>
-          <a:p>
-            <a:r>
-              <a:rPr lang="en-GB" dirty="0" smtClean="0"/>
-              <a:t>Objects are always valid (or not created), AKA </a:t>
-            </a:r>
-            <a:r>
-              <a:rPr lang="en-GB" dirty="0"/>
-              <a:t>Failure </a:t>
-            </a:r>
-            <a:r>
-              <a:rPr lang="en-GB" dirty="0" smtClean="0"/>
-              <a:t>Atomicity</a:t>
-            </a:r>
-          </a:p>
-          <a:p>
-            <a:r>
-              <a:rPr lang="en-GB" dirty="0" smtClean="0"/>
-              <a:t>Code </a:t>
-            </a:r>
-            <a:r>
-              <a:rPr lang="en-GB" dirty="0" smtClean="0"/>
-              <a:t>automatically </a:t>
-            </a:r>
-            <a:r>
-              <a:rPr lang="en-GB" dirty="0" err="1" smtClean="0"/>
-              <a:t>threadsafe</a:t>
-            </a:r>
-            <a:r>
-              <a:rPr lang="en-GB" dirty="0" smtClean="0"/>
-              <a:t>*</a:t>
-            </a:r>
-          </a:p>
-          <a:p>
-            <a:pPr marL="0" indent="0">
-              <a:buNone/>
-            </a:pPr>
-            <a:endParaRPr lang="en-GB" dirty="0"/>
-          </a:p>
-          <a:p>
-            <a:pPr marL="0" indent="0">
-              <a:buNone/>
-            </a:pPr>
-            <a:r>
-              <a:rPr lang="en-GB" sz="2000" dirty="0" smtClean="0"/>
-              <a:t>* C# doesn’t support immutability as a core concept, so not all benefits are guaranteed.</a:t>
-            </a:r>
-            <a:endParaRPr lang="en-GB" sz="2000" dirty="0"/>
-          </a:p>
-        </p:txBody>
-      </p:sp>
-    </p:spTree>
-    <p:extLst>
-      <p:ext uri="{BB962C8B-B14F-4D97-AF65-F5344CB8AC3E}">
-        <p14:creationId xmlns:p14="http://schemas.microsoft.com/office/powerpoint/2010/main" val="2430670310"/>
-      </p:ext>
-    </p:extLst>
-  </p:cSld>
-  <p:clrMapOvr>
-    <a:masterClrMapping/>
-  </p:clrMapOvr>
-  <p:timing>
-    <p:tnLst>
-      <p:par>
-        <p:cTn id="1" dur="indefinite" restart="never" nodeType="tmRoot"/>
-      </p:par>
-    </p:tnLst>
-  </p:timing>
-</p:sld>
-</file>
-
-<file path=ppt/slides/slide7.xml><?xml version="1.0" encoding="utf-8"?>
-<p:sld xmlns:a="http://schemas.openxmlformats.org/drawingml/2006/main" xmlns:r="http://schemas.openxmlformats.org/officeDocument/2006/relationships" xmlns:p="http://schemas.openxmlformats.org/presentationml/2006/main">
-  <p:cSld>
-    <p:spTree>
-      <p:nvGrpSpPr>
-        <p:cNvPr id="1" name=""/>
-        <p:cNvGrpSpPr/>
-        <p:nvPr/>
-      </p:nvGrpSpPr>
-      <p:grpSpPr>
-        <a:xfrm>
-          <a:off x="0" y="0"/>
-          <a:ext cx="0" cy="0"/>
-          <a:chOff x="0" y="0"/>
-          <a:chExt cx="0" cy="0"/>
-        </a:xfrm>
-      </p:grpSpPr>
-      <p:sp>
-        <p:nvSpPr>
-          <p:cNvPr id="2" name="Title 1"/>
-          <p:cNvSpPr>
-            <a:spLocks noGrp="1"/>
-          </p:cNvSpPr>
-          <p:nvPr>
-            <p:ph type="title"/>
-          </p:nvPr>
-        </p:nvSpPr>
-        <p:spPr/>
-        <p:txBody>
-          <a:bodyPr/>
-          <a:lstStyle/>
-          <a:p>
-            <a:r>
-              <a:rPr lang="en-GB" dirty="0" smtClean="0"/>
-              <a:t>Creating an Immutable </a:t>
-            </a:r>
-            <a:r>
-              <a:rPr lang="en-GB" dirty="0" smtClean="0"/>
-              <a:t>C# </a:t>
-            </a:r>
-            <a:r>
-              <a:rPr lang="en-GB" dirty="0" smtClean="0"/>
-              <a:t>Class</a:t>
+              <a:t>Creating an Immutable C# Class</a:t>
             </a:r>
             <a:endParaRPr lang="en-GB" dirty="0"/>
           </a:p>
@@ -4671,7 +4072,6 @@
               <a:rPr lang="en-GB" dirty="0"/>
               <a:t>}</a:t>
             </a:r>
-            <a:endParaRPr lang="en-GB" dirty="0"/>
           </a:p>
         </p:txBody>
       </p:sp>
@@ -5271,7 +4671,15 @@
             <a:p>
               <a:r>
                 <a:rPr lang="en-GB" dirty="0" smtClean="0"/>
-                <a:t>any Variables, outside the constructor</a:t>
+                <a:t>any </a:t>
+              </a:r>
+              <a:r>
+                <a:rPr lang="en-GB" dirty="0" smtClean="0"/>
+                <a:t>variables</a:t>
+              </a:r>
+              <a:r>
+                <a:rPr lang="en-GB" dirty="0" smtClean="0"/>
+                <a:t>, outside the constructor</a:t>
               </a:r>
               <a:endParaRPr lang="en-GB" dirty="0"/>
             </a:p>
@@ -5325,11 +4733,11 @@
   <p:clrMapOvr>
     <a:masterClrMapping/>
   </p:clrMapOvr>
-  <mc:AlternateContent xmlns:mc="http://schemas.openxmlformats.org/markup-compatibility/2006">
-    <mc:Choice xmlns:p14="http://schemas.microsoft.com/office/powerpoint/2010/main" Requires="p14">
+  <mc:AlternateContent xmlns:mc="http://schemas.openxmlformats.org/markup-compatibility/2006" xmlns:p14="http://schemas.microsoft.com/office/powerpoint/2010/main">
+    <mc:Choice Requires="p14">
       <p:transition p14:dur="0"/>
     </mc:Choice>
-    <mc:Fallback>
+    <mc:Fallback xmlns="">
       <p:transition/>
     </mc:Fallback>
   </mc:AlternateContent>
@@ -5631,6 +5039,1751 @@
 </p:sld>
 </file>
 
+<file path=ppt/slides/slide13.xml><?xml version="1.0" encoding="utf-8"?>
+<p:sld xmlns:a="http://schemas.openxmlformats.org/drawingml/2006/main" xmlns:r="http://schemas.openxmlformats.org/officeDocument/2006/relationships" xmlns:p="http://schemas.openxmlformats.org/presentationml/2006/main">
+  <p:cSld>
+    <p:spTree>
+      <p:nvGrpSpPr>
+        <p:cNvPr id="1" name=""/>
+        <p:cNvGrpSpPr/>
+        <p:nvPr/>
+      </p:nvGrpSpPr>
+      <p:grpSpPr>
+        <a:xfrm>
+          <a:off x="0" y="0"/>
+          <a:ext cx="0" cy="0"/>
+          <a:chOff x="0" y="0"/>
+          <a:chExt cx="0" cy="0"/>
+        </a:xfrm>
+      </p:grpSpPr>
+      <p:sp>
+        <p:nvSpPr>
+          <p:cNvPr id="2" name="Title 1"/>
+          <p:cNvSpPr>
+            <a:spLocks noGrp="1"/>
+          </p:cNvSpPr>
+          <p:nvPr>
+            <p:ph type="title"/>
+          </p:nvPr>
+        </p:nvSpPr>
+        <p:spPr/>
+        <p:txBody>
+          <a:bodyPr/>
+          <a:lstStyle/>
+          <a:p>
+            <a:r>
+              <a:rPr lang="en-GB" dirty="0" smtClean="0"/>
+              <a:t>Immutability Supporters</a:t>
+            </a:r>
+            <a:endParaRPr lang="en-GB" dirty="0"/>
+          </a:p>
+        </p:txBody>
+      </p:sp>
+      <p:sp>
+        <p:nvSpPr>
+          <p:cNvPr id="3" name="Content Placeholder 2"/>
+          <p:cNvSpPr>
+            <a:spLocks noGrp="1"/>
+          </p:cNvSpPr>
+          <p:nvPr>
+            <p:ph idx="1"/>
+          </p:nvPr>
+        </p:nvSpPr>
+        <p:spPr/>
+        <p:txBody>
+          <a:bodyPr>
+            <a:normAutofit fontScale="92500" lnSpcReduction="10000"/>
+          </a:bodyPr>
+          <a:lstStyle/>
+          <a:p>
+            <a:pPr marL="0" indent="0">
+              <a:buNone/>
+            </a:pPr>
+            <a:r>
+              <a:rPr lang="en-GB" dirty="0"/>
+              <a:t>"I believe that immutable objects are the way of the future in C</a:t>
+            </a:r>
+            <a:r>
+              <a:rPr lang="en-GB" dirty="0" smtClean="0"/>
+              <a:t>#.“</a:t>
+            </a:r>
+          </a:p>
+          <a:p>
+            <a:pPr>
+              <a:buFontTx/>
+              <a:buChar char="-"/>
+            </a:pPr>
+            <a:r>
+              <a:rPr lang="en-GB" sz="1900" dirty="0" smtClean="0">
+                <a:latin typeface="Consolas" panose="020B0609020204030204" pitchFamily="49" charset="0"/>
+                <a:cs typeface="Consolas" panose="020B0609020204030204" pitchFamily="49" charset="0"/>
+              </a:rPr>
+              <a:t>Eric Lippert, C# Language Design Team, 2007</a:t>
+            </a:r>
+          </a:p>
+          <a:p>
+            <a:pPr>
+              <a:buFontTx/>
+              <a:buChar char="-"/>
+            </a:pPr>
+            <a:endParaRPr lang="en-GB" dirty="0"/>
+          </a:p>
+          <a:p>
+            <a:pPr marL="0" indent="0">
+              <a:buNone/>
+            </a:pPr>
+            <a:r>
+              <a:rPr lang="en-GB" dirty="0"/>
+              <a:t>"When a type is immutable, it’s usually easier to reason about your code, easier to share data safely, and easier to make money ooze from every USB port</a:t>
+            </a:r>
+            <a:r>
+              <a:rPr lang="en-GB" dirty="0" smtClean="0"/>
+              <a:t>.“</a:t>
+            </a:r>
+          </a:p>
+          <a:p>
+            <a:pPr>
+              <a:buFontTx/>
+              <a:buChar char="-"/>
+            </a:pPr>
+            <a:r>
+              <a:rPr lang="en-GB" sz="1900" dirty="0" smtClean="0">
+                <a:latin typeface="Consolas" panose="020B0609020204030204" pitchFamily="49" charset="0"/>
+                <a:cs typeface="Consolas" panose="020B0609020204030204" pitchFamily="49" charset="0"/>
+              </a:rPr>
+              <a:t>Jon Skeet, Coding Superstar, 2016</a:t>
+            </a:r>
+          </a:p>
+          <a:p>
+            <a:pPr>
+              <a:buFontTx/>
+              <a:buChar char="-"/>
+            </a:pPr>
+            <a:endParaRPr lang="en-GB" dirty="0"/>
+          </a:p>
+          <a:p>
+            <a:pPr marL="0" indent="0">
+              <a:buNone/>
+            </a:pPr>
+            <a:r>
+              <a:rPr lang="en-GB" dirty="0"/>
+              <a:t>“..mutable objects have no right to exist.  Their usage must be </a:t>
+            </a:r>
+            <a:r>
+              <a:rPr lang="en-GB" i="1" dirty="0"/>
+              <a:t>strictly prohibited</a:t>
+            </a:r>
+            <a:r>
+              <a:rPr lang="en-GB" dirty="0"/>
+              <a:t>.  They simply shouldn’t be present in OOP“</a:t>
+            </a:r>
+          </a:p>
+          <a:p>
+            <a:pPr>
+              <a:buFontTx/>
+              <a:buChar char="-"/>
+            </a:pPr>
+            <a:r>
+              <a:rPr lang="en-GB" sz="1900" dirty="0" err="1">
+                <a:latin typeface="Consolas" panose="020B0609020204030204" pitchFamily="49" charset="0"/>
+                <a:cs typeface="Consolas" panose="020B0609020204030204" pitchFamily="49" charset="0"/>
+              </a:rPr>
+              <a:t>Yegor</a:t>
+            </a:r>
+            <a:r>
+              <a:rPr lang="en-GB" sz="1900" dirty="0">
+                <a:latin typeface="Consolas" panose="020B0609020204030204" pitchFamily="49" charset="0"/>
+                <a:cs typeface="Consolas" panose="020B0609020204030204" pitchFamily="49" charset="0"/>
+              </a:rPr>
+              <a:t> </a:t>
+            </a:r>
+            <a:r>
+              <a:rPr lang="en-GB" sz="1900" dirty="0" err="1">
+                <a:latin typeface="Consolas" panose="020B0609020204030204" pitchFamily="49" charset="0"/>
+                <a:cs typeface="Consolas" panose="020B0609020204030204" pitchFamily="49" charset="0"/>
+              </a:rPr>
+              <a:t>Bugayenko</a:t>
+            </a:r>
+            <a:r>
+              <a:rPr lang="en-GB" sz="1900" dirty="0">
+                <a:latin typeface="Consolas" panose="020B0609020204030204" pitchFamily="49" charset="0"/>
+                <a:cs typeface="Consolas" panose="020B0609020204030204" pitchFamily="49" charset="0"/>
+              </a:rPr>
+              <a:t>, ‘Elegant Objects’, 2016</a:t>
+            </a:r>
+          </a:p>
+          <a:p>
+            <a:pPr>
+              <a:buFontTx/>
+              <a:buChar char="-"/>
+            </a:pPr>
+            <a:endParaRPr lang="en-GB" dirty="0"/>
+          </a:p>
+        </p:txBody>
+      </p:sp>
+    </p:spTree>
+    <p:extLst>
+      <p:ext uri="{BB962C8B-B14F-4D97-AF65-F5344CB8AC3E}">
+        <p14:creationId xmlns:p14="http://schemas.microsoft.com/office/powerpoint/2010/main" val="2520649781"/>
+      </p:ext>
+    </p:extLst>
+  </p:cSld>
+  <p:clrMapOvr>
+    <a:masterClrMapping/>
+  </p:clrMapOvr>
+  <p:timing>
+    <p:tnLst>
+      <p:par>
+        <p:cTn id="1" dur="indefinite" restart="never" nodeType="tmRoot"/>
+      </p:par>
+    </p:tnLst>
+  </p:timing>
+</p:sld>
+</file>
+
+<file path=ppt/slides/slide2.xml><?xml version="1.0" encoding="utf-8"?>
+<p:sld xmlns:a="http://schemas.openxmlformats.org/drawingml/2006/main" xmlns:r="http://schemas.openxmlformats.org/officeDocument/2006/relationships" xmlns:p="http://schemas.openxmlformats.org/presentationml/2006/main">
+  <p:cSld>
+    <p:spTree>
+      <p:nvGrpSpPr>
+        <p:cNvPr id="1" name=""/>
+        <p:cNvGrpSpPr/>
+        <p:nvPr/>
+      </p:nvGrpSpPr>
+      <p:grpSpPr>
+        <a:xfrm>
+          <a:off x="0" y="0"/>
+          <a:ext cx="0" cy="0"/>
+          <a:chOff x="0" y="0"/>
+          <a:chExt cx="0" cy="0"/>
+        </a:xfrm>
+      </p:grpSpPr>
+      <p:sp>
+        <p:nvSpPr>
+          <p:cNvPr id="2" name="Title 1"/>
+          <p:cNvSpPr>
+            <a:spLocks noGrp="1"/>
+          </p:cNvSpPr>
+          <p:nvPr>
+            <p:ph type="title"/>
+          </p:nvPr>
+        </p:nvSpPr>
+        <p:spPr/>
+        <p:txBody>
+          <a:bodyPr/>
+          <a:lstStyle/>
+          <a:p>
+            <a:r>
+              <a:rPr lang="en-GB" dirty="0" smtClean="0"/>
+              <a:t>What is Immutability?</a:t>
+            </a:r>
+            <a:endParaRPr lang="en-GB" dirty="0"/>
+          </a:p>
+        </p:txBody>
+      </p:sp>
+      <p:sp>
+        <p:nvSpPr>
+          <p:cNvPr id="3" name="Content Placeholder 2"/>
+          <p:cNvSpPr>
+            <a:spLocks noGrp="1"/>
+          </p:cNvSpPr>
+          <p:nvPr>
+            <p:ph idx="1"/>
+          </p:nvPr>
+        </p:nvSpPr>
+        <p:spPr/>
+        <p:txBody>
+          <a:bodyPr/>
+          <a:lstStyle/>
+          <a:p>
+            <a:pPr marL="0" indent="0">
+              <a:buNone/>
+            </a:pPr>
+            <a:r>
+              <a:rPr lang="en-GB" dirty="0" smtClean="0"/>
+              <a:t>..an</a:t>
+            </a:r>
+            <a:r>
+              <a:rPr lang="en-GB" dirty="0"/>
+              <a:t> </a:t>
+            </a:r>
+            <a:r>
+              <a:rPr lang="en-GB" b="1" dirty="0"/>
+              <a:t>immutable</a:t>
+            </a:r>
+            <a:r>
+              <a:rPr lang="en-GB" dirty="0"/>
+              <a:t> object (unchangeable object) is an object whose state cannot be modified after it is </a:t>
+            </a:r>
+            <a:r>
+              <a:rPr lang="en-GB" dirty="0" smtClean="0"/>
+              <a:t>created.</a:t>
+            </a:r>
+          </a:p>
+          <a:p>
+            <a:pPr marL="0" indent="0">
+              <a:buNone/>
+            </a:pPr>
+            <a:endParaRPr lang="en-GB" dirty="0"/>
+          </a:p>
+          <a:p>
+            <a:pPr marL="0" indent="0">
+              <a:buNone/>
+            </a:pPr>
+            <a:r>
+              <a:rPr lang="en-GB" dirty="0" err="1"/>
+              <a:t>i</a:t>
+            </a:r>
+            <a:r>
+              <a:rPr lang="en-GB" dirty="0" err="1" smtClean="0"/>
+              <a:t>nt</a:t>
+            </a:r>
+            <a:r>
+              <a:rPr lang="en-GB" dirty="0" smtClean="0"/>
+              <a:t> x = 10;</a:t>
+            </a:r>
+          </a:p>
+          <a:p>
+            <a:pPr marL="0" indent="0">
+              <a:buNone/>
+            </a:pPr>
+            <a:endParaRPr lang="en-GB" dirty="0" smtClean="0"/>
+          </a:p>
+          <a:p>
+            <a:pPr marL="0" indent="0">
+              <a:buNone/>
+            </a:pPr>
+            <a:r>
+              <a:rPr lang="en-GB" dirty="0"/>
+              <a:t>x</a:t>
+            </a:r>
+            <a:r>
+              <a:rPr lang="en-GB" dirty="0" smtClean="0"/>
+              <a:t> = x + 10;</a:t>
+            </a:r>
+          </a:p>
+          <a:p>
+            <a:pPr marL="0" indent="0">
+              <a:buNone/>
+            </a:pPr>
+            <a:endParaRPr lang="en-GB" dirty="0"/>
+          </a:p>
+          <a:p>
+            <a:pPr marL="0" indent="0">
+              <a:buNone/>
+            </a:pPr>
+            <a:r>
+              <a:rPr lang="en-GB" dirty="0" err="1"/>
+              <a:t>i</a:t>
+            </a:r>
+            <a:r>
+              <a:rPr lang="en-GB" dirty="0" err="1" smtClean="0"/>
+              <a:t>nt</a:t>
+            </a:r>
+            <a:r>
+              <a:rPr lang="en-GB" dirty="0" smtClean="0"/>
+              <a:t> y = x + 10;</a:t>
+            </a:r>
+            <a:endParaRPr lang="en-GB" dirty="0"/>
+          </a:p>
+        </p:txBody>
+      </p:sp>
+      <p:pic>
+        <p:nvPicPr>
+          <p:cNvPr id="4" name="Picture 3"/>
+          <p:cNvPicPr>
+            <a:picLocks noChangeAspect="1"/>
+          </p:cNvPicPr>
+          <p:nvPr/>
+        </p:nvPicPr>
+        <p:blipFill>
+          <a:blip r:embed="rId2" cstate="print">
+            <a:extLst>
+              <a:ext uri="{28A0092B-C50C-407E-A947-70E740481C1C}">
+                <a14:useLocalDpi xmlns:a14="http://schemas.microsoft.com/office/drawing/2010/main" val="0"/>
+              </a:ext>
+            </a:extLst>
+          </a:blip>
+          <a:stretch>
+            <a:fillRect/>
+          </a:stretch>
+        </p:blipFill>
+        <p:spPr>
+          <a:xfrm>
+            <a:off x="3095823" y="5093309"/>
+            <a:ext cx="1109623" cy="832218"/>
+          </a:xfrm>
+          <a:prstGeom prst="rect">
+            <a:avLst/>
+          </a:prstGeom>
+        </p:spPr>
+      </p:pic>
+      <p:pic>
+        <p:nvPicPr>
+          <p:cNvPr id="5" name="Picture 4"/>
+          <p:cNvPicPr>
+            <a:picLocks noChangeAspect="1"/>
+          </p:cNvPicPr>
+          <p:nvPr/>
+        </p:nvPicPr>
+        <p:blipFill>
+          <a:blip r:embed="rId3" cstate="print">
+            <a:extLst>
+              <a:ext uri="{28A0092B-C50C-407E-A947-70E740481C1C}">
+                <a14:useLocalDpi xmlns:a14="http://schemas.microsoft.com/office/drawing/2010/main" val="0"/>
+              </a:ext>
+            </a:extLst>
+          </a:blip>
+          <a:stretch>
+            <a:fillRect/>
+          </a:stretch>
+        </p:blipFill>
+        <p:spPr>
+          <a:xfrm>
+            <a:off x="2513197" y="4144538"/>
+            <a:ext cx="813557" cy="697335"/>
+          </a:xfrm>
+          <a:prstGeom prst="rect">
+            <a:avLst/>
+          </a:prstGeom>
+        </p:spPr>
+      </p:pic>
+    </p:spTree>
+    <p:extLst>
+      <p:ext uri="{BB962C8B-B14F-4D97-AF65-F5344CB8AC3E}">
+        <p14:creationId xmlns:p14="http://schemas.microsoft.com/office/powerpoint/2010/main" val="590140953"/>
+      </p:ext>
+    </p:extLst>
+  </p:cSld>
+  <p:clrMapOvr>
+    <a:masterClrMapping/>
+  </p:clrMapOvr>
+  <p:timing>
+    <p:tnLst>
+      <p:par>
+        <p:cTn id="1" dur="indefinite" restart="never" nodeType="tmRoot"/>
+      </p:par>
+    </p:tnLst>
+  </p:timing>
+</p:sld>
+</file>
+
+<file path=ppt/slides/slide3.xml><?xml version="1.0" encoding="utf-8"?>
+<p:sld xmlns:a="http://schemas.openxmlformats.org/drawingml/2006/main" xmlns:r="http://schemas.openxmlformats.org/officeDocument/2006/relationships" xmlns:p="http://schemas.openxmlformats.org/presentationml/2006/main">
+  <p:cSld>
+    <p:spTree>
+      <p:nvGrpSpPr>
+        <p:cNvPr id="1" name=""/>
+        <p:cNvGrpSpPr/>
+        <p:nvPr/>
+      </p:nvGrpSpPr>
+      <p:grpSpPr>
+        <a:xfrm>
+          <a:off x="0" y="0"/>
+          <a:ext cx="0" cy="0"/>
+          <a:chOff x="0" y="0"/>
+          <a:chExt cx="0" cy="0"/>
+        </a:xfrm>
+      </p:grpSpPr>
+      <p:sp>
+        <p:nvSpPr>
+          <p:cNvPr id="2" name="Title 1"/>
+          <p:cNvSpPr>
+            <a:spLocks noGrp="1"/>
+          </p:cNvSpPr>
+          <p:nvPr>
+            <p:ph type="title"/>
+          </p:nvPr>
+        </p:nvSpPr>
+        <p:spPr/>
+        <p:txBody>
+          <a:bodyPr/>
+          <a:lstStyle/>
+          <a:p>
+            <a:r>
+              <a:rPr lang="en-GB" dirty="0" smtClean="0"/>
+              <a:t>Immutable Code Example - strings</a:t>
+            </a:r>
+            <a:endParaRPr lang="en-GB" dirty="0"/>
+          </a:p>
+        </p:txBody>
+      </p:sp>
+      <p:sp>
+        <p:nvSpPr>
+          <p:cNvPr id="3" name="Content Placeholder 2"/>
+          <p:cNvSpPr>
+            <a:spLocks noGrp="1"/>
+          </p:cNvSpPr>
+          <p:nvPr>
+            <p:ph idx="1"/>
+          </p:nvPr>
+        </p:nvSpPr>
+        <p:spPr/>
+        <p:txBody>
+          <a:bodyPr/>
+          <a:lstStyle/>
+          <a:p>
+            <a:pPr marL="0" indent="0">
+              <a:buNone/>
+            </a:pPr>
+            <a:r>
+              <a:rPr lang="en-GB" dirty="0" err="1"/>
+              <a:t>v</a:t>
+            </a:r>
+            <a:r>
+              <a:rPr lang="en-GB" dirty="0" err="1" smtClean="0"/>
+              <a:t>ar</a:t>
+            </a:r>
+            <a:r>
+              <a:rPr lang="en-GB" dirty="0" smtClean="0"/>
+              <a:t> message = “Hi mum!”;</a:t>
+            </a:r>
+          </a:p>
+          <a:p>
+            <a:pPr marL="0" indent="0">
+              <a:buNone/>
+            </a:pPr>
+            <a:endParaRPr lang="en-GB" dirty="0" smtClean="0"/>
+          </a:p>
+          <a:p>
+            <a:pPr marL="0" indent="0">
+              <a:buNone/>
+            </a:pPr>
+            <a:r>
+              <a:rPr lang="en-GB" dirty="0" err="1"/>
+              <a:t>m</a:t>
+            </a:r>
+            <a:r>
+              <a:rPr lang="en-GB" dirty="0" err="1" smtClean="0"/>
+              <a:t>essage.ToUpper</a:t>
+            </a:r>
+            <a:r>
+              <a:rPr lang="en-GB" dirty="0" smtClean="0"/>
+              <a:t>();</a:t>
+            </a:r>
+            <a:endParaRPr lang="en-GB" dirty="0"/>
+          </a:p>
+          <a:p>
+            <a:pPr marL="0" indent="0">
+              <a:buNone/>
+            </a:pPr>
+            <a:endParaRPr lang="en-GB" dirty="0" smtClean="0"/>
+          </a:p>
+          <a:p>
+            <a:pPr marL="0" indent="0">
+              <a:buNone/>
+            </a:pPr>
+            <a:r>
+              <a:rPr lang="en-GB" dirty="0" err="1" smtClean="0"/>
+              <a:t>var</a:t>
+            </a:r>
+            <a:r>
+              <a:rPr lang="en-GB" dirty="0" smtClean="0"/>
+              <a:t> </a:t>
+            </a:r>
+            <a:r>
+              <a:rPr lang="en-GB" dirty="0" err="1" smtClean="0"/>
+              <a:t>messageCaps</a:t>
+            </a:r>
+            <a:r>
+              <a:rPr lang="en-GB" dirty="0" smtClean="0"/>
+              <a:t> = </a:t>
+            </a:r>
+            <a:r>
+              <a:rPr lang="en-GB" dirty="0" err="1" smtClean="0"/>
+              <a:t>message.ToUpper</a:t>
+            </a:r>
+            <a:r>
+              <a:rPr lang="en-GB" dirty="0" smtClean="0"/>
+              <a:t>();</a:t>
+            </a:r>
+          </a:p>
+          <a:p>
+            <a:pPr marL="0" indent="0">
+              <a:buNone/>
+            </a:pPr>
+            <a:endParaRPr lang="en-GB" dirty="0"/>
+          </a:p>
+          <a:p>
+            <a:pPr marL="0" indent="0">
+              <a:buNone/>
+            </a:pPr>
+            <a:r>
+              <a:rPr lang="en-GB" dirty="0" smtClean="0"/>
+              <a:t>// </a:t>
+            </a:r>
+            <a:r>
+              <a:rPr lang="en-GB" dirty="0" err="1"/>
+              <a:t>ToUpper</a:t>
+            </a:r>
+            <a:r>
+              <a:rPr lang="en-GB" dirty="0"/>
+              <a:t>() does not modify the string, it returns a new one</a:t>
+            </a:r>
+            <a:endParaRPr lang="en-GB" dirty="0" smtClean="0"/>
+          </a:p>
+          <a:p>
+            <a:pPr marL="0" indent="0">
+              <a:buNone/>
+            </a:pPr>
+            <a:endParaRPr lang="en-GB" dirty="0"/>
+          </a:p>
+          <a:p>
+            <a:pPr marL="0" indent="0">
+              <a:buNone/>
+            </a:pPr>
+            <a:endParaRPr lang="en-GB" dirty="0"/>
+          </a:p>
+        </p:txBody>
+      </p:sp>
+      <p:pic>
+        <p:nvPicPr>
+          <p:cNvPr id="4" name="Picture 3"/>
+          <p:cNvPicPr>
+            <a:picLocks noChangeAspect="1"/>
+          </p:cNvPicPr>
+          <p:nvPr/>
+        </p:nvPicPr>
+        <p:blipFill>
+          <a:blip r:embed="rId2" cstate="print">
+            <a:extLst>
+              <a:ext uri="{28A0092B-C50C-407E-A947-70E740481C1C}">
+                <a14:useLocalDpi xmlns:a14="http://schemas.microsoft.com/office/drawing/2010/main" val="0"/>
+              </a:ext>
+            </a:extLst>
+          </a:blip>
+          <a:stretch>
+            <a:fillRect/>
+          </a:stretch>
+        </p:blipFill>
+        <p:spPr>
+          <a:xfrm>
+            <a:off x="3982969" y="2730864"/>
+            <a:ext cx="813557" cy="697335"/>
+          </a:xfrm>
+          <a:prstGeom prst="rect">
+            <a:avLst/>
+          </a:prstGeom>
+        </p:spPr>
+      </p:pic>
+      <p:pic>
+        <p:nvPicPr>
+          <p:cNvPr id="5" name="Picture 4"/>
+          <p:cNvPicPr>
+            <a:picLocks noChangeAspect="1"/>
+          </p:cNvPicPr>
+          <p:nvPr/>
+        </p:nvPicPr>
+        <p:blipFill>
+          <a:blip r:embed="rId3" cstate="print">
+            <a:extLst>
+              <a:ext uri="{28A0092B-C50C-407E-A947-70E740481C1C}">
+                <a14:useLocalDpi xmlns:a14="http://schemas.microsoft.com/office/drawing/2010/main" val="0"/>
+              </a:ext>
+            </a:extLst>
+          </a:blip>
+          <a:stretch>
+            <a:fillRect/>
+          </a:stretch>
+        </p:blipFill>
+        <p:spPr>
+          <a:xfrm>
+            <a:off x="6710460" y="3585185"/>
+            <a:ext cx="1109623" cy="832218"/>
+          </a:xfrm>
+          <a:prstGeom prst="rect">
+            <a:avLst/>
+          </a:prstGeom>
+        </p:spPr>
+      </p:pic>
+    </p:spTree>
+    <p:extLst>
+      <p:ext uri="{BB962C8B-B14F-4D97-AF65-F5344CB8AC3E}">
+        <p14:creationId xmlns:p14="http://schemas.microsoft.com/office/powerpoint/2010/main" val="915685417"/>
+      </p:ext>
+    </p:extLst>
+  </p:cSld>
+  <p:clrMapOvr>
+    <a:masterClrMapping/>
+  </p:clrMapOvr>
+  <p:timing>
+    <p:tnLst>
+      <p:par>
+        <p:cTn id="1" dur="indefinite" restart="never" nodeType="tmRoot"/>
+      </p:par>
+    </p:tnLst>
+  </p:timing>
+</p:sld>
+</file>
+
+<file path=ppt/slides/slide4.xml><?xml version="1.0" encoding="utf-8"?>
+<p:sld xmlns:a="http://schemas.openxmlformats.org/drawingml/2006/main" xmlns:r="http://schemas.openxmlformats.org/officeDocument/2006/relationships" xmlns:p="http://schemas.openxmlformats.org/presentationml/2006/main">
+  <p:cSld>
+    <p:spTree>
+      <p:nvGrpSpPr>
+        <p:cNvPr id="1" name=""/>
+        <p:cNvGrpSpPr/>
+        <p:nvPr/>
+      </p:nvGrpSpPr>
+      <p:grpSpPr>
+        <a:xfrm>
+          <a:off x="0" y="0"/>
+          <a:ext cx="0" cy="0"/>
+          <a:chOff x="0" y="0"/>
+          <a:chExt cx="0" cy="0"/>
+        </a:xfrm>
+      </p:grpSpPr>
+      <p:sp>
+        <p:nvSpPr>
+          <p:cNvPr id="2" name="Title 1"/>
+          <p:cNvSpPr>
+            <a:spLocks noGrp="1"/>
+          </p:cNvSpPr>
+          <p:nvPr>
+            <p:ph type="title"/>
+          </p:nvPr>
+        </p:nvSpPr>
+        <p:spPr/>
+        <p:txBody>
+          <a:bodyPr/>
+          <a:lstStyle/>
+          <a:p>
+            <a:r>
+              <a:rPr lang="en-GB" dirty="0" smtClean="0"/>
+              <a:t>Immutable Code Example - Linq</a:t>
+            </a:r>
+            <a:endParaRPr lang="en-GB" dirty="0"/>
+          </a:p>
+        </p:txBody>
+      </p:sp>
+      <p:sp>
+        <p:nvSpPr>
+          <p:cNvPr id="3" name="Content Placeholder 2"/>
+          <p:cNvSpPr>
+            <a:spLocks noGrp="1"/>
+          </p:cNvSpPr>
+          <p:nvPr>
+            <p:ph idx="1"/>
+          </p:nvPr>
+        </p:nvSpPr>
+        <p:spPr/>
+        <p:txBody>
+          <a:bodyPr>
+            <a:normAutofit fontScale="92500" lnSpcReduction="20000"/>
+          </a:bodyPr>
+          <a:lstStyle/>
+          <a:p>
+            <a:pPr marL="0" indent="0">
+              <a:buNone/>
+            </a:pPr>
+            <a:r>
+              <a:rPr lang="en-GB" dirty="0" err="1"/>
+              <a:t>var</a:t>
+            </a:r>
+            <a:r>
+              <a:rPr lang="en-GB" dirty="0"/>
+              <a:t> </a:t>
+            </a:r>
+            <a:r>
+              <a:rPr lang="en-GB" dirty="0" smtClean="0"/>
+              <a:t>doubles = 0;</a:t>
+            </a:r>
+          </a:p>
+          <a:p>
+            <a:pPr marL="0" indent="0">
+              <a:buNone/>
+            </a:pPr>
+            <a:r>
+              <a:rPr lang="en-GB" dirty="0" err="1" smtClean="0"/>
+              <a:t>Foreach</a:t>
+            </a:r>
+            <a:r>
+              <a:rPr lang="en-GB" dirty="0" smtClean="0"/>
+              <a:t>(</a:t>
+            </a:r>
+            <a:r>
+              <a:rPr lang="en-GB" dirty="0" err="1" smtClean="0"/>
+              <a:t>var</a:t>
+            </a:r>
+            <a:r>
+              <a:rPr lang="en-GB" dirty="0" smtClean="0"/>
+              <a:t> number in </a:t>
+            </a:r>
+            <a:r>
+              <a:rPr lang="en-GB" dirty="0" err="1" smtClean="0"/>
+              <a:t>numberList</a:t>
+            </a:r>
+            <a:r>
+              <a:rPr lang="en-GB" dirty="0" smtClean="0"/>
+              <a:t>){</a:t>
+            </a:r>
+          </a:p>
+          <a:p>
+            <a:pPr marL="0" indent="0">
+              <a:buNone/>
+            </a:pPr>
+            <a:r>
+              <a:rPr lang="en-GB" dirty="0"/>
+              <a:t> </a:t>
+            </a:r>
+            <a:r>
+              <a:rPr lang="en-GB" dirty="0" smtClean="0"/>
+              <a:t>   doubles += number * 2;</a:t>
+            </a:r>
+          </a:p>
+          <a:p>
+            <a:pPr marL="0" indent="0">
+              <a:buNone/>
+            </a:pPr>
+            <a:r>
+              <a:rPr lang="en-GB" dirty="0"/>
+              <a:t>}</a:t>
+            </a:r>
+          </a:p>
+          <a:p>
+            <a:pPr marL="0" indent="0">
+              <a:buNone/>
+            </a:pPr>
+            <a:endParaRPr lang="en-GB" dirty="0"/>
+          </a:p>
+          <a:p>
+            <a:pPr marL="0" indent="0">
+              <a:buNone/>
+            </a:pPr>
+            <a:r>
+              <a:rPr lang="en-GB" dirty="0" err="1"/>
+              <a:t>var</a:t>
+            </a:r>
+            <a:r>
+              <a:rPr lang="en-GB" dirty="0"/>
+              <a:t> doubles = </a:t>
+            </a:r>
+            <a:r>
+              <a:rPr lang="en-GB" dirty="0" err="1"/>
+              <a:t>numberList.Select</a:t>
+            </a:r>
+            <a:r>
+              <a:rPr lang="en-GB" dirty="0"/>
+              <a:t>(</a:t>
+            </a:r>
+            <a:r>
+              <a:rPr lang="en-GB" dirty="0" err="1"/>
+              <a:t>num</a:t>
+            </a:r>
+            <a:r>
+              <a:rPr lang="en-GB" dirty="0"/>
+              <a:t> =&gt; </a:t>
+            </a:r>
+            <a:r>
+              <a:rPr lang="en-GB" dirty="0" err="1"/>
+              <a:t>num</a:t>
+            </a:r>
+            <a:r>
+              <a:rPr lang="en-GB" dirty="0"/>
+              <a:t> * 2);</a:t>
+            </a:r>
+          </a:p>
+          <a:p>
+            <a:pPr marL="0" indent="0">
+              <a:buNone/>
+            </a:pPr>
+            <a:endParaRPr lang="en-GB" dirty="0"/>
+          </a:p>
+          <a:p>
+            <a:pPr marL="0" indent="0">
+              <a:buNone/>
+            </a:pPr>
+            <a:r>
+              <a:rPr lang="en-GB" dirty="0"/>
+              <a:t>// </a:t>
+            </a:r>
+            <a:r>
+              <a:rPr lang="en-GB" dirty="0" smtClean="0"/>
+              <a:t>Which is why you can chain Linq methods together</a:t>
+            </a:r>
+            <a:endParaRPr lang="en-GB" dirty="0"/>
+          </a:p>
+          <a:p>
+            <a:pPr marL="0" indent="0">
+              <a:buNone/>
+            </a:pPr>
+            <a:endParaRPr lang="en-GB" dirty="0"/>
+          </a:p>
+          <a:p>
+            <a:pPr marL="0" indent="0">
+              <a:buNone/>
+            </a:pPr>
+            <a:r>
+              <a:rPr lang="en-GB" dirty="0" err="1"/>
+              <a:t>v</a:t>
+            </a:r>
+            <a:r>
+              <a:rPr lang="en-GB" dirty="0" err="1" smtClean="0"/>
+              <a:t>ar</a:t>
+            </a:r>
+            <a:r>
+              <a:rPr lang="en-GB" dirty="0" smtClean="0"/>
+              <a:t> </a:t>
+            </a:r>
+            <a:r>
+              <a:rPr lang="en-GB" dirty="0" err="1" smtClean="0"/>
+              <a:t>sumOfDoubles</a:t>
+            </a:r>
+            <a:r>
+              <a:rPr lang="en-GB" dirty="0" smtClean="0"/>
+              <a:t> = </a:t>
+            </a:r>
+            <a:r>
+              <a:rPr lang="en-GB" dirty="0" err="1" smtClean="0"/>
+              <a:t>numberList.Select</a:t>
+            </a:r>
+            <a:r>
+              <a:rPr lang="en-GB" dirty="0" smtClean="0"/>
+              <a:t>(</a:t>
+            </a:r>
+            <a:r>
+              <a:rPr lang="en-GB" dirty="0" err="1" smtClean="0"/>
+              <a:t>num</a:t>
+            </a:r>
+            <a:r>
+              <a:rPr lang="en-GB" dirty="0" smtClean="0"/>
+              <a:t> </a:t>
+            </a:r>
+            <a:r>
+              <a:rPr lang="en-GB" dirty="0"/>
+              <a:t>=&gt; </a:t>
+            </a:r>
+            <a:r>
+              <a:rPr lang="en-GB" dirty="0" err="1"/>
+              <a:t>num</a:t>
+            </a:r>
+            <a:r>
+              <a:rPr lang="en-GB" dirty="0"/>
+              <a:t> * 2</a:t>
+            </a:r>
+            <a:r>
+              <a:rPr lang="en-GB" dirty="0" smtClean="0"/>
+              <a:t>).Sum()</a:t>
+            </a:r>
+            <a:endParaRPr lang="en-GB" dirty="0"/>
+          </a:p>
+          <a:p>
+            <a:pPr marL="0" indent="0">
+              <a:buNone/>
+            </a:pPr>
+            <a:endParaRPr lang="en-GB" dirty="0"/>
+          </a:p>
+        </p:txBody>
+      </p:sp>
+      <p:pic>
+        <p:nvPicPr>
+          <p:cNvPr id="4" name="Picture 3"/>
+          <p:cNvPicPr>
+            <a:picLocks noChangeAspect="1"/>
+          </p:cNvPicPr>
+          <p:nvPr/>
+        </p:nvPicPr>
+        <p:blipFill>
+          <a:blip r:embed="rId2" cstate="print">
+            <a:extLst>
+              <a:ext uri="{28A0092B-C50C-407E-A947-70E740481C1C}">
+                <a14:useLocalDpi xmlns:a14="http://schemas.microsoft.com/office/drawing/2010/main" val="0"/>
+              </a:ext>
+            </a:extLst>
+          </a:blip>
+          <a:stretch>
+            <a:fillRect/>
+          </a:stretch>
+        </p:blipFill>
+        <p:spPr>
+          <a:xfrm>
+            <a:off x="6254945" y="2091345"/>
+            <a:ext cx="813557" cy="697335"/>
+          </a:xfrm>
+          <a:prstGeom prst="rect">
+            <a:avLst/>
+          </a:prstGeom>
+        </p:spPr>
+      </p:pic>
+      <p:pic>
+        <p:nvPicPr>
+          <p:cNvPr id="5" name="Picture 4"/>
+          <p:cNvPicPr>
+            <a:picLocks noChangeAspect="1"/>
+          </p:cNvPicPr>
+          <p:nvPr/>
+        </p:nvPicPr>
+        <p:blipFill>
+          <a:blip r:embed="rId3" cstate="print">
+            <a:extLst>
+              <a:ext uri="{28A0092B-C50C-407E-A947-70E740481C1C}">
+                <a14:useLocalDpi xmlns:a14="http://schemas.microsoft.com/office/drawing/2010/main" val="0"/>
+              </a:ext>
+            </a:extLst>
+          </a:blip>
+          <a:stretch>
+            <a:fillRect/>
+          </a:stretch>
+        </p:blipFill>
+        <p:spPr>
+          <a:xfrm>
+            <a:off x="8011938" y="3525769"/>
+            <a:ext cx="1109623" cy="832218"/>
+          </a:xfrm>
+          <a:prstGeom prst="rect">
+            <a:avLst/>
+          </a:prstGeom>
+        </p:spPr>
+      </p:pic>
+    </p:spTree>
+    <p:extLst>
+      <p:ext uri="{BB962C8B-B14F-4D97-AF65-F5344CB8AC3E}">
+        <p14:creationId xmlns:p14="http://schemas.microsoft.com/office/powerpoint/2010/main" val="971108407"/>
+      </p:ext>
+    </p:extLst>
+  </p:cSld>
+  <p:clrMapOvr>
+    <a:masterClrMapping/>
+  </p:clrMapOvr>
+  <p:timing>
+    <p:tnLst>
+      <p:par>
+        <p:cTn id="1" dur="indefinite" restart="never" nodeType="tmRoot"/>
+      </p:par>
+    </p:tnLst>
+  </p:timing>
+</p:sld>
+</file>
+
+<file path=ppt/slides/slide5.xml><?xml version="1.0" encoding="utf-8"?>
+<p:sld xmlns:a="http://schemas.openxmlformats.org/drawingml/2006/main" xmlns:r="http://schemas.openxmlformats.org/officeDocument/2006/relationships" xmlns:p="http://schemas.openxmlformats.org/presentationml/2006/main">
+  <p:cSld>
+    <p:spTree>
+      <p:nvGrpSpPr>
+        <p:cNvPr id="1" name=""/>
+        <p:cNvGrpSpPr/>
+        <p:nvPr/>
+      </p:nvGrpSpPr>
+      <p:grpSpPr>
+        <a:xfrm>
+          <a:off x="0" y="0"/>
+          <a:ext cx="0" cy="0"/>
+          <a:chOff x="0" y="0"/>
+          <a:chExt cx="0" cy="0"/>
+        </a:xfrm>
+      </p:grpSpPr>
+      <p:sp>
+        <p:nvSpPr>
+          <p:cNvPr id="2" name="Title 1"/>
+          <p:cNvSpPr>
+            <a:spLocks noGrp="1"/>
+          </p:cNvSpPr>
+          <p:nvPr>
+            <p:ph type="title"/>
+          </p:nvPr>
+        </p:nvSpPr>
+        <p:spPr/>
+        <p:txBody>
+          <a:bodyPr/>
+          <a:lstStyle/>
+          <a:p>
+            <a:r>
+              <a:rPr lang="en-GB" dirty="0" smtClean="0"/>
+              <a:t>Immutable Code Example - Objects</a:t>
+            </a:r>
+            <a:endParaRPr lang="en-GB" dirty="0"/>
+          </a:p>
+        </p:txBody>
+      </p:sp>
+      <p:sp>
+        <p:nvSpPr>
+          <p:cNvPr id="3" name="Content Placeholder 2"/>
+          <p:cNvSpPr>
+            <a:spLocks noGrp="1"/>
+          </p:cNvSpPr>
+          <p:nvPr>
+            <p:ph idx="1"/>
+          </p:nvPr>
+        </p:nvSpPr>
+        <p:spPr/>
+        <p:txBody>
+          <a:bodyPr>
+            <a:normAutofit/>
+          </a:bodyPr>
+          <a:lstStyle/>
+          <a:p>
+            <a:pPr marL="0" indent="0">
+              <a:buNone/>
+            </a:pPr>
+            <a:r>
+              <a:rPr lang="en-GB" dirty="0" err="1"/>
+              <a:t>var</a:t>
+            </a:r>
+            <a:r>
+              <a:rPr lang="en-GB" dirty="0"/>
+              <a:t> bot = new Robot(0, 0);</a:t>
+            </a:r>
+          </a:p>
+          <a:p>
+            <a:pPr marL="0" indent="0">
+              <a:buNone/>
+            </a:pPr>
+            <a:endParaRPr lang="en-GB" dirty="0"/>
+          </a:p>
+          <a:p>
+            <a:pPr marL="0" indent="0">
+              <a:buNone/>
+            </a:pPr>
+            <a:r>
+              <a:rPr lang="en-GB" dirty="0" err="1"/>
+              <a:t>bot.MoveBy</a:t>
+            </a:r>
+            <a:r>
+              <a:rPr lang="en-GB" dirty="0"/>
+              <a:t>(2, 4);</a:t>
+            </a:r>
+          </a:p>
+          <a:p>
+            <a:pPr marL="0" indent="0">
+              <a:buNone/>
+            </a:pPr>
+            <a:r>
+              <a:rPr lang="en-GB" dirty="0"/>
+              <a:t>            </a:t>
+            </a:r>
+          </a:p>
+          <a:p>
+            <a:pPr marL="0" indent="0">
+              <a:buNone/>
+            </a:pPr>
+            <a:r>
+              <a:rPr lang="en-GB" dirty="0" err="1"/>
+              <a:t>var</a:t>
+            </a:r>
+            <a:r>
+              <a:rPr lang="en-GB" dirty="0"/>
+              <a:t> </a:t>
+            </a:r>
+            <a:r>
+              <a:rPr lang="en-GB" dirty="0" err="1"/>
+              <a:t>movedBot</a:t>
+            </a:r>
+            <a:r>
+              <a:rPr lang="en-GB" dirty="0"/>
+              <a:t> = </a:t>
+            </a:r>
+            <a:r>
+              <a:rPr lang="en-GB" dirty="0" err="1"/>
+              <a:t>bot.MoveBy</a:t>
+            </a:r>
+            <a:r>
+              <a:rPr lang="en-GB" dirty="0"/>
+              <a:t>(2, 4</a:t>
+            </a:r>
+            <a:r>
+              <a:rPr lang="en-GB" dirty="0" smtClean="0"/>
+              <a:t>);</a:t>
+            </a:r>
+          </a:p>
+          <a:p>
+            <a:pPr marL="0" indent="0">
+              <a:buNone/>
+            </a:pPr>
+            <a:endParaRPr lang="en-GB" dirty="0"/>
+          </a:p>
+          <a:p>
+            <a:pPr marL="0" indent="0">
+              <a:buNone/>
+            </a:pPr>
+            <a:r>
+              <a:rPr lang="en-GB" dirty="0" smtClean="0"/>
+              <a:t>// Immutable methods should rarely return void</a:t>
+            </a:r>
+            <a:endParaRPr lang="en-GB" dirty="0"/>
+          </a:p>
+        </p:txBody>
+      </p:sp>
+      <p:pic>
+        <p:nvPicPr>
+          <p:cNvPr id="4" name="Picture 3"/>
+          <p:cNvPicPr>
+            <a:picLocks noChangeAspect="1"/>
+          </p:cNvPicPr>
+          <p:nvPr/>
+        </p:nvPicPr>
+        <p:blipFill>
+          <a:blip r:embed="rId2" cstate="print">
+            <a:extLst>
+              <a:ext uri="{28A0092B-C50C-407E-A947-70E740481C1C}">
+                <a14:useLocalDpi xmlns:a14="http://schemas.microsoft.com/office/drawing/2010/main" val="0"/>
+              </a:ext>
+            </a:extLst>
+          </a:blip>
+          <a:stretch>
+            <a:fillRect/>
+          </a:stretch>
+        </p:blipFill>
+        <p:spPr>
+          <a:xfrm>
+            <a:off x="3988580" y="2747693"/>
+            <a:ext cx="813557" cy="697335"/>
+          </a:xfrm>
+          <a:prstGeom prst="rect">
+            <a:avLst/>
+          </a:prstGeom>
+        </p:spPr>
+      </p:pic>
+      <p:pic>
+        <p:nvPicPr>
+          <p:cNvPr id="5" name="Picture 4"/>
+          <p:cNvPicPr>
+            <a:picLocks noChangeAspect="1"/>
+          </p:cNvPicPr>
+          <p:nvPr/>
+        </p:nvPicPr>
+        <p:blipFill>
+          <a:blip r:embed="rId3" cstate="print">
+            <a:extLst>
+              <a:ext uri="{28A0092B-C50C-407E-A947-70E740481C1C}">
+                <a14:useLocalDpi xmlns:a14="http://schemas.microsoft.com/office/drawing/2010/main" val="0"/>
+              </a:ext>
+            </a:extLst>
+          </a:blip>
+          <a:stretch>
+            <a:fillRect/>
+          </a:stretch>
+        </p:blipFill>
+        <p:spPr>
+          <a:xfrm>
+            <a:off x="6216797" y="3666014"/>
+            <a:ext cx="1109623" cy="832218"/>
+          </a:xfrm>
+          <a:prstGeom prst="rect">
+            <a:avLst/>
+          </a:prstGeom>
+        </p:spPr>
+      </p:pic>
+    </p:spTree>
+    <p:extLst>
+      <p:ext uri="{BB962C8B-B14F-4D97-AF65-F5344CB8AC3E}">
+        <p14:creationId xmlns:p14="http://schemas.microsoft.com/office/powerpoint/2010/main" val="1333584387"/>
+      </p:ext>
+    </p:extLst>
+  </p:cSld>
+  <p:clrMapOvr>
+    <a:masterClrMapping/>
+  </p:clrMapOvr>
+  <p:timing>
+    <p:tnLst>
+      <p:par>
+        <p:cTn id="1" dur="indefinite" restart="never" nodeType="tmRoot"/>
+      </p:par>
+    </p:tnLst>
+  </p:timing>
+</p:sld>
+</file>
+
+<file path=ppt/slides/slide6.xml><?xml version="1.0" encoding="utf-8"?>
+<p:sld xmlns:a="http://schemas.openxmlformats.org/drawingml/2006/main" xmlns:r="http://schemas.openxmlformats.org/officeDocument/2006/relationships" xmlns:p="http://schemas.openxmlformats.org/presentationml/2006/main">
+  <p:cSld>
+    <p:spTree>
+      <p:nvGrpSpPr>
+        <p:cNvPr id="1" name=""/>
+        <p:cNvGrpSpPr/>
+        <p:nvPr/>
+      </p:nvGrpSpPr>
+      <p:grpSpPr>
+        <a:xfrm>
+          <a:off x="0" y="0"/>
+          <a:ext cx="0" cy="0"/>
+          <a:chOff x="0" y="0"/>
+          <a:chExt cx="0" cy="0"/>
+        </a:xfrm>
+      </p:grpSpPr>
+      <p:sp>
+        <p:nvSpPr>
+          <p:cNvPr id="2" name="Title 1"/>
+          <p:cNvSpPr>
+            <a:spLocks noGrp="1"/>
+          </p:cNvSpPr>
+          <p:nvPr>
+            <p:ph type="title"/>
+          </p:nvPr>
+        </p:nvSpPr>
+        <p:spPr/>
+        <p:txBody>
+          <a:bodyPr/>
+          <a:lstStyle/>
+          <a:p>
+            <a:r>
+              <a:rPr lang="en-GB" dirty="0" smtClean="0"/>
+              <a:t>Why would I ever want this?!</a:t>
+            </a:r>
+            <a:endParaRPr lang="en-GB" dirty="0"/>
+          </a:p>
+        </p:txBody>
+      </p:sp>
+      <p:sp>
+        <p:nvSpPr>
+          <p:cNvPr id="3" name="Content Placeholder 2"/>
+          <p:cNvSpPr>
+            <a:spLocks noGrp="1"/>
+          </p:cNvSpPr>
+          <p:nvPr>
+            <p:ph idx="1"/>
+          </p:nvPr>
+        </p:nvSpPr>
+        <p:spPr/>
+        <p:txBody>
+          <a:bodyPr>
+            <a:normAutofit/>
+          </a:bodyPr>
+          <a:lstStyle/>
+          <a:p>
+            <a:r>
+              <a:rPr lang="en-GB" dirty="0" smtClean="0"/>
+              <a:t>Code </a:t>
+            </a:r>
+            <a:r>
+              <a:rPr lang="en-GB" dirty="0"/>
+              <a:t>easier to </a:t>
+            </a:r>
+            <a:r>
+              <a:rPr lang="en-GB" dirty="0" smtClean="0"/>
+              <a:t>reason about</a:t>
+            </a:r>
+          </a:p>
+          <a:p>
+            <a:pPr lvl="1"/>
+            <a:r>
+              <a:rPr lang="en-GB" dirty="0" smtClean="0"/>
+              <a:t>No side effects*</a:t>
+            </a:r>
+          </a:p>
+          <a:p>
+            <a:pPr lvl="1"/>
+            <a:r>
+              <a:rPr lang="en-GB" dirty="0" smtClean="0"/>
+              <a:t>Minimise </a:t>
+            </a:r>
+            <a:r>
+              <a:rPr lang="en-GB" dirty="0" smtClean="0"/>
+              <a:t>temporal coupling</a:t>
+            </a:r>
+          </a:p>
+          <a:p>
+            <a:pPr lvl="1"/>
+            <a:r>
+              <a:rPr lang="en-GB" dirty="0" smtClean="0"/>
+              <a:t>No NULLs (mainly)*</a:t>
+            </a:r>
+          </a:p>
+          <a:p>
+            <a:r>
+              <a:rPr lang="en-GB" dirty="0" smtClean="0"/>
+              <a:t>Code harder to break by accident</a:t>
+            </a:r>
+          </a:p>
+          <a:p>
+            <a:r>
+              <a:rPr lang="en-GB" dirty="0" smtClean="0"/>
+              <a:t>Objects are always valid (or not created), AKA </a:t>
+            </a:r>
+            <a:r>
+              <a:rPr lang="en-GB" dirty="0"/>
+              <a:t>Failure </a:t>
+            </a:r>
+            <a:r>
+              <a:rPr lang="en-GB" dirty="0" smtClean="0"/>
+              <a:t>Atomicity</a:t>
+            </a:r>
+          </a:p>
+          <a:p>
+            <a:r>
+              <a:rPr lang="en-GB" dirty="0" smtClean="0"/>
+              <a:t>Code automatically </a:t>
+            </a:r>
+            <a:r>
+              <a:rPr lang="en-GB" dirty="0" err="1" smtClean="0"/>
+              <a:t>threadsafe</a:t>
+            </a:r>
+            <a:r>
+              <a:rPr lang="en-GB" dirty="0" smtClean="0"/>
+              <a:t>*</a:t>
+            </a:r>
+          </a:p>
+          <a:p>
+            <a:pPr marL="0" indent="0">
+              <a:buNone/>
+            </a:pPr>
+            <a:endParaRPr lang="en-GB" dirty="0"/>
+          </a:p>
+          <a:p>
+            <a:pPr marL="0" indent="0">
+              <a:buNone/>
+            </a:pPr>
+            <a:r>
+              <a:rPr lang="en-GB" sz="2000" dirty="0" smtClean="0"/>
+              <a:t>* C# doesn’t support immutability as a core concept, so not all benefits are guaranteed.</a:t>
+            </a:r>
+            <a:endParaRPr lang="en-GB" sz="2000" dirty="0"/>
+          </a:p>
+        </p:txBody>
+      </p:sp>
+    </p:spTree>
+    <p:extLst>
+      <p:ext uri="{BB962C8B-B14F-4D97-AF65-F5344CB8AC3E}">
+        <p14:creationId xmlns:p14="http://schemas.microsoft.com/office/powerpoint/2010/main" val="2430670310"/>
+      </p:ext>
+    </p:extLst>
+  </p:cSld>
+  <p:clrMapOvr>
+    <a:masterClrMapping/>
+  </p:clrMapOvr>
+  <p:timing>
+    <p:tnLst>
+      <p:par>
+        <p:cTn id="1" dur="indefinite" restart="never" nodeType="tmRoot"/>
+      </p:par>
+    </p:tnLst>
+  </p:timing>
+</p:sld>
+</file>
+
+<file path=ppt/slides/slide7.xml><?xml version="1.0" encoding="utf-8"?>
+<p:sld xmlns:a="http://schemas.openxmlformats.org/drawingml/2006/main" xmlns:r="http://schemas.openxmlformats.org/officeDocument/2006/relationships" xmlns:p="http://schemas.openxmlformats.org/presentationml/2006/main">
+  <p:cSld>
+    <p:spTree>
+      <p:nvGrpSpPr>
+        <p:cNvPr id="1" name=""/>
+        <p:cNvGrpSpPr/>
+        <p:nvPr/>
+      </p:nvGrpSpPr>
+      <p:grpSpPr>
+        <a:xfrm>
+          <a:off x="0" y="0"/>
+          <a:ext cx="0" cy="0"/>
+          <a:chOff x="0" y="0"/>
+          <a:chExt cx="0" cy="0"/>
+        </a:xfrm>
+      </p:grpSpPr>
+      <p:sp>
+        <p:nvSpPr>
+          <p:cNvPr id="2" name="Title 1"/>
+          <p:cNvSpPr>
+            <a:spLocks noGrp="1"/>
+          </p:cNvSpPr>
+          <p:nvPr>
+            <p:ph type="title"/>
+          </p:nvPr>
+        </p:nvSpPr>
+        <p:spPr/>
+        <p:txBody>
+          <a:bodyPr/>
+          <a:lstStyle/>
+          <a:p>
+            <a:r>
+              <a:rPr lang="en-GB" dirty="0" smtClean="0"/>
+              <a:t>Side Effects</a:t>
+            </a:r>
+            <a:endParaRPr lang="en-GB" dirty="0"/>
+          </a:p>
+        </p:txBody>
+      </p:sp>
+      <p:sp>
+        <p:nvSpPr>
+          <p:cNvPr id="3" name="Content Placeholder 2"/>
+          <p:cNvSpPr>
+            <a:spLocks noGrp="1"/>
+          </p:cNvSpPr>
+          <p:nvPr>
+            <p:ph idx="1"/>
+          </p:nvPr>
+        </p:nvSpPr>
+        <p:spPr>
+          <a:xfrm>
+            <a:off x="426720" y="1825625"/>
+            <a:ext cx="11512731" cy="4351338"/>
+          </a:xfrm>
+        </p:spPr>
+        <p:txBody>
+          <a:bodyPr>
+            <a:normAutofit fontScale="92500" lnSpcReduction="20000"/>
+          </a:bodyPr>
+          <a:lstStyle/>
+          <a:p>
+            <a:pPr marL="0" indent="0">
+              <a:buNone/>
+            </a:pPr>
+            <a:r>
+              <a:rPr lang="en-GB" sz="2400" dirty="0" smtClean="0"/>
+              <a:t>Your code:</a:t>
+            </a:r>
+          </a:p>
+          <a:p>
+            <a:pPr marL="0" indent="0">
+              <a:buNone/>
+            </a:pPr>
+            <a:r>
+              <a:rPr lang="en-GB" sz="3200" dirty="0" smtClean="0">
+                <a:latin typeface="Consolas" panose="020B0609020204030204" pitchFamily="49" charset="0"/>
+                <a:cs typeface="Consolas" panose="020B0609020204030204" pitchFamily="49" charset="0"/>
+              </a:rPr>
+              <a:t>  </a:t>
+            </a:r>
+            <a:r>
+              <a:rPr lang="en-GB" sz="2400" dirty="0" err="1" smtClean="0">
+                <a:latin typeface="Consolas" panose="020B0609020204030204" pitchFamily="49" charset="0"/>
+                <a:cs typeface="Consolas" panose="020B0609020204030204" pitchFamily="49" charset="0"/>
+              </a:rPr>
+              <a:t>printer.Print</a:t>
+            </a:r>
+            <a:r>
+              <a:rPr lang="en-GB" sz="2400" dirty="0" smtClean="0">
+                <a:latin typeface="Consolas" panose="020B0609020204030204" pitchFamily="49" charset="0"/>
+                <a:cs typeface="Consolas" panose="020B0609020204030204" pitchFamily="49" charset="0"/>
+              </a:rPr>
+              <a:t>(</a:t>
+            </a:r>
+            <a:r>
+              <a:rPr lang="en-GB" sz="2400" dirty="0" err="1" smtClean="0">
+                <a:latin typeface="Consolas" panose="020B0609020204030204" pitchFamily="49" charset="0"/>
+                <a:cs typeface="Consolas" panose="020B0609020204030204" pitchFamily="49" charset="0"/>
+              </a:rPr>
+              <a:t>myOrder</a:t>
+            </a:r>
+            <a:r>
+              <a:rPr lang="en-GB" sz="2400" dirty="0" smtClean="0">
+                <a:latin typeface="Consolas" panose="020B0609020204030204" pitchFamily="49" charset="0"/>
+                <a:cs typeface="Consolas" panose="020B0609020204030204" pitchFamily="49" charset="0"/>
+              </a:rPr>
+              <a:t>); // What could go wrong?</a:t>
+            </a:r>
+          </a:p>
+          <a:p>
+            <a:pPr marL="0" indent="0">
+              <a:buNone/>
+            </a:pPr>
+            <a:r>
+              <a:rPr lang="en-GB" sz="2400" dirty="0" smtClean="0">
+                <a:latin typeface="Consolas" panose="020B0609020204030204" pitchFamily="49" charset="0"/>
+                <a:cs typeface="Consolas" panose="020B0609020204030204" pitchFamily="49" charset="0"/>
+              </a:rPr>
+              <a:t>  save(</a:t>
+            </a:r>
+            <a:r>
+              <a:rPr lang="en-GB" sz="2400" dirty="0" err="1" smtClean="0">
+                <a:latin typeface="Consolas" panose="020B0609020204030204" pitchFamily="49" charset="0"/>
+                <a:cs typeface="Consolas" panose="020B0609020204030204" pitchFamily="49" charset="0"/>
+              </a:rPr>
+              <a:t>myOrder</a:t>
+            </a:r>
+            <a:r>
+              <a:rPr lang="en-GB" sz="2400" dirty="0" smtClean="0">
+                <a:latin typeface="Consolas" panose="020B0609020204030204" pitchFamily="49" charset="0"/>
+                <a:cs typeface="Consolas" panose="020B0609020204030204" pitchFamily="49" charset="0"/>
+              </a:rPr>
+              <a:t>);</a:t>
+            </a:r>
+          </a:p>
+          <a:p>
+            <a:pPr marL="0" indent="0">
+              <a:buNone/>
+            </a:pPr>
+            <a:endParaRPr lang="en-GB" dirty="0"/>
+          </a:p>
+          <a:p>
+            <a:pPr marL="0" indent="0">
+              <a:buNone/>
+            </a:pPr>
+            <a:r>
+              <a:rPr lang="en-GB" sz="2200" dirty="0" smtClean="0"/>
+              <a:t>Their code:</a:t>
+            </a:r>
+          </a:p>
+          <a:p>
+            <a:pPr marL="0" indent="0">
+              <a:buNone/>
+            </a:pPr>
+            <a:r>
+              <a:rPr lang="en-GB" sz="2400" dirty="0">
+                <a:latin typeface="Consolas" panose="020B0609020204030204" pitchFamily="49" charset="0"/>
+                <a:cs typeface="Consolas" panose="020B0609020204030204" pitchFamily="49" charset="0"/>
+              </a:rPr>
+              <a:t> </a:t>
+            </a:r>
+            <a:r>
+              <a:rPr lang="en-GB" sz="2400" dirty="0" smtClean="0">
+                <a:latin typeface="Consolas" panose="020B0609020204030204" pitchFamily="49" charset="0"/>
+                <a:cs typeface="Consolas" panose="020B0609020204030204" pitchFamily="49" charset="0"/>
+              </a:rPr>
+              <a:t> public void Print(Order o){</a:t>
+            </a:r>
+          </a:p>
+          <a:p>
+            <a:pPr marL="0" indent="0">
+              <a:buNone/>
+            </a:pPr>
+            <a:r>
+              <a:rPr lang="en-GB" sz="2400" dirty="0" smtClean="0">
+                <a:latin typeface="Consolas" panose="020B0609020204030204" pitchFamily="49" charset="0"/>
+                <a:cs typeface="Consolas" panose="020B0609020204030204" pitchFamily="49" charset="0"/>
+              </a:rPr>
+              <a:t>      </a:t>
+            </a:r>
+            <a:r>
+              <a:rPr lang="en-GB" sz="2400" dirty="0" err="1" smtClean="0">
+                <a:latin typeface="Consolas" panose="020B0609020204030204" pitchFamily="49" charset="0"/>
+                <a:cs typeface="Consolas" panose="020B0609020204030204" pitchFamily="49" charset="0"/>
+              </a:rPr>
+              <a:t>Console.WriteLine</a:t>
+            </a:r>
+            <a:r>
+              <a:rPr lang="en-GB" sz="2400" dirty="0" smtClean="0">
+                <a:latin typeface="Consolas" panose="020B0609020204030204" pitchFamily="49" charset="0"/>
+                <a:cs typeface="Consolas" panose="020B0609020204030204" pitchFamily="49" charset="0"/>
+              </a:rPr>
+              <a:t>(“Order {0}: Cost £{1}”, </a:t>
+            </a:r>
+            <a:r>
+              <a:rPr lang="en-GB" sz="2400" dirty="0" err="1" smtClean="0">
+                <a:latin typeface="Consolas" panose="020B0609020204030204" pitchFamily="49" charset="0"/>
+                <a:cs typeface="Consolas" panose="020B0609020204030204" pitchFamily="49" charset="0"/>
+              </a:rPr>
+              <a:t>o.Id</a:t>
+            </a:r>
+            <a:r>
+              <a:rPr lang="en-GB" sz="2400" dirty="0" smtClean="0">
+                <a:latin typeface="Consolas" panose="020B0609020204030204" pitchFamily="49" charset="0"/>
+                <a:cs typeface="Consolas" panose="020B0609020204030204" pitchFamily="49" charset="0"/>
+              </a:rPr>
+              <a:t>, </a:t>
+            </a:r>
+            <a:r>
+              <a:rPr lang="en-GB" sz="2400" dirty="0" err="1" smtClean="0">
+                <a:latin typeface="Consolas" panose="020B0609020204030204" pitchFamily="49" charset="0"/>
+                <a:cs typeface="Consolas" panose="020B0609020204030204" pitchFamily="49" charset="0"/>
+              </a:rPr>
+              <a:t>o.TotalCost</a:t>
+            </a:r>
+            <a:r>
+              <a:rPr lang="en-GB" sz="2400" dirty="0" smtClean="0">
+                <a:latin typeface="Consolas" panose="020B0609020204030204" pitchFamily="49" charset="0"/>
+                <a:cs typeface="Consolas" panose="020B0609020204030204" pitchFamily="49" charset="0"/>
+              </a:rPr>
+              <a:t>);</a:t>
+            </a:r>
+          </a:p>
+          <a:p>
+            <a:pPr marL="0" indent="0">
+              <a:buNone/>
+            </a:pPr>
+            <a:r>
+              <a:rPr lang="en-GB" sz="2400" dirty="0">
+                <a:latin typeface="Consolas" panose="020B0609020204030204" pitchFamily="49" charset="0"/>
+                <a:cs typeface="Consolas" panose="020B0609020204030204" pitchFamily="49" charset="0"/>
+              </a:rPr>
+              <a:t> </a:t>
+            </a:r>
+            <a:r>
+              <a:rPr lang="en-GB" sz="2400" dirty="0" smtClean="0">
+                <a:latin typeface="Consolas" panose="020B0609020204030204" pitchFamily="49" charset="0"/>
+                <a:cs typeface="Consolas" panose="020B0609020204030204" pitchFamily="49" charset="0"/>
+              </a:rPr>
+              <a:t>     </a:t>
+            </a:r>
+            <a:r>
+              <a:rPr lang="en-GB" sz="2400" b="1" dirty="0" err="1">
+                <a:latin typeface="Consolas" panose="020B0609020204030204" pitchFamily="49" charset="0"/>
+                <a:cs typeface="Consolas" panose="020B0609020204030204" pitchFamily="49" charset="0"/>
+              </a:rPr>
+              <a:t>o.TotalCost</a:t>
+            </a:r>
+            <a:r>
+              <a:rPr lang="en-GB" sz="2400" b="1" dirty="0">
+                <a:latin typeface="Consolas" panose="020B0609020204030204" pitchFamily="49" charset="0"/>
+                <a:cs typeface="Consolas" panose="020B0609020204030204" pitchFamily="49" charset="0"/>
+              </a:rPr>
+              <a:t> = -999</a:t>
+            </a:r>
+            <a:r>
+              <a:rPr lang="en-GB" sz="2400" b="1" dirty="0" smtClean="0">
+                <a:latin typeface="Consolas" panose="020B0609020204030204" pitchFamily="49" charset="0"/>
+                <a:cs typeface="Consolas" panose="020B0609020204030204" pitchFamily="49" charset="0"/>
+              </a:rPr>
+              <a:t>; // On noes!</a:t>
+            </a:r>
+          </a:p>
+          <a:p>
+            <a:pPr marL="0" indent="0">
+              <a:buNone/>
+            </a:pPr>
+            <a:r>
+              <a:rPr lang="en-GB" sz="2400" dirty="0">
+                <a:latin typeface="Consolas" panose="020B0609020204030204" pitchFamily="49" charset="0"/>
+                <a:cs typeface="Consolas" panose="020B0609020204030204" pitchFamily="49" charset="0"/>
+              </a:rPr>
+              <a:t> </a:t>
+            </a:r>
+            <a:r>
+              <a:rPr lang="en-GB" sz="2400" dirty="0" smtClean="0">
+                <a:latin typeface="Consolas" panose="020B0609020204030204" pitchFamily="49" charset="0"/>
+                <a:cs typeface="Consolas" panose="020B0609020204030204" pitchFamily="49" charset="0"/>
+              </a:rPr>
+              <a:t> }</a:t>
+            </a:r>
+          </a:p>
+          <a:p>
+            <a:pPr marL="0" indent="0">
+              <a:buNone/>
+            </a:pPr>
+            <a:endParaRPr lang="en-GB" sz="2400" dirty="0" smtClean="0">
+              <a:latin typeface="Consolas" panose="020B0609020204030204" pitchFamily="49" charset="0"/>
+              <a:cs typeface="Consolas" panose="020B0609020204030204" pitchFamily="49" charset="0"/>
+            </a:endParaRPr>
+          </a:p>
+          <a:p>
+            <a:pPr marL="0" indent="0">
+              <a:buNone/>
+            </a:pPr>
+            <a:r>
+              <a:rPr lang="en-GB" sz="2400" dirty="0" smtClean="0">
+                <a:cs typeface="Consolas" panose="020B0609020204030204" pitchFamily="49" charset="0"/>
+              </a:rPr>
+              <a:t>This is impossible with immutable code.</a:t>
+            </a:r>
+            <a:endParaRPr lang="en-GB" sz="2400" dirty="0">
+              <a:cs typeface="Consolas" panose="020B0609020204030204" pitchFamily="49" charset="0"/>
+            </a:endParaRPr>
+          </a:p>
+          <a:p>
+            <a:pPr marL="0" indent="0">
+              <a:buNone/>
+            </a:pPr>
+            <a:endParaRPr lang="en-GB" dirty="0"/>
+          </a:p>
+        </p:txBody>
+      </p:sp>
+    </p:spTree>
+    <p:extLst>
+      <p:ext uri="{BB962C8B-B14F-4D97-AF65-F5344CB8AC3E}">
+        <p14:creationId xmlns:p14="http://schemas.microsoft.com/office/powerpoint/2010/main" val="1449361287"/>
+      </p:ext>
+    </p:extLst>
+  </p:cSld>
+  <p:clrMapOvr>
+    <a:masterClrMapping/>
+  </p:clrMapOvr>
+  <p:timing>
+    <p:tnLst>
+      <p:par>
+        <p:cTn id="1" dur="indefinite" restart="never" nodeType="tmRoot"/>
+      </p:par>
+    </p:tnLst>
+  </p:timing>
+</p:sld>
+</file>
+
 <file path=ppt/slides/slide8.xml><?xml version="1.0" encoding="utf-8"?>
 <p:sld xmlns:a="http://schemas.openxmlformats.org/drawingml/2006/main" xmlns:r="http://schemas.openxmlformats.org/officeDocument/2006/relationships" xmlns:p="http://schemas.openxmlformats.org/presentationml/2006/main">
   <p:cSld>
@@ -5665,7 +6818,7 @@
           <a:p>
             <a:r>
               <a:rPr lang="en-GB" dirty="0" smtClean="0"/>
-              <a:t>Immutability Supporters</a:t>
+              <a:t>Temporal Coupling</a:t>
             </a:r>
             <a:endParaRPr lang="en-GB" dirty="0"/>
           </a:p>
@@ -5681,10 +6834,15 @@
             <p:ph idx="1"/>
           </p:nvPr>
         </p:nvSpPr>
-        <p:spPr/>
+        <p:spPr>
+          <a:xfrm>
+            <a:off x="838200" y="1550126"/>
+            <a:ext cx="10515600" cy="4955177"/>
+          </a:xfrm>
+        </p:spPr>
         <p:txBody>
           <a:bodyPr>
-            <a:normAutofit fontScale="92500" lnSpcReduction="20000"/>
+            <a:normAutofit fontScale="55000" lnSpcReduction="20000"/>
           </a:bodyPr>
           <a:lstStyle/>
           <a:p>
@@ -5692,28 +6850,111 @@
               <a:buNone/>
             </a:pPr>
             <a:r>
-              <a:rPr lang="en-GB" dirty="0"/>
-              <a:t>"I believe that immutable objects are the way of the future in C</a:t>
-            </a:r>
-            <a:r>
-              <a:rPr lang="en-GB" dirty="0" smtClean="0"/>
-              <a:t>#.“</a:t>
-            </a:r>
-          </a:p>
-          <a:p>
-            <a:pPr>
-              <a:buFontTx/>
-              <a:buChar char="-"/>
-            </a:pPr>
-            <a:r>
-              <a:rPr lang="en-GB" dirty="0" smtClean="0"/>
-              <a:t>Eric Lippert, C# Language Design Team, 2007</a:t>
-            </a:r>
-          </a:p>
-          <a:p>
-            <a:pPr>
-              <a:buFontTx/>
-              <a:buChar char="-"/>
+              <a:rPr lang="en-GB" sz="4000" dirty="0" smtClean="0"/>
+              <a:t>This code compiles but fails at runtime:</a:t>
+            </a:r>
+          </a:p>
+          <a:p>
+            <a:pPr marL="0" indent="0">
+              <a:buNone/>
+            </a:pPr>
+            <a:endParaRPr lang="en-GB" dirty="0" smtClean="0"/>
+          </a:p>
+          <a:p>
+            <a:pPr marL="0" indent="0">
+              <a:buNone/>
+            </a:pPr>
+            <a:r>
+              <a:rPr lang="en-GB" sz="3400" dirty="0" smtClean="0">
+                <a:latin typeface="Consolas" panose="020B0609020204030204" pitchFamily="49" charset="0"/>
+                <a:cs typeface="Consolas" panose="020B0609020204030204" pitchFamily="49" charset="0"/>
+              </a:rPr>
+              <a:t>  Order </a:t>
+            </a:r>
+            <a:r>
+              <a:rPr lang="en-GB" sz="3400" dirty="0" err="1">
+                <a:latin typeface="Consolas" panose="020B0609020204030204" pitchFamily="49" charset="0"/>
+                <a:cs typeface="Consolas" panose="020B0609020204030204" pitchFamily="49" charset="0"/>
+              </a:rPr>
+              <a:t>myOrder</a:t>
+            </a:r>
+            <a:r>
+              <a:rPr lang="en-GB" sz="3400" dirty="0">
+                <a:latin typeface="Consolas" panose="020B0609020204030204" pitchFamily="49" charset="0"/>
+                <a:cs typeface="Consolas" panose="020B0609020204030204" pitchFamily="49" charset="0"/>
+              </a:rPr>
+              <a:t> = new Order();</a:t>
+            </a:r>
+          </a:p>
+          <a:p>
+            <a:pPr marL="0" indent="0">
+              <a:buNone/>
+            </a:pPr>
+            <a:r>
+              <a:rPr lang="en-GB" sz="3400" dirty="0" smtClean="0">
+                <a:latin typeface="Consolas" panose="020B0609020204030204" pitchFamily="49" charset="0"/>
+                <a:cs typeface="Consolas" panose="020B0609020204030204" pitchFamily="49" charset="0"/>
+              </a:rPr>
+              <a:t>  </a:t>
+            </a:r>
+            <a:r>
+              <a:rPr lang="en-GB" sz="3400" dirty="0" err="1" smtClean="0">
+                <a:latin typeface="Consolas" panose="020B0609020204030204" pitchFamily="49" charset="0"/>
+                <a:cs typeface="Consolas" panose="020B0609020204030204" pitchFamily="49" charset="0"/>
+              </a:rPr>
+              <a:t>myOrder.AddItems</a:t>
+            </a:r>
+            <a:r>
+              <a:rPr lang="en-GB" sz="3400" dirty="0" smtClean="0">
+                <a:latin typeface="Consolas" panose="020B0609020204030204" pitchFamily="49" charset="0"/>
+                <a:cs typeface="Consolas" panose="020B0609020204030204" pitchFamily="49" charset="0"/>
+              </a:rPr>
+              <a:t>(checkout);</a:t>
+            </a:r>
+          </a:p>
+          <a:p>
+            <a:pPr marL="0" indent="0">
+              <a:buNone/>
+            </a:pPr>
+            <a:r>
+              <a:rPr lang="en-GB" sz="3400" dirty="0" smtClean="0">
+                <a:latin typeface="Consolas" panose="020B0609020204030204" pitchFamily="49" charset="0"/>
+                <a:cs typeface="Consolas" panose="020B0609020204030204" pitchFamily="49" charset="0"/>
+              </a:rPr>
+              <a:t>  </a:t>
+            </a:r>
+            <a:r>
+              <a:rPr lang="en-GB" sz="3400" dirty="0" err="1" smtClean="0">
+                <a:latin typeface="Consolas" panose="020B0609020204030204" pitchFamily="49" charset="0"/>
+                <a:cs typeface="Consolas" panose="020B0609020204030204" pitchFamily="49" charset="0"/>
+              </a:rPr>
+              <a:t>Printer.Print</a:t>
+            </a:r>
+            <a:r>
+              <a:rPr lang="en-GB" sz="3400" dirty="0" smtClean="0">
+                <a:latin typeface="Consolas" panose="020B0609020204030204" pitchFamily="49" charset="0"/>
+                <a:cs typeface="Consolas" panose="020B0609020204030204" pitchFamily="49" charset="0"/>
+              </a:rPr>
+              <a:t>(</a:t>
+            </a:r>
+            <a:r>
+              <a:rPr lang="en-GB" sz="3400" dirty="0" err="1" smtClean="0">
+                <a:latin typeface="Consolas" panose="020B0609020204030204" pitchFamily="49" charset="0"/>
+                <a:cs typeface="Consolas" panose="020B0609020204030204" pitchFamily="49" charset="0"/>
+              </a:rPr>
+              <a:t>myOrder</a:t>
+            </a:r>
+            <a:r>
+              <a:rPr lang="en-GB" sz="3400" dirty="0" smtClean="0">
+                <a:latin typeface="Consolas" panose="020B0609020204030204" pitchFamily="49" charset="0"/>
+                <a:cs typeface="Consolas" panose="020B0609020204030204" pitchFamily="49" charset="0"/>
+              </a:rPr>
+              <a:t>);</a:t>
+            </a:r>
+          </a:p>
+          <a:p>
+            <a:pPr marL="0" indent="0">
+              <a:buNone/>
             </a:pPr>
             <a:endParaRPr lang="en-GB" dirty="0"/>
           </a:p>
@@ -5722,83 +6963,332 @@
               <a:buNone/>
             </a:pPr>
             <a:r>
-              <a:rPr lang="en-GB" dirty="0"/>
-              <a:t>"When a type is immutable, it’s usually easier to reason about your code, easier to share data safely, and easier to make money ooze from every USB port</a:t>
-            </a:r>
-            <a:r>
-              <a:rPr lang="en-GB" dirty="0" smtClean="0"/>
-              <a:t>.“</a:t>
-            </a:r>
-          </a:p>
-          <a:p>
-            <a:pPr>
-              <a:buFontTx/>
-              <a:buChar char="-"/>
-            </a:pPr>
-            <a:r>
-              <a:rPr lang="en-GB" dirty="0" smtClean="0"/>
-              <a:t>Jon Skeet, Coding Superstar, 2016</a:t>
-            </a:r>
-          </a:p>
-          <a:p>
-            <a:pPr>
-              <a:buFontTx/>
-              <a:buChar char="-"/>
-            </a:pPr>
-            <a:endParaRPr lang="en-GB" dirty="0"/>
-          </a:p>
-          <a:p>
-            <a:pPr marL="0" indent="0">
-              <a:buNone/>
-            </a:pPr>
-            <a:r>
-              <a:rPr lang="en-GB" dirty="0"/>
-              <a:t>“..mutable objects have no right to exist.  Their usage must be </a:t>
-            </a:r>
-            <a:r>
-              <a:rPr lang="en-GB" i="1" dirty="0"/>
-              <a:t>strictly prohibited</a:t>
-            </a:r>
-            <a:r>
-              <a:rPr lang="en-GB" dirty="0"/>
-              <a:t>.  They simply shouldn’t be present in OOP“</a:t>
-            </a:r>
-          </a:p>
-          <a:p>
-            <a:pPr>
-              <a:buFontTx/>
-              <a:buChar char="-"/>
-            </a:pPr>
-            <a:r>
-              <a:rPr lang="en-GB" dirty="0" err="1"/>
-              <a:t>Yegor</a:t>
-            </a:r>
-            <a:r>
-              <a:rPr lang="en-GB" dirty="0"/>
-              <a:t> </a:t>
-            </a:r>
-            <a:r>
-              <a:rPr lang="en-GB" dirty="0" err="1"/>
-              <a:t>Bugayenko</a:t>
-            </a:r>
-            <a:r>
-              <a:rPr lang="en-GB" dirty="0"/>
-              <a:t>, ‘Elegant Objects’, 2016</a:t>
-            </a:r>
-          </a:p>
-          <a:p>
-            <a:pPr>
-              <a:buFontTx/>
-              <a:buChar char="-"/>
-            </a:pPr>
-            <a:endParaRPr lang="en-GB" dirty="0"/>
+              <a:rPr lang="en-GB" sz="4000" dirty="0" smtClean="0"/>
+              <a:t>Why?  Oh, we needed to do this:</a:t>
+            </a:r>
+          </a:p>
+          <a:p>
+            <a:pPr marL="0" indent="0">
+              <a:buNone/>
+            </a:pPr>
+            <a:endParaRPr lang="en-GB" dirty="0" smtClean="0"/>
+          </a:p>
+          <a:p>
+            <a:pPr marL="0" indent="0">
+              <a:buNone/>
+            </a:pPr>
+            <a:r>
+              <a:rPr lang="en-GB" sz="3400" dirty="0" smtClean="0">
+                <a:latin typeface="Consolas" panose="020B0609020204030204" pitchFamily="49" charset="0"/>
+                <a:cs typeface="Consolas" panose="020B0609020204030204" pitchFamily="49" charset="0"/>
+              </a:rPr>
+              <a:t>  Order </a:t>
+            </a:r>
+            <a:r>
+              <a:rPr lang="en-GB" sz="3400" dirty="0" err="1">
+                <a:latin typeface="Consolas" panose="020B0609020204030204" pitchFamily="49" charset="0"/>
+                <a:cs typeface="Consolas" panose="020B0609020204030204" pitchFamily="49" charset="0"/>
+              </a:rPr>
+              <a:t>myOrder</a:t>
+            </a:r>
+            <a:r>
+              <a:rPr lang="en-GB" sz="3400" dirty="0">
+                <a:latin typeface="Consolas" panose="020B0609020204030204" pitchFamily="49" charset="0"/>
+                <a:cs typeface="Consolas" panose="020B0609020204030204" pitchFamily="49" charset="0"/>
+              </a:rPr>
+              <a:t> = new Order();</a:t>
+            </a:r>
+          </a:p>
+          <a:p>
+            <a:pPr marL="0" indent="0">
+              <a:buNone/>
+            </a:pPr>
+            <a:r>
+              <a:rPr lang="en-GB" sz="3400" dirty="0" smtClean="0">
+                <a:latin typeface="Consolas" panose="020B0609020204030204" pitchFamily="49" charset="0"/>
+                <a:cs typeface="Consolas" panose="020B0609020204030204" pitchFamily="49" charset="0"/>
+              </a:rPr>
+              <a:t>  </a:t>
+            </a:r>
+            <a:r>
+              <a:rPr lang="en-GB" sz="3400" dirty="0" err="1" smtClean="0">
+                <a:latin typeface="Consolas" panose="020B0609020204030204" pitchFamily="49" charset="0"/>
+                <a:cs typeface="Consolas" panose="020B0609020204030204" pitchFamily="49" charset="0"/>
+              </a:rPr>
+              <a:t>myOrder.AddItems</a:t>
+            </a:r>
+            <a:r>
+              <a:rPr lang="en-GB" sz="3400" dirty="0" smtClean="0">
+                <a:latin typeface="Consolas" panose="020B0609020204030204" pitchFamily="49" charset="0"/>
+                <a:cs typeface="Consolas" panose="020B0609020204030204" pitchFamily="49" charset="0"/>
+              </a:rPr>
+              <a:t>(checkout</a:t>
+            </a:r>
+            <a:r>
+              <a:rPr lang="en-GB" sz="3400" dirty="0">
+                <a:latin typeface="Consolas" panose="020B0609020204030204" pitchFamily="49" charset="0"/>
+                <a:cs typeface="Consolas" panose="020B0609020204030204" pitchFamily="49" charset="0"/>
+              </a:rPr>
+              <a:t>);</a:t>
+            </a:r>
+          </a:p>
+          <a:p>
+            <a:pPr marL="0" indent="0">
+              <a:buNone/>
+            </a:pPr>
+            <a:r>
+              <a:rPr lang="en-GB" sz="3400" dirty="0" smtClean="0">
+                <a:latin typeface="Consolas" panose="020B0609020204030204" pitchFamily="49" charset="0"/>
+                <a:cs typeface="Consolas" panose="020B0609020204030204" pitchFamily="49" charset="0"/>
+              </a:rPr>
+              <a:t>  </a:t>
+            </a:r>
+            <a:r>
+              <a:rPr lang="en-GB" sz="3400" b="1" dirty="0" err="1" smtClean="0">
+                <a:latin typeface="Consolas" panose="020B0609020204030204" pitchFamily="49" charset="0"/>
+                <a:cs typeface="Consolas" panose="020B0609020204030204" pitchFamily="49" charset="0"/>
+              </a:rPr>
+              <a:t>myOrder.CalculateTotals</a:t>
+            </a:r>
+            <a:r>
+              <a:rPr lang="en-GB" sz="3400" b="1" dirty="0">
+                <a:latin typeface="Consolas" panose="020B0609020204030204" pitchFamily="49" charset="0"/>
+                <a:cs typeface="Consolas" panose="020B0609020204030204" pitchFamily="49" charset="0"/>
+              </a:rPr>
+              <a:t>();</a:t>
+            </a:r>
+          </a:p>
+          <a:p>
+            <a:pPr marL="0" indent="0">
+              <a:buNone/>
+            </a:pPr>
+            <a:r>
+              <a:rPr lang="en-GB" sz="3400" dirty="0" smtClean="0">
+                <a:latin typeface="Consolas" panose="020B0609020204030204" pitchFamily="49" charset="0"/>
+                <a:cs typeface="Consolas" panose="020B0609020204030204" pitchFamily="49" charset="0"/>
+              </a:rPr>
+              <a:t>  </a:t>
+            </a:r>
+            <a:r>
+              <a:rPr lang="en-GB" sz="3400" dirty="0" err="1" smtClean="0">
+                <a:latin typeface="Consolas" panose="020B0609020204030204" pitchFamily="49" charset="0"/>
+                <a:cs typeface="Consolas" panose="020B0609020204030204" pitchFamily="49" charset="0"/>
+              </a:rPr>
+              <a:t>Printer.Print</a:t>
+            </a:r>
+            <a:r>
+              <a:rPr lang="en-GB" sz="3400" dirty="0" smtClean="0">
+                <a:latin typeface="Consolas" panose="020B0609020204030204" pitchFamily="49" charset="0"/>
+                <a:cs typeface="Consolas" panose="020B0609020204030204" pitchFamily="49" charset="0"/>
+              </a:rPr>
+              <a:t>(</a:t>
+            </a:r>
+            <a:r>
+              <a:rPr lang="en-GB" sz="3400" dirty="0" err="1" smtClean="0">
+                <a:latin typeface="Consolas" panose="020B0609020204030204" pitchFamily="49" charset="0"/>
+                <a:cs typeface="Consolas" panose="020B0609020204030204" pitchFamily="49" charset="0"/>
+              </a:rPr>
+              <a:t>myOrder</a:t>
+            </a:r>
+            <a:r>
+              <a:rPr lang="en-GB" sz="3400" dirty="0" smtClean="0">
+                <a:latin typeface="Consolas" panose="020B0609020204030204" pitchFamily="49" charset="0"/>
+                <a:cs typeface="Consolas" panose="020B0609020204030204" pitchFamily="49" charset="0"/>
+              </a:rPr>
+              <a:t>);</a:t>
+            </a:r>
+          </a:p>
+          <a:p>
+            <a:pPr marL="0" indent="0">
+              <a:buNone/>
+            </a:pPr>
+            <a:endParaRPr lang="en-GB" sz="3400" dirty="0">
+              <a:latin typeface="Consolas" panose="020B0609020204030204" pitchFamily="49" charset="0"/>
+              <a:cs typeface="Consolas" panose="020B0609020204030204" pitchFamily="49" charset="0"/>
+            </a:endParaRPr>
+          </a:p>
+          <a:p>
+            <a:pPr marL="0" indent="0">
+              <a:buNone/>
+            </a:pPr>
+            <a:r>
+              <a:rPr lang="en-GB" sz="3400" dirty="0" smtClean="0"/>
+              <a:t>This is still possible with immutable code, but certain kinds are prevented, and it becomes more obvious.</a:t>
+            </a:r>
+            <a:endParaRPr lang="en-GB" sz="3400" dirty="0"/>
           </a:p>
         </p:txBody>
       </p:sp>
     </p:spTree>
     <p:extLst>
       <p:ext uri="{BB962C8B-B14F-4D97-AF65-F5344CB8AC3E}">
-        <p14:creationId xmlns:p14="http://schemas.microsoft.com/office/powerpoint/2010/main" val="2520649781"/>
+        <p14:creationId xmlns:p14="http://schemas.microsoft.com/office/powerpoint/2010/main" val="301643291"/>
+      </p:ext>
+    </p:extLst>
+  </p:cSld>
+  <p:clrMapOvr>
+    <a:masterClrMapping/>
+  </p:clrMapOvr>
+  <p:timing>
+    <p:tnLst>
+      <p:par>
+        <p:cTn id="1" dur="indefinite" restart="never" nodeType="tmRoot"/>
+      </p:par>
+    </p:tnLst>
+  </p:timing>
+</p:sld>
+</file>
+
+<file path=ppt/slides/slide9.xml><?xml version="1.0" encoding="utf-8"?>
+<p:sld xmlns:a="http://schemas.openxmlformats.org/drawingml/2006/main" xmlns:r="http://schemas.openxmlformats.org/officeDocument/2006/relationships" xmlns:p="http://schemas.openxmlformats.org/presentationml/2006/main">
+  <p:cSld>
+    <p:spTree>
+      <p:nvGrpSpPr>
+        <p:cNvPr id="1" name=""/>
+        <p:cNvGrpSpPr/>
+        <p:nvPr/>
+      </p:nvGrpSpPr>
+      <p:grpSpPr>
+        <a:xfrm>
+          <a:off x="0" y="0"/>
+          <a:ext cx="0" cy="0"/>
+          <a:chOff x="0" y="0"/>
+          <a:chExt cx="0" cy="0"/>
+        </a:xfrm>
+      </p:grpSpPr>
+      <p:sp>
+        <p:nvSpPr>
+          <p:cNvPr id="2" name="Title 1"/>
+          <p:cNvSpPr>
+            <a:spLocks noGrp="1"/>
+          </p:cNvSpPr>
+          <p:nvPr>
+            <p:ph type="title"/>
+          </p:nvPr>
+        </p:nvSpPr>
+        <p:spPr/>
+        <p:txBody>
+          <a:bodyPr/>
+          <a:lstStyle/>
+          <a:p>
+            <a:r>
+              <a:rPr lang="en-GB" dirty="0" smtClean="0"/>
+              <a:t>Invalid Objects</a:t>
+            </a:r>
+            <a:endParaRPr lang="en-GB" dirty="0"/>
+          </a:p>
+        </p:txBody>
+      </p:sp>
+      <p:sp>
+        <p:nvSpPr>
+          <p:cNvPr id="3" name="Content Placeholder 2"/>
+          <p:cNvSpPr>
+            <a:spLocks noGrp="1"/>
+          </p:cNvSpPr>
+          <p:nvPr>
+            <p:ph idx="1"/>
+          </p:nvPr>
+        </p:nvSpPr>
+        <p:spPr/>
+        <p:txBody>
+          <a:bodyPr/>
+          <a:lstStyle/>
+          <a:p>
+            <a:pPr marL="0" indent="0">
+              <a:buNone/>
+            </a:pPr>
+            <a:r>
+              <a:rPr lang="en-GB" dirty="0" smtClean="0"/>
+              <a:t>Badly designed(?) code often requires properties to be set outside the constructor:</a:t>
+            </a:r>
+          </a:p>
+          <a:p>
+            <a:pPr marL="0" indent="0">
+              <a:buNone/>
+            </a:pPr>
+            <a:endParaRPr lang="en-GB" dirty="0" smtClean="0"/>
+          </a:p>
+          <a:p>
+            <a:pPr marL="0" indent="0">
+              <a:buNone/>
+            </a:pPr>
+            <a:r>
+              <a:rPr lang="en-GB" dirty="0" smtClean="0">
+                <a:latin typeface="Consolas" panose="020B0609020204030204" pitchFamily="49" charset="0"/>
+                <a:cs typeface="Consolas" panose="020B0609020204030204" pitchFamily="49" charset="0"/>
+              </a:rPr>
+              <a:t>  Order </a:t>
+            </a:r>
+            <a:r>
+              <a:rPr lang="en-GB" dirty="0" err="1" smtClean="0">
+                <a:latin typeface="Consolas" panose="020B0609020204030204" pitchFamily="49" charset="0"/>
+                <a:cs typeface="Consolas" panose="020B0609020204030204" pitchFamily="49" charset="0"/>
+              </a:rPr>
+              <a:t>myOrder</a:t>
+            </a:r>
+            <a:r>
+              <a:rPr lang="en-GB" dirty="0" smtClean="0">
+                <a:latin typeface="Consolas" panose="020B0609020204030204" pitchFamily="49" charset="0"/>
+                <a:cs typeface="Consolas" panose="020B0609020204030204" pitchFamily="49" charset="0"/>
+              </a:rPr>
+              <a:t> = new Order();</a:t>
+            </a:r>
+          </a:p>
+          <a:p>
+            <a:pPr marL="0" indent="0">
+              <a:buNone/>
+            </a:pPr>
+            <a:r>
+              <a:rPr lang="en-GB" dirty="0">
+                <a:latin typeface="Consolas" panose="020B0609020204030204" pitchFamily="49" charset="0"/>
+                <a:cs typeface="Consolas" panose="020B0609020204030204" pitchFamily="49" charset="0"/>
+              </a:rPr>
+              <a:t> </a:t>
+            </a:r>
+            <a:r>
+              <a:rPr lang="en-GB" dirty="0" smtClean="0">
+                <a:latin typeface="Consolas" panose="020B0609020204030204" pitchFamily="49" charset="0"/>
+                <a:cs typeface="Consolas" panose="020B0609020204030204" pitchFamily="49" charset="0"/>
+              </a:rPr>
+              <a:t> </a:t>
+            </a:r>
+            <a:r>
+              <a:rPr lang="en-GB" dirty="0" err="1" smtClean="0">
+                <a:latin typeface="Consolas" panose="020B0609020204030204" pitchFamily="49" charset="0"/>
+                <a:cs typeface="Consolas" panose="020B0609020204030204" pitchFamily="49" charset="0"/>
+              </a:rPr>
+              <a:t>myOrder.Id</a:t>
+            </a:r>
+            <a:r>
+              <a:rPr lang="en-GB" dirty="0" smtClean="0">
+                <a:latin typeface="Consolas" panose="020B0609020204030204" pitchFamily="49" charset="0"/>
+                <a:cs typeface="Consolas" panose="020B0609020204030204" pitchFamily="49" charset="0"/>
+              </a:rPr>
+              <a:t> = 123; </a:t>
+            </a:r>
+          </a:p>
+          <a:p>
+            <a:pPr marL="0" indent="0">
+              <a:buNone/>
+            </a:pPr>
+            <a:endParaRPr lang="en-GB" dirty="0" smtClean="0"/>
+          </a:p>
+          <a:p>
+            <a:pPr marL="0" indent="0">
+              <a:buNone/>
+            </a:pPr>
+            <a:r>
+              <a:rPr lang="en-GB" dirty="0" smtClean="0"/>
+              <a:t>In immutable code, everything would need to be set in the constructor, so an object could not be in an invalid state.</a:t>
+            </a:r>
+            <a:endParaRPr lang="en-GB" dirty="0"/>
+          </a:p>
+        </p:txBody>
+      </p:sp>
+    </p:spTree>
+    <p:extLst>
+      <p:ext uri="{BB962C8B-B14F-4D97-AF65-F5344CB8AC3E}">
+        <p14:creationId xmlns:p14="http://schemas.microsoft.com/office/powerpoint/2010/main" val="917802741"/>
       </p:ext>
     </p:extLst>
   </p:cSld>
